--- a/Postgres/postgress_session 3.pptx
+++ b/Postgres/postgress_session 3.pptx
@@ -6,19 +6,20 @@
   </p:sldMasterIdLst>
   <p:sldIdLst>
     <p:sldId id="258" r:id="rId2"/>
-    <p:sldId id="260" r:id="rId3"/>
-    <p:sldId id="261" r:id="rId4"/>
-    <p:sldId id="263" r:id="rId5"/>
-    <p:sldId id="259" r:id="rId6"/>
-    <p:sldId id="266" r:id="rId7"/>
-    <p:sldId id="267" r:id="rId8"/>
-    <p:sldId id="268" r:id="rId9"/>
-    <p:sldId id="269" r:id="rId10"/>
-    <p:sldId id="270" r:id="rId11"/>
-    <p:sldId id="271" r:id="rId12"/>
-    <p:sldId id="272" r:id="rId13"/>
-    <p:sldId id="274" r:id="rId14"/>
-    <p:sldId id="273" r:id="rId15"/>
+    <p:sldId id="275" r:id="rId3"/>
+    <p:sldId id="269" r:id="rId4"/>
+    <p:sldId id="268" r:id="rId5"/>
+    <p:sldId id="270" r:id="rId6"/>
+    <p:sldId id="271" r:id="rId7"/>
+    <p:sldId id="273" r:id="rId8"/>
+    <p:sldId id="272" r:id="rId9"/>
+    <p:sldId id="274" r:id="rId10"/>
+    <p:sldId id="276" r:id="rId11"/>
+    <p:sldId id="277" r:id="rId12"/>
+    <p:sldId id="278" r:id="rId13"/>
+    <p:sldId id="260" r:id="rId14"/>
+    <p:sldId id="263" r:id="rId15"/>
+    <p:sldId id="261" r:id="rId16"/>
   </p:sldIdLst>
   <p:sldSz cx="12192000" cy="6858000"/>
   <p:notesSz cx="6858000" cy="9144000"/>
@@ -128,8 +129,11 @@
 <file path=ppt/revisionInfo.xml><?xml version="1.0" encoding="utf-8"?>
 <p1510:revInfo xmlns:a="http://schemas.openxmlformats.org/drawingml/2006/main" xmlns:r="http://schemas.openxmlformats.org/officeDocument/2006/relationships" xmlns:p1510="http://schemas.microsoft.com/office/powerpoint/2015/10/main">
   <p1510:revLst>
+    <p1510:client id="{5D6CED62-139A-AD25-5438-7CDE35ECED26}" v="86" dt="2023-09-05T07:30:03.529"/>
     <p1510:client id="{830308F5-AF06-4BD0-B761-2A8D9E2CA338}" v="6" dt="2023-07-28T07:46:41.599"/>
     <p1510:client id="{833EBB1E-0216-2355-AF57-78ED46B0375A}" v="213" dt="2023-08-01T07:04:30.006"/>
+    <p1510:client id="{F6ABA762-BE9A-6381-7FD5-AE83CC556E12}" v="5" dt="2023-09-08T08:51:00.613"/>
+    <p1510:client id="{FA9420A2-AEF4-3860-0329-364F446E1D28}" v="2" dt="2023-09-05T07:12:01.309"/>
   </p1510:revLst>
 </p1510:revInfo>
 </file>
@@ -373,6 +377,194 @@
       </pc:sldChg>
     </pc:docChg>
   </pc:docChgLst>
+  <pc:docChgLst>
+    <pc:chgData name="Sweta Kumari (MIS)" userId="S::kumaris@moodys.com::769d184f-71f0-4b1f-b2a4-e65c89aada66" providerId="AD" clId="Web-{FA9420A2-AEF4-3860-0329-364F446E1D28}"/>
+    <pc:docChg chg="sldOrd">
+      <pc:chgData name="Sweta Kumari (MIS)" userId="S::kumaris@moodys.com::769d184f-71f0-4b1f-b2a4-e65c89aada66" providerId="AD" clId="Web-{FA9420A2-AEF4-3860-0329-364F446E1D28}" dt="2023-09-05T07:12:01.309" v="1"/>
+      <pc:docMkLst>
+        <pc:docMk/>
+      </pc:docMkLst>
+      <pc:sldChg chg="ord">
+        <pc:chgData name="Sweta Kumari (MIS)" userId="S::kumaris@moodys.com::769d184f-71f0-4b1f-b2a4-e65c89aada66" providerId="AD" clId="Web-{FA9420A2-AEF4-3860-0329-364F446E1D28}" dt="2023-09-05T07:12:01.309" v="1"/>
+        <pc:sldMkLst>
+          <pc:docMk/>
+          <pc:sldMk cId="550185072" sldId="258"/>
+        </pc:sldMkLst>
+      </pc:sldChg>
+      <pc:sldChg chg="ord">
+        <pc:chgData name="Sweta Kumari (MIS)" userId="S::kumaris@moodys.com::769d184f-71f0-4b1f-b2a4-e65c89aada66" providerId="AD" clId="Web-{FA9420A2-AEF4-3860-0329-364F446E1D28}" dt="2023-09-05T07:11:51.808" v="0"/>
+        <pc:sldMkLst>
+          <pc:docMk/>
+          <pc:sldMk cId="1529040489" sldId="261"/>
+        </pc:sldMkLst>
+      </pc:sldChg>
+    </pc:docChg>
+  </pc:docChgLst>
+  <pc:docChgLst>
+    <pc:chgData name="Sweta Kumari (MIS)" userId="S::kumaris@moodys.com::769d184f-71f0-4b1f-b2a4-e65c89aada66" providerId="AD" clId="Web-{5D6CED62-139A-AD25-5438-7CDE35ECED26}"/>
+    <pc:docChg chg="addSld delSld modSld sldOrd">
+      <pc:chgData name="Sweta Kumari (MIS)" userId="S::kumaris@moodys.com::769d184f-71f0-4b1f-b2a4-e65c89aada66" providerId="AD" clId="Web-{5D6CED62-139A-AD25-5438-7CDE35ECED26}" dt="2023-09-05T07:30:01.200" v="70" actId="20577"/>
+      <pc:docMkLst>
+        <pc:docMk/>
+      </pc:docMkLst>
+      <pc:sldChg chg="modSp">
+        <pc:chgData name="Sweta Kumari (MIS)" userId="S::kumaris@moodys.com::769d184f-71f0-4b1f-b2a4-e65c89aada66" providerId="AD" clId="Web-{5D6CED62-139A-AD25-5438-7CDE35ECED26}" dt="2023-09-05T07:24:20.704" v="48" actId="20577"/>
+        <pc:sldMkLst>
+          <pc:docMk/>
+          <pc:sldMk cId="550185072" sldId="258"/>
+        </pc:sldMkLst>
+        <pc:spChg chg="mod">
+          <ac:chgData name="Sweta Kumari (MIS)" userId="S::kumaris@moodys.com::769d184f-71f0-4b1f-b2a4-e65c89aada66" providerId="AD" clId="Web-{5D6CED62-139A-AD25-5438-7CDE35ECED26}" dt="2023-09-05T07:24:20.704" v="48" actId="20577"/>
+          <ac:spMkLst>
+            <pc:docMk/>
+            <pc:sldMk cId="550185072" sldId="258"/>
+            <ac:spMk id="3" creationId="{7E58EC14-28F8-B6DB-8A38-577FB524B802}"/>
+          </ac:spMkLst>
+        </pc:spChg>
+      </pc:sldChg>
+      <pc:sldChg chg="del">
+        <pc:chgData name="Sweta Kumari (MIS)" userId="S::kumaris@moodys.com::769d184f-71f0-4b1f-b2a4-e65c89aada66" providerId="AD" clId="Web-{5D6CED62-139A-AD25-5438-7CDE35ECED26}" dt="2023-09-05T07:13:48.729" v="0"/>
+        <pc:sldMkLst>
+          <pc:docMk/>
+          <pc:sldMk cId="2983470036" sldId="259"/>
+        </pc:sldMkLst>
+      </pc:sldChg>
+      <pc:sldChg chg="ord">
+        <pc:chgData name="Sweta Kumari (MIS)" userId="S::kumaris@moodys.com::769d184f-71f0-4b1f-b2a4-e65c89aada66" providerId="AD" clId="Web-{5D6CED62-139A-AD25-5438-7CDE35ECED26}" dt="2023-09-05T07:21:52.121" v="24"/>
+        <pc:sldMkLst>
+          <pc:docMk/>
+          <pc:sldMk cId="2559998229" sldId="260"/>
+        </pc:sldMkLst>
+      </pc:sldChg>
+      <pc:sldChg chg="ord">
+        <pc:chgData name="Sweta Kumari (MIS)" userId="S::kumaris@moodys.com::769d184f-71f0-4b1f-b2a4-e65c89aada66" providerId="AD" clId="Web-{5D6CED62-139A-AD25-5438-7CDE35ECED26}" dt="2023-09-05T07:22:08.809" v="25"/>
+        <pc:sldMkLst>
+          <pc:docMk/>
+          <pc:sldMk cId="1529040489" sldId="261"/>
+        </pc:sldMkLst>
+      </pc:sldChg>
+      <pc:sldChg chg="ord">
+        <pc:chgData name="Sweta Kumari (MIS)" userId="S::kumaris@moodys.com::769d184f-71f0-4b1f-b2a4-e65c89aada66" providerId="AD" clId="Web-{5D6CED62-139A-AD25-5438-7CDE35ECED26}" dt="2023-09-05T07:23:24.061" v="27"/>
+        <pc:sldMkLst>
+          <pc:docMk/>
+          <pc:sldMk cId="2766075364" sldId="263"/>
+        </pc:sldMkLst>
+      </pc:sldChg>
+      <pc:sldChg chg="del">
+        <pc:chgData name="Sweta Kumari (MIS)" userId="S::kumaris@moodys.com::769d184f-71f0-4b1f-b2a4-e65c89aada66" providerId="AD" clId="Web-{5D6CED62-139A-AD25-5438-7CDE35ECED26}" dt="2023-09-05T07:13:50.510" v="1"/>
+        <pc:sldMkLst>
+          <pc:docMk/>
+          <pc:sldMk cId="179763796" sldId="266"/>
+        </pc:sldMkLst>
+      </pc:sldChg>
+      <pc:sldChg chg="del">
+        <pc:chgData name="Sweta Kumari (MIS)" userId="S::kumaris@moodys.com::769d184f-71f0-4b1f-b2a4-e65c89aada66" providerId="AD" clId="Web-{5D6CED62-139A-AD25-5438-7CDE35ECED26}" dt="2023-09-05T07:13:54.073" v="2"/>
+        <pc:sldMkLst>
+          <pc:docMk/>
+          <pc:sldMk cId="1664075873" sldId="267"/>
+        </pc:sldMkLst>
+      </pc:sldChg>
+      <pc:sldChg chg="modSp ord">
+        <pc:chgData name="Sweta Kumari (MIS)" userId="S::kumaris@moodys.com::769d184f-71f0-4b1f-b2a4-e65c89aada66" providerId="AD" clId="Web-{5D6CED62-139A-AD25-5438-7CDE35ECED26}" dt="2023-09-05T07:25:04.628" v="52"/>
+        <pc:sldMkLst>
+          <pc:docMk/>
+          <pc:sldMk cId="1265351006" sldId="268"/>
+        </pc:sldMkLst>
+        <pc:spChg chg="mod">
+          <ac:chgData name="Sweta Kumari (MIS)" userId="S::kumaris@moodys.com::769d184f-71f0-4b1f-b2a4-e65c89aada66" providerId="AD" clId="Web-{5D6CED62-139A-AD25-5438-7CDE35ECED26}" dt="2023-09-05T07:23:44.172" v="29" actId="20577"/>
+          <ac:spMkLst>
+            <pc:docMk/>
+            <pc:sldMk cId="1265351006" sldId="268"/>
+            <ac:spMk id="6" creationId="{36670B7B-78F1-209D-D478-00089C23D1A7}"/>
+          </ac:spMkLst>
+        </pc:spChg>
+      </pc:sldChg>
+      <pc:sldChg chg="modSp ord">
+        <pc:chgData name="Sweta Kumari (MIS)" userId="S::kumaris@moodys.com::769d184f-71f0-4b1f-b2a4-e65c89aada66" providerId="AD" clId="Web-{5D6CED62-139A-AD25-5438-7CDE35ECED26}" dt="2023-09-05T07:26:13.255" v="59" actId="20577"/>
+        <pc:sldMkLst>
+          <pc:docMk/>
+          <pc:sldMk cId="2553123298" sldId="269"/>
+        </pc:sldMkLst>
+        <pc:spChg chg="mod">
+          <ac:chgData name="Sweta Kumari (MIS)" userId="S::kumaris@moodys.com::769d184f-71f0-4b1f-b2a4-e65c89aada66" providerId="AD" clId="Web-{5D6CED62-139A-AD25-5438-7CDE35ECED26}" dt="2023-09-05T07:26:13.255" v="59" actId="20577"/>
+          <ac:spMkLst>
+            <pc:docMk/>
+            <pc:sldMk cId="2553123298" sldId="269"/>
+            <ac:spMk id="6" creationId="{36670B7B-78F1-209D-D478-00089C23D1A7}"/>
+          </ac:spMkLst>
+        </pc:spChg>
+      </pc:sldChg>
+      <pc:sldChg chg="ord">
+        <pc:chgData name="Sweta Kumari (MIS)" userId="S::kumaris@moodys.com::769d184f-71f0-4b1f-b2a4-e65c89aada66" providerId="AD" clId="Web-{5D6CED62-139A-AD25-5438-7CDE35ECED26}" dt="2023-09-05T07:24:52.533" v="50"/>
+        <pc:sldMkLst>
+          <pc:docMk/>
+          <pc:sldMk cId="3537918646" sldId="270"/>
+        </pc:sldMkLst>
+      </pc:sldChg>
+      <pc:sldChg chg="ord">
+        <pc:chgData name="Sweta Kumari (MIS)" userId="S::kumaris@moodys.com::769d184f-71f0-4b1f-b2a4-e65c89aada66" providerId="AD" clId="Web-{5D6CED62-139A-AD25-5438-7CDE35ECED26}" dt="2023-09-05T07:25:36.613" v="53"/>
+        <pc:sldMkLst>
+          <pc:docMk/>
+          <pc:sldMk cId="2179145596" sldId="273"/>
+        </pc:sldMkLst>
+      </pc:sldChg>
+      <pc:sldChg chg="delSp modSp new">
+        <pc:chgData name="Sweta Kumari (MIS)" userId="S::kumaris@moodys.com::769d184f-71f0-4b1f-b2a4-e65c89aada66" providerId="AD" clId="Web-{5D6CED62-139A-AD25-5438-7CDE35ECED26}" dt="2023-09-05T07:30:01.200" v="70" actId="20577"/>
+        <pc:sldMkLst>
+          <pc:docMk/>
+          <pc:sldMk cId="1161033942" sldId="275"/>
+        </pc:sldMkLst>
+        <pc:spChg chg="mod">
+          <ac:chgData name="Sweta Kumari (MIS)" userId="S::kumaris@moodys.com::769d184f-71f0-4b1f-b2a4-e65c89aada66" providerId="AD" clId="Web-{5D6CED62-139A-AD25-5438-7CDE35ECED26}" dt="2023-09-05T07:30:01.200" v="70" actId="20577"/>
+          <ac:spMkLst>
+            <pc:docMk/>
+            <pc:sldMk cId="1161033942" sldId="275"/>
+            <ac:spMk id="2" creationId="{12179E29-80C2-5FB2-BF07-897D4DA075A1}"/>
+          </ac:spMkLst>
+        </pc:spChg>
+        <pc:spChg chg="del">
+          <ac:chgData name="Sweta Kumari (MIS)" userId="S::kumaris@moodys.com::769d184f-71f0-4b1f-b2a4-e65c89aada66" providerId="AD" clId="Web-{5D6CED62-139A-AD25-5438-7CDE35ECED26}" dt="2023-09-05T07:22:30.763" v="26"/>
+          <ac:spMkLst>
+            <pc:docMk/>
+            <pc:sldMk cId="1161033942" sldId="275"/>
+            <ac:spMk id="3" creationId="{89EE229A-3CB2-B93D-F352-832BEB0D8866}"/>
+          </ac:spMkLst>
+        </pc:spChg>
+      </pc:sldChg>
+    </pc:docChg>
+  </pc:docChgLst>
+  <pc:docChgLst>
+    <pc:chgData name="Sweta Kumari (MIS)" userId="S::kumaris@moodys.com::769d184f-71f0-4b1f-b2a4-e65c89aada66" providerId="AD" clId="Web-{F6ABA762-BE9A-6381-7FD5-AE83CC556E12}"/>
+    <pc:docChg chg="modSld">
+      <pc:chgData name="Sweta Kumari (MIS)" userId="S::kumaris@moodys.com::769d184f-71f0-4b1f-b2a4-e65c89aada66" providerId="AD" clId="Web-{F6ABA762-BE9A-6381-7FD5-AE83CC556E12}" dt="2023-09-08T08:51:00.613" v="3" actId="20577"/>
+      <pc:docMkLst>
+        <pc:docMk/>
+      </pc:docMkLst>
+      <pc:sldChg chg="modSp">
+        <pc:chgData name="Sweta Kumari (MIS)" userId="S::kumaris@moodys.com::769d184f-71f0-4b1f-b2a4-e65c89aada66" providerId="AD" clId="Web-{F6ABA762-BE9A-6381-7FD5-AE83CC556E12}" dt="2023-09-08T08:51:00.613" v="3" actId="20577"/>
+        <pc:sldMkLst>
+          <pc:docMk/>
+          <pc:sldMk cId="674725545" sldId="277"/>
+        </pc:sldMkLst>
+        <pc:spChg chg="mod">
+          <ac:chgData name="Sweta Kumari (MIS)" userId="S::kumaris@moodys.com::769d184f-71f0-4b1f-b2a4-e65c89aada66" providerId="AD" clId="Web-{F6ABA762-BE9A-6381-7FD5-AE83CC556E12}" dt="2023-09-08T08:50:51.285" v="1" actId="20577"/>
+          <ac:spMkLst>
+            <pc:docMk/>
+            <pc:sldMk cId="674725545" sldId="277"/>
+            <ac:spMk id="2" creationId="{3C3CA1D4-3CC1-AD8D-548C-D92CB7AB6C11}"/>
+          </ac:spMkLst>
+        </pc:spChg>
+        <pc:spChg chg="mod">
+          <ac:chgData name="Sweta Kumari (MIS)" userId="S::kumaris@moodys.com::769d184f-71f0-4b1f-b2a4-e65c89aada66" providerId="AD" clId="Web-{F6ABA762-BE9A-6381-7FD5-AE83CC556E12}" dt="2023-09-08T08:51:00.613" v="3" actId="20577"/>
+          <ac:spMkLst>
+            <pc:docMk/>
+            <pc:sldMk cId="674725545" sldId="277"/>
+            <ac:spMk id="3" creationId="{E21E52A3-76B6-55B1-1B4D-EC79802B3786}"/>
+          </ac:spMkLst>
+        </pc:spChg>
+      </pc:sldChg>
+    </pc:docChg>
+  </pc:docChgLst>
 </pc:chgInfo>
 </file>
 
@@ -523,7 +715,7 @@
           <a:p>
             <a:fld id="{105443C0-478C-466A-A3B0-AB3866F807B2}" type="datetimeFigureOut">
               <a:rPr lang="en-US" smtClean="0"/>
-              <a:t>7/31/2023</a:t>
+              <a:t>9/8/2023</a:t>
             </a:fld>
             <a:endParaRPr lang="en-US"/>
           </a:p>
@@ -721,7 +913,7 @@
           <a:p>
             <a:fld id="{105443C0-478C-466A-A3B0-AB3866F807B2}" type="datetimeFigureOut">
               <a:rPr lang="en-US" smtClean="0"/>
-              <a:t>7/31/2023</a:t>
+              <a:t>9/8/2023</a:t>
             </a:fld>
             <a:endParaRPr lang="en-US"/>
           </a:p>
@@ -929,7 +1121,7 @@
           <a:p>
             <a:fld id="{105443C0-478C-466A-A3B0-AB3866F807B2}" type="datetimeFigureOut">
               <a:rPr lang="en-US" smtClean="0"/>
-              <a:t>7/31/2023</a:t>
+              <a:t>9/8/2023</a:t>
             </a:fld>
             <a:endParaRPr lang="en-US"/>
           </a:p>
@@ -1127,7 +1319,7 @@
           <a:p>
             <a:fld id="{105443C0-478C-466A-A3B0-AB3866F807B2}" type="datetimeFigureOut">
               <a:rPr lang="en-US" smtClean="0"/>
-              <a:t>7/31/2023</a:t>
+              <a:t>9/8/2023</a:t>
             </a:fld>
             <a:endParaRPr lang="en-US"/>
           </a:p>
@@ -1402,7 +1594,7 @@
           <a:p>
             <a:fld id="{105443C0-478C-466A-A3B0-AB3866F807B2}" type="datetimeFigureOut">
               <a:rPr lang="en-US" smtClean="0"/>
-              <a:t>7/31/2023</a:t>
+              <a:t>9/8/2023</a:t>
             </a:fld>
             <a:endParaRPr lang="en-US"/>
           </a:p>
@@ -1667,7 +1859,7 @@
           <a:p>
             <a:fld id="{105443C0-478C-466A-A3B0-AB3866F807B2}" type="datetimeFigureOut">
               <a:rPr lang="en-US" smtClean="0"/>
-              <a:t>7/31/2023</a:t>
+              <a:t>9/8/2023</a:t>
             </a:fld>
             <a:endParaRPr lang="en-US"/>
           </a:p>
@@ -2079,7 +2271,7 @@
           <a:p>
             <a:fld id="{105443C0-478C-466A-A3B0-AB3866F807B2}" type="datetimeFigureOut">
               <a:rPr lang="en-US" smtClean="0"/>
-              <a:t>7/31/2023</a:t>
+              <a:t>9/8/2023</a:t>
             </a:fld>
             <a:endParaRPr lang="en-US"/>
           </a:p>
@@ -2220,7 +2412,7 @@
           <a:p>
             <a:fld id="{105443C0-478C-466A-A3B0-AB3866F807B2}" type="datetimeFigureOut">
               <a:rPr lang="en-US" smtClean="0"/>
-              <a:t>7/31/2023</a:t>
+              <a:t>9/8/2023</a:t>
             </a:fld>
             <a:endParaRPr lang="en-US"/>
           </a:p>
@@ -2333,7 +2525,7 @@
           <a:p>
             <a:fld id="{105443C0-478C-466A-A3B0-AB3866F807B2}" type="datetimeFigureOut">
               <a:rPr lang="en-US" smtClean="0"/>
-              <a:t>7/31/2023</a:t>
+              <a:t>9/8/2023</a:t>
             </a:fld>
             <a:endParaRPr lang="en-US"/>
           </a:p>
@@ -2644,7 +2836,7 @@
           <a:p>
             <a:fld id="{105443C0-478C-466A-A3B0-AB3866F807B2}" type="datetimeFigureOut">
               <a:rPr lang="en-US" smtClean="0"/>
-              <a:t>7/31/2023</a:t>
+              <a:t>9/8/2023</a:t>
             </a:fld>
             <a:endParaRPr lang="en-US"/>
           </a:p>
@@ -2932,7 +3124,7 @@
           <a:p>
             <a:fld id="{105443C0-478C-466A-A3B0-AB3866F807B2}" type="datetimeFigureOut">
               <a:rPr lang="en-US" smtClean="0"/>
-              <a:t>7/31/2023</a:t>
+              <a:t>9/8/2023</a:t>
             </a:fld>
             <a:endParaRPr lang="en-US"/>
           </a:p>
@@ -3173,7 +3365,7 @@
           <a:p>
             <a:fld id="{105443C0-478C-466A-A3B0-AB3866F807B2}" type="datetimeFigureOut">
               <a:rPr lang="en-US" smtClean="0"/>
-              <a:t>7/31/2023</a:t>
+              <a:t>9/8/2023</a:t>
             </a:fld>
             <a:endParaRPr lang="en-US"/>
           </a:p>
@@ -3658,7 +3850,7 @@
           </a:xfrm>
         </p:spPr>
         <p:txBody>
-          <a:bodyPr>
+          <a:bodyPr vert="horz" lIns="91440" tIns="45720" rIns="91440" bIns="45720" rtlCol="0" anchor="t">
             <a:normAutofit/>
           </a:bodyPr>
           <a:lstStyle/>
@@ -3671,10 +3863,9 @@
           </a:p>
           <a:p>
             <a:pPr algn="l"/>
-            <a:r>
-              <a:rPr lang="en-US" b="1" dirty="0"/>
-              <a:t>SQL | DDL, DQL, DML, DCL and TCL</a:t>
-            </a:r>
+            <a:endParaRPr lang="en-US" b="1" dirty="0">
+              <a:cs typeface="Calibri"/>
+            </a:endParaRPr>
           </a:p>
           <a:p>
             <a:pPr algn="l"/>
@@ -3895,72 +4086,8 @@
                                   </p:childTnLst>
                                 </p:cTn>
                               </p:par>
-                            </p:childTnLst>
-                          </p:cTn>
-                        </p:par>
-                      </p:childTnLst>
-                    </p:cTn>
-                  </p:par>
-                  <p:par>
-                    <p:cTn id="8" fill="hold">
-                      <p:stCondLst>
-                        <p:cond delay="indefinite"/>
-                      </p:stCondLst>
-                      <p:childTnLst>
-                        <p:par>
-                          <p:cTn id="9" fill="hold">
-                            <p:stCondLst>
-                              <p:cond delay="0"/>
-                            </p:stCondLst>
-                            <p:childTnLst>
                               <p:par>
-                                <p:cTn id="10" presetID="10" presetClass="entr" presetSubtype="0" fill="hold" grpId="0" nodeType="clickEffect">
-                                  <p:stCondLst>
-                                    <p:cond delay="2000"/>
-                                  </p:stCondLst>
-                                  <p:iterate type="lt">
-                                    <p:tmPct val="10000"/>
-                                  </p:iterate>
-                                  <p:childTnLst>
-                                    <p:set>
-                                      <p:cBhvr>
-                                        <p:cTn id="11" dur="1" fill="hold">
-                                          <p:stCondLst>
-                                            <p:cond delay="0"/>
-                                          </p:stCondLst>
-                                        </p:cTn>
-                                        <p:tgtEl>
-                                          <p:spTgt spid="3">
-                                            <p:txEl>
-                                              <p:pRg st="1" end="1"/>
-                                            </p:txEl>
-                                          </p:spTgt>
-                                        </p:tgtEl>
-                                        <p:attrNameLst>
-                                          <p:attrName>style.visibility</p:attrName>
-                                        </p:attrNameLst>
-                                      </p:cBhvr>
-                                      <p:to>
-                                        <p:strVal val="visible"/>
-                                      </p:to>
-                                    </p:set>
-                                    <p:animEffect transition="in" filter="fade">
-                                      <p:cBhvr>
-                                        <p:cTn id="12" dur="400"/>
-                                        <p:tgtEl>
-                                          <p:spTgt spid="3">
-                                            <p:txEl>
-                                              <p:pRg st="1" end="1"/>
-                                            </p:txEl>
-                                          </p:spTgt>
-                                        </p:tgtEl>
-                                      </p:cBhvr>
-                                    </p:animEffect>
-                                  </p:childTnLst>
-                                </p:cTn>
-                              </p:par>
-                              <p:par>
-                                <p:cTn id="13" presetID="10" presetClass="entr" presetSubtype="0" fill="hold" grpId="0" nodeType="withEffect">
+                                <p:cTn id="8" presetID="10" presetClass="entr" presetSubtype="0" fill="hold" grpId="0" nodeType="withEffect">
                                   <p:stCondLst>
                                     <p:cond delay="1000"/>
                                   </p:stCondLst>
@@ -3970,7 +4097,7 @@
                                   <p:childTnLst>
                                     <p:set>
                                       <p:cBhvr>
-                                        <p:cTn id="14" dur="1" fill="hold">
+                                        <p:cTn id="9" dur="1" fill="hold">
                                           <p:stCondLst>
                                             <p:cond delay="0"/>
                                           </p:stCondLst>
@@ -3988,7 +4115,7 @@
                                     </p:set>
                                     <p:animEffect transition="in" filter="fade">
                                       <p:cBhvr>
-                                        <p:cTn id="15" dur="400"/>
+                                        <p:cTn id="10" dur="400"/>
                                         <p:tgtEl>
                                           <p:spTgt spid="2"/>
                                         </p:tgtEl>
@@ -4051,61 +4178,36 @@
       </p:grpSpPr>
       <p:sp>
         <p:nvSpPr>
-          <p:cNvPr id="6" name="TextBox 5">
+          <p:cNvPr id="2" name="Title 1">
             <a:extLst>
               <a:ext uri="{FF2B5EF4-FFF2-40B4-BE49-F238E27FC236}">
-                <a16:creationId xmlns:a16="http://schemas.microsoft.com/office/drawing/2014/main" id="{36670B7B-78F1-209D-D478-00089C23D1A7}"/>
+                <a16:creationId xmlns:a16="http://schemas.microsoft.com/office/drawing/2014/main" id="{3C3CA1D4-3CC1-AD8D-548C-D92CB7AB6C11}"/>
               </a:ext>
             </a:extLst>
           </p:cNvPr>
-          <p:cNvSpPr txBox="1"/>
-          <p:nvPr/>
+          <p:cNvSpPr>
+            <a:spLocks noGrp="1"/>
+          </p:cNvSpPr>
+          <p:nvPr>
+            <p:ph type="title"/>
+          </p:nvPr>
         </p:nvSpPr>
-        <p:spPr>
-          <a:xfrm>
-            <a:off x="968829" y="814046"/>
-            <a:ext cx="9656989" cy="1077218"/>
-          </a:xfrm>
-          <a:prstGeom prst="rect">
-            <a:avLst/>
-          </a:prstGeom>
-          <a:noFill/>
-        </p:spPr>
+        <p:spPr/>
         <p:txBody>
-          <a:bodyPr wrap="square" rtlCol="0">
-            <a:spAutoFit/>
-          </a:bodyPr>
+          <a:bodyPr/>
           <a:lstStyle/>
           <a:p>
-            <a:pPr fontAlgn="base"/>
-            <a:r>
-              <a:rPr lang="en-IN" sz="3200" b="0" i="0" u="sng" dirty="0">
-                <a:effectLst/>
-                <a:latin typeface="Nunito" pitchFamily="2" charset="0"/>
-                <a:hlinkClick r:id="rId2"/>
-              </a:rPr>
-              <a:t>SQL Operators</a:t>
-            </a:r>
-            <a:r>
-              <a:rPr lang="en-IN" sz="3200" b="1" i="0" dirty="0">
-                <a:solidFill>
-                  <a:srgbClr val="273239"/>
-                </a:solidFill>
-                <a:effectLst/>
-                <a:latin typeface="Source Sans 3"/>
-              </a:rPr>
-              <a:t> |  LIKE operator</a:t>
-            </a:r>
-          </a:p>
-          <a:p>
-            <a:pPr algn="l" fontAlgn="base"/>
-            <a:endParaRPr lang="en-IN" sz="3200" b="1" i="0" dirty="0">
-              <a:solidFill>
-                <a:srgbClr val="273239"/>
-              </a:solidFill>
-              <a:effectLst/>
-              <a:latin typeface="Source Sans 3"/>
-            </a:endParaRPr>
+            <a:r>
+              <a:rPr lang="en-IN" b="0" i="0" dirty="0">
+                <a:solidFill>
+                  <a:srgbClr val="303030"/>
+                </a:solidFill>
+                <a:effectLst/>
+                <a:latin typeface="Heebo" panose="020B0604020202020204" pitchFamily="2" charset="-79"/>
+                <a:cs typeface="Heebo" panose="020B0604020202020204" pitchFamily="2" charset="-79"/>
+              </a:rPr>
+              <a:t>GROUP BY</a:t>
+            </a:r>
           </a:p>
         </p:txBody>
       </p:sp>
@@ -4114,1199 +4216,7 @@
           <p:cNvPr id="3" name="Content Placeholder 2">
             <a:extLst>
               <a:ext uri="{FF2B5EF4-FFF2-40B4-BE49-F238E27FC236}">
-                <a16:creationId xmlns:a16="http://schemas.microsoft.com/office/drawing/2014/main" id="{701352DD-24C5-44A6-94F8-5587E5F114BE}"/>
-              </a:ext>
-            </a:extLst>
-          </p:cNvPr>
-          <p:cNvSpPr>
-            <a:spLocks noGrp="1"/>
-          </p:cNvSpPr>
-          <p:nvPr>
-            <p:ph idx="1"/>
-          </p:nvPr>
-        </p:nvSpPr>
-        <p:spPr/>
-        <p:txBody>
-          <a:bodyPr vert="horz" lIns="91440" tIns="45720" rIns="91440" bIns="45720" rtlCol="0" anchor="t">
-            <a:noAutofit/>
-          </a:bodyPr>
-          <a:lstStyle/>
-          <a:p>
-            <a:pPr algn="l" fontAlgn="base"/>
-            <a:r>
-              <a:rPr lang="en-US" sz="2000" b="0" i="0" dirty="0">
-                <a:solidFill>
-                  <a:srgbClr val="273239"/>
-                </a:solidFill>
-                <a:effectLst/>
-                <a:latin typeface="Calibri"/>
-                <a:cs typeface="Calibri Light"/>
-              </a:rPr>
-              <a:t>The PostgreSQL LIKE operator is used query data using pattern matching techniques. Its result include strings that are </a:t>
-            </a:r>
-            <a:r>
-              <a:rPr lang="en-US" sz="2000" b="1" i="0" dirty="0">
-                <a:solidFill>
-                  <a:srgbClr val="273239"/>
-                </a:solidFill>
-                <a:effectLst/>
-                <a:latin typeface="Calibri"/>
-                <a:cs typeface="Calibri Light"/>
-              </a:rPr>
-              <a:t>case-sensitive</a:t>
-            </a:r>
-            <a:r>
-              <a:rPr lang="en-US" sz="2000" b="0" i="0" dirty="0">
-                <a:solidFill>
-                  <a:srgbClr val="273239"/>
-                </a:solidFill>
-                <a:effectLst/>
-                <a:latin typeface="Calibri"/>
-                <a:cs typeface="Calibri Light"/>
-              </a:rPr>
-              <a:t> and follow the mentioned pattern.</a:t>
-            </a:r>
-            <a:br>
-              <a:rPr lang="en-US" sz="2000" b="0" i="0" dirty="0">
-                <a:effectLst/>
-                <a:latin typeface="Calibri"/>
-              </a:rPr>
-            </a:br>
-            <a:r>
-              <a:rPr lang="en-US" sz="2000" b="0" i="0" dirty="0">
-                <a:solidFill>
-                  <a:srgbClr val="273239"/>
-                </a:solidFill>
-                <a:effectLst/>
-                <a:latin typeface="Calibri"/>
-                <a:cs typeface="Calibri Light"/>
-              </a:rPr>
-              <a:t>It is important to know that PostgreSQL provides with 2 special wildcard characters for the purpose of patterns matching as below:</a:t>
-            </a:r>
-          </a:p>
-          <a:p>
-            <a:pPr algn="l" fontAlgn="base">
-              <a:buFont typeface="Arial" panose="020B0604020202020204" pitchFamily="34" charset="0"/>
-              <a:buChar char="•"/>
-            </a:pPr>
-            <a:r>
-              <a:rPr lang="en-US" sz="2000" b="0" i="0" dirty="0">
-                <a:solidFill>
-                  <a:srgbClr val="273239"/>
-                </a:solidFill>
-                <a:effectLst/>
-                <a:latin typeface="Calibri"/>
-                <a:cs typeface="Calibri Light"/>
-              </a:rPr>
-              <a:t>Percent ( %) for matching any sequence of characters.</a:t>
-            </a:r>
-          </a:p>
-          <a:p>
-            <a:pPr algn="l" fontAlgn="base">
-              <a:buFont typeface="Arial" panose="020B0604020202020204" pitchFamily="34" charset="0"/>
-              <a:buChar char="•"/>
-            </a:pPr>
-            <a:r>
-              <a:rPr lang="en-US" sz="2000" b="0" i="0" dirty="0">
-                <a:solidFill>
-                  <a:srgbClr val="273239"/>
-                </a:solidFill>
-                <a:effectLst/>
-                <a:latin typeface="Calibri"/>
-                <a:cs typeface="Calibri Light"/>
-              </a:rPr>
-              <a:t>Underscore ( _) for matching any single character.</a:t>
-            </a:r>
-          </a:p>
-          <a:p>
-            <a:pPr algn="l" fontAlgn="base">
-              <a:buFont typeface="Arial" panose="020B0604020202020204" pitchFamily="34" charset="0"/>
-              <a:buChar char="•"/>
-            </a:pPr>
-            <a:endParaRPr lang="en-US" sz="2000" dirty="0">
-              <a:solidFill>
-                <a:srgbClr val="273239"/>
-              </a:solidFill>
-              <a:latin typeface="Calibri"/>
-              <a:cs typeface="Calibri Light"/>
-            </a:endParaRPr>
-          </a:p>
-          <a:p>
-            <a:pPr marL="0" indent="0" algn="l" fontAlgn="base">
-              <a:buNone/>
-            </a:pPr>
-            <a:r>
-              <a:rPr lang="en-US" sz="2000" b="0" i="0" dirty="0">
-                <a:solidFill>
-                  <a:srgbClr val="273239"/>
-                </a:solidFill>
-                <a:effectLst/>
-                <a:latin typeface="Calibri"/>
-                <a:cs typeface="Calibri Light"/>
-              </a:rPr>
-              <a:t>Syntax: string LIKE pattern;</a:t>
-            </a:r>
-          </a:p>
-          <a:p>
-            <a:pPr marL="0" indent="0" algn="l" fontAlgn="base">
-              <a:buNone/>
-            </a:pPr>
-            <a:r>
-              <a:rPr lang="en-US" sz="2000" b="0" i="0" dirty="0">
-                <a:solidFill>
-                  <a:srgbClr val="273239"/>
-                </a:solidFill>
-                <a:effectLst/>
-                <a:latin typeface="Calibri"/>
-                <a:cs typeface="Calibri Light"/>
-              </a:rPr>
-              <a:t>SELECT </a:t>
-            </a:r>
-            <a:r>
-              <a:rPr lang="en-US" sz="2000" b="0" i="0" err="1">
-                <a:solidFill>
-                  <a:srgbClr val="273239"/>
-                </a:solidFill>
-                <a:effectLst/>
-                <a:latin typeface="Calibri"/>
-                <a:cs typeface="Calibri Light"/>
-              </a:rPr>
-              <a:t>first_name,last_name</a:t>
-            </a:r>
-            <a:r>
-              <a:rPr lang="en-US" sz="2000" b="0" i="0" dirty="0">
-                <a:solidFill>
-                  <a:srgbClr val="273239"/>
-                </a:solidFill>
-                <a:effectLst/>
-                <a:latin typeface="Calibri"/>
-                <a:cs typeface="Calibri Light"/>
-              </a:rPr>
-              <a:t> FROM customer WHERE </a:t>
-            </a:r>
-            <a:r>
-              <a:rPr lang="en-US" sz="2000" b="0" i="0" err="1">
-                <a:solidFill>
-                  <a:srgbClr val="273239"/>
-                </a:solidFill>
-                <a:effectLst/>
-                <a:latin typeface="Calibri"/>
-                <a:cs typeface="Calibri Light"/>
-              </a:rPr>
-              <a:t>first_name</a:t>
-            </a:r>
-            <a:r>
-              <a:rPr lang="en-US" sz="2000" b="0" i="0" dirty="0">
-                <a:solidFill>
-                  <a:srgbClr val="273239"/>
-                </a:solidFill>
-                <a:effectLst/>
-                <a:latin typeface="Calibri"/>
-                <a:cs typeface="Calibri Light"/>
-              </a:rPr>
-              <a:t> LIKE 'K%’;</a:t>
-            </a:r>
-          </a:p>
-          <a:p>
-            <a:pPr marL="0" indent="0" algn="l" fontAlgn="base">
-              <a:buNone/>
-            </a:pPr>
-            <a:r>
-              <a:rPr lang="en-US" sz="2000" b="0" i="0" dirty="0">
-                <a:solidFill>
-                  <a:srgbClr val="273239"/>
-                </a:solidFill>
-                <a:effectLst/>
-                <a:latin typeface="Calibri"/>
-                <a:cs typeface="Calibri Light"/>
-              </a:rPr>
-              <a:t>Here we will query for customers whose first name begins with any single character, is followed by the literal string “her”, and ends with any number of characters using the LIKE operator in our sample database</a:t>
-            </a:r>
-            <a:endParaRPr lang="en-US" sz="2000" dirty="0">
-              <a:solidFill>
-                <a:srgbClr val="273239"/>
-              </a:solidFill>
-              <a:latin typeface="Calibri"/>
-              <a:cs typeface="Calibri Light"/>
-            </a:endParaRPr>
-          </a:p>
-          <a:p>
-            <a:pPr marL="0" indent="0" fontAlgn="base">
-              <a:buNone/>
-            </a:pPr>
-            <a:r>
-              <a:rPr lang="en-US" sz="2000" b="0" i="0" dirty="0">
-                <a:solidFill>
-                  <a:srgbClr val="273239"/>
-                </a:solidFill>
-                <a:effectLst/>
-                <a:latin typeface="Calibri"/>
-                <a:cs typeface="Calibri Light"/>
-              </a:rPr>
-              <a:t>SELECT</a:t>
-            </a:r>
-            <a:r>
-              <a:rPr lang="en-US" sz="2000" dirty="0">
-                <a:solidFill>
-                  <a:srgbClr val="273239"/>
-                </a:solidFill>
-                <a:latin typeface="Calibri"/>
-                <a:cs typeface="Calibri Light"/>
-              </a:rPr>
-              <a:t>   </a:t>
-            </a:r>
-            <a:r>
-              <a:rPr lang="en-US" sz="2000" b="0" i="0" dirty="0">
-                <a:solidFill>
-                  <a:srgbClr val="273239"/>
-                </a:solidFill>
-                <a:effectLst/>
-                <a:latin typeface="Calibri"/>
-                <a:cs typeface="Calibri Light"/>
-              </a:rPr>
-              <a:t> </a:t>
-            </a:r>
-            <a:r>
-              <a:rPr lang="en-US" sz="2000" b="0" i="0" err="1">
-                <a:solidFill>
-                  <a:srgbClr val="273239"/>
-                </a:solidFill>
-                <a:effectLst/>
-                <a:latin typeface="Calibri"/>
-                <a:cs typeface="Calibri Light"/>
-              </a:rPr>
-              <a:t>first_name</a:t>
-            </a:r>
-            <a:r>
-              <a:rPr lang="en-US" sz="2000" b="0" i="0" dirty="0">
-                <a:solidFill>
-                  <a:srgbClr val="273239"/>
-                </a:solidFill>
-                <a:effectLst/>
-                <a:latin typeface="Calibri"/>
-                <a:cs typeface="Calibri Light"/>
-              </a:rPr>
-              <a:t>,</a:t>
-            </a:r>
-            <a:r>
-              <a:rPr lang="en-US" sz="2000" dirty="0">
-                <a:solidFill>
-                  <a:srgbClr val="273239"/>
-                </a:solidFill>
-                <a:latin typeface="Calibri"/>
-                <a:cs typeface="Calibri Light"/>
-              </a:rPr>
-              <a:t>   </a:t>
-            </a:r>
-            <a:r>
-              <a:rPr lang="en-US" sz="2000" b="0" i="0" dirty="0">
-                <a:solidFill>
-                  <a:srgbClr val="273239"/>
-                </a:solidFill>
-                <a:effectLst/>
-                <a:latin typeface="Calibri"/>
-                <a:cs typeface="Calibri Light"/>
-              </a:rPr>
-              <a:t> </a:t>
-            </a:r>
-            <a:r>
-              <a:rPr lang="en-US" sz="2000" b="0" i="0" err="1">
-                <a:solidFill>
-                  <a:srgbClr val="273239"/>
-                </a:solidFill>
-                <a:effectLst/>
-                <a:latin typeface="Calibri"/>
-                <a:cs typeface="Calibri Light"/>
-              </a:rPr>
-              <a:t>last_name</a:t>
-            </a:r>
-            <a:r>
-              <a:rPr lang="en-US" sz="2000" b="0" i="0" dirty="0">
-                <a:solidFill>
-                  <a:srgbClr val="273239"/>
-                </a:solidFill>
-                <a:effectLst/>
-                <a:latin typeface="Calibri"/>
-                <a:cs typeface="Calibri Light"/>
-              </a:rPr>
-              <a:t> FROM</a:t>
-            </a:r>
-            <a:r>
-              <a:rPr lang="en-US" sz="2000" dirty="0">
-                <a:solidFill>
-                  <a:srgbClr val="273239"/>
-                </a:solidFill>
-                <a:latin typeface="Calibri"/>
-                <a:cs typeface="Calibri Light"/>
-              </a:rPr>
-              <a:t>   </a:t>
-            </a:r>
-            <a:r>
-              <a:rPr lang="en-US" sz="2000" b="0" i="0" dirty="0">
-                <a:solidFill>
-                  <a:srgbClr val="273239"/>
-                </a:solidFill>
-                <a:effectLst/>
-                <a:latin typeface="Calibri"/>
-                <a:cs typeface="Calibri Light"/>
-              </a:rPr>
-              <a:t> customer WHERE</a:t>
-            </a:r>
-            <a:r>
-              <a:rPr lang="en-US" sz="2000" dirty="0">
-                <a:solidFill>
-                  <a:srgbClr val="273239"/>
-                </a:solidFill>
-                <a:latin typeface="Calibri"/>
-                <a:cs typeface="Calibri Light"/>
-              </a:rPr>
-              <a:t>   </a:t>
-            </a:r>
-            <a:r>
-              <a:rPr lang="en-US" sz="2000" b="0" i="0" dirty="0">
-                <a:solidFill>
-                  <a:srgbClr val="273239"/>
-                </a:solidFill>
-                <a:effectLst/>
-                <a:latin typeface="Calibri"/>
-                <a:cs typeface="Calibri Light"/>
-              </a:rPr>
-              <a:t> </a:t>
-            </a:r>
-            <a:r>
-              <a:rPr lang="en-US" sz="2000" b="0" i="0" err="1">
-                <a:solidFill>
-                  <a:srgbClr val="273239"/>
-                </a:solidFill>
-                <a:effectLst/>
-                <a:latin typeface="Calibri"/>
-                <a:cs typeface="Calibri Light"/>
-              </a:rPr>
-              <a:t>first_name</a:t>
-            </a:r>
-            <a:r>
-              <a:rPr lang="en-US" sz="2000" b="0" i="0" dirty="0">
-                <a:solidFill>
-                  <a:srgbClr val="273239"/>
-                </a:solidFill>
-                <a:effectLst/>
-                <a:latin typeface="Calibri"/>
-                <a:cs typeface="Calibri Light"/>
-              </a:rPr>
-              <a:t> LIKE '_her%';</a:t>
-            </a:r>
-          </a:p>
-        </p:txBody>
-      </p:sp>
-    </p:spTree>
-    <p:extLst>
-      <p:ext uri="{BB962C8B-B14F-4D97-AF65-F5344CB8AC3E}">
-        <p14:creationId xmlns:p14="http://schemas.microsoft.com/office/powerpoint/2010/main" val="3537918646"/>
-      </p:ext>
-    </p:extLst>
-  </p:cSld>
-  <p:clrMapOvr>
-    <a:masterClrMapping/>
-  </p:clrMapOvr>
-</p:sld>
-</file>
-
-<file path=ppt/slides/slide11.xml><?xml version="1.0" encoding="utf-8"?>
-<p:sld xmlns:a="http://schemas.openxmlformats.org/drawingml/2006/main" xmlns:r="http://schemas.openxmlformats.org/officeDocument/2006/relationships" xmlns:p="http://schemas.openxmlformats.org/presentationml/2006/main">
-  <p:cSld>
-    <p:spTree>
-      <p:nvGrpSpPr>
-        <p:cNvPr id="1" name=""/>
-        <p:cNvGrpSpPr/>
-        <p:nvPr/>
-      </p:nvGrpSpPr>
-      <p:grpSpPr>
-        <a:xfrm>
-          <a:off x="0" y="0"/>
-          <a:ext cx="0" cy="0"/>
-          <a:chOff x="0" y="0"/>
-          <a:chExt cx="0" cy="0"/>
-        </a:xfrm>
-      </p:grpSpPr>
-      <p:sp>
-        <p:nvSpPr>
-          <p:cNvPr id="6" name="TextBox 5">
-            <a:extLst>
-              <a:ext uri="{FF2B5EF4-FFF2-40B4-BE49-F238E27FC236}">
-                <a16:creationId xmlns:a16="http://schemas.microsoft.com/office/drawing/2014/main" id="{36670B7B-78F1-209D-D478-00089C23D1A7}"/>
-              </a:ext>
-            </a:extLst>
-          </p:cNvPr>
-          <p:cNvSpPr txBox="1"/>
-          <p:nvPr/>
-        </p:nvSpPr>
-        <p:spPr>
-          <a:xfrm>
-            <a:off x="968829" y="814046"/>
-            <a:ext cx="9656989" cy="1569660"/>
-          </a:xfrm>
-          <a:prstGeom prst="rect">
-            <a:avLst/>
-          </a:prstGeom>
-          <a:noFill/>
-        </p:spPr>
-        <p:txBody>
-          <a:bodyPr wrap="square" rtlCol="0">
-            <a:spAutoFit/>
-          </a:bodyPr>
-          <a:lstStyle/>
-          <a:p>
-            <a:pPr fontAlgn="base"/>
-            <a:r>
-              <a:rPr lang="en-IN" sz="3200" b="0" i="0" u="sng" dirty="0">
-                <a:effectLst/>
-                <a:latin typeface="Nunito" pitchFamily="2" charset="0"/>
-                <a:hlinkClick r:id="rId2"/>
-              </a:rPr>
-              <a:t>SQL Operators</a:t>
-            </a:r>
-            <a:r>
-              <a:rPr lang="en-IN" sz="3200" b="1" i="0" dirty="0">
-                <a:solidFill>
-                  <a:srgbClr val="273239"/>
-                </a:solidFill>
-                <a:effectLst/>
-                <a:latin typeface="Source Sans 3"/>
-              </a:rPr>
-              <a:t> |  NOT LIKE operator</a:t>
-            </a:r>
-          </a:p>
-          <a:p>
-            <a:pPr fontAlgn="base"/>
-            <a:endParaRPr lang="en-IN" sz="3200" b="1" i="0" dirty="0">
-              <a:solidFill>
-                <a:srgbClr val="273239"/>
-              </a:solidFill>
-              <a:effectLst/>
-              <a:latin typeface="Source Sans 3"/>
-            </a:endParaRPr>
-          </a:p>
-          <a:p>
-            <a:pPr algn="l" fontAlgn="base"/>
-            <a:endParaRPr lang="en-IN" sz="3200" b="1" i="0" dirty="0">
-              <a:solidFill>
-                <a:srgbClr val="273239"/>
-              </a:solidFill>
-              <a:effectLst/>
-              <a:latin typeface="Source Sans 3"/>
-            </a:endParaRPr>
-          </a:p>
-        </p:txBody>
-      </p:sp>
-      <p:sp>
-        <p:nvSpPr>
-          <p:cNvPr id="3" name="Content Placeholder 2">
-            <a:extLst>
-              <a:ext uri="{FF2B5EF4-FFF2-40B4-BE49-F238E27FC236}">
-                <a16:creationId xmlns:a16="http://schemas.microsoft.com/office/drawing/2014/main" id="{701352DD-24C5-44A6-94F8-5587E5F114BE}"/>
-              </a:ext>
-            </a:extLst>
-          </p:cNvPr>
-          <p:cNvSpPr>
-            <a:spLocks noGrp="1"/>
-          </p:cNvSpPr>
-          <p:nvPr>
-            <p:ph idx="1"/>
-          </p:nvPr>
-        </p:nvSpPr>
-        <p:spPr/>
-        <p:txBody>
-          <a:bodyPr vert="horz" lIns="91440" tIns="45720" rIns="91440" bIns="45720" rtlCol="0" anchor="t">
-            <a:noAutofit/>
-          </a:bodyPr>
-          <a:lstStyle/>
-          <a:p>
-            <a:pPr algn="l" fontAlgn="base"/>
-            <a:r>
-              <a:rPr lang="en-US" sz="1600" b="0" i="0" dirty="0">
-                <a:solidFill>
-                  <a:srgbClr val="273239"/>
-                </a:solidFill>
-                <a:effectLst/>
-                <a:latin typeface="Calibri"/>
-                <a:cs typeface="Calibri"/>
-              </a:rPr>
-              <a:t>The PostgreSQL NOT LIKE works exactly opposite to that of the LIKE operator. It is used to data using pattern matching techniques that explicitly excludes the mentioned pattern from the query result </a:t>
-            </a:r>
-            <a:r>
-              <a:rPr lang="en-US" sz="1600" b="0" i="0" err="1">
-                <a:solidFill>
-                  <a:srgbClr val="273239"/>
-                </a:solidFill>
-                <a:effectLst/>
-                <a:latin typeface="Calibri"/>
-                <a:cs typeface="Calibri"/>
-              </a:rPr>
-              <a:t>set.Its</a:t>
-            </a:r>
-            <a:r>
-              <a:rPr lang="en-US" sz="1600" b="0" i="0" dirty="0">
-                <a:solidFill>
-                  <a:srgbClr val="273239"/>
-                </a:solidFill>
-                <a:effectLst/>
-                <a:latin typeface="Calibri"/>
-                <a:cs typeface="Calibri"/>
-              </a:rPr>
-              <a:t> result include strings that are </a:t>
-            </a:r>
-            <a:r>
-              <a:rPr lang="en-US" sz="1600" b="1" i="0" dirty="0">
-                <a:solidFill>
-                  <a:srgbClr val="273239"/>
-                </a:solidFill>
-                <a:effectLst/>
-                <a:latin typeface="Calibri"/>
-                <a:cs typeface="Calibri"/>
-              </a:rPr>
-              <a:t>case-sensitive</a:t>
-            </a:r>
-            <a:r>
-              <a:rPr lang="en-US" sz="1600" b="0" i="0" dirty="0">
-                <a:solidFill>
-                  <a:srgbClr val="273239"/>
-                </a:solidFill>
-                <a:effectLst/>
-                <a:latin typeface="Calibri"/>
-                <a:cs typeface="Calibri"/>
-              </a:rPr>
-              <a:t> and </a:t>
-            </a:r>
-            <a:r>
-              <a:rPr lang="en-US" sz="1600" b="1" i="0" dirty="0">
-                <a:solidFill>
-                  <a:srgbClr val="273239"/>
-                </a:solidFill>
-                <a:effectLst/>
-                <a:latin typeface="Calibri"/>
-                <a:cs typeface="Calibri"/>
-              </a:rPr>
-              <a:t>doesn’t follow </a:t>
-            </a:r>
-            <a:r>
-              <a:rPr lang="en-US" sz="1600" b="0" i="0" dirty="0">
-                <a:solidFill>
-                  <a:srgbClr val="273239"/>
-                </a:solidFill>
-                <a:effectLst/>
-                <a:latin typeface="Calibri"/>
-                <a:cs typeface="Calibri"/>
-              </a:rPr>
-              <a:t>the mentioned pattern.</a:t>
-            </a:r>
-            <a:br>
-              <a:rPr lang="en-US" sz="1600" b="0" i="0" dirty="0">
-                <a:effectLst/>
-                <a:latin typeface="Calibri"/>
-              </a:rPr>
-            </a:br>
-            <a:r>
-              <a:rPr lang="en-US" sz="1600" b="0" i="0" dirty="0">
-                <a:solidFill>
-                  <a:srgbClr val="273239"/>
-                </a:solidFill>
-                <a:effectLst/>
-                <a:latin typeface="Calibri"/>
-                <a:cs typeface="Calibri"/>
-              </a:rPr>
-              <a:t>It is important to know that PostgreSQL provides with 2 special wildcard characters for the purpose of patterns matching as below:</a:t>
-            </a:r>
-          </a:p>
-          <a:p>
-            <a:pPr algn="l" fontAlgn="base">
-              <a:buFont typeface="Arial" panose="020B0604020202020204" pitchFamily="34" charset="0"/>
-              <a:buChar char="•"/>
-            </a:pPr>
-            <a:r>
-              <a:rPr lang="en-US" sz="1600" b="0" i="0" dirty="0">
-                <a:solidFill>
-                  <a:srgbClr val="273239"/>
-                </a:solidFill>
-                <a:effectLst/>
-                <a:latin typeface="Calibri"/>
-                <a:cs typeface="Calibri"/>
-              </a:rPr>
-              <a:t>Percent ( % ) for matching any sequence of characters.</a:t>
-            </a:r>
-          </a:p>
-          <a:p>
-            <a:pPr algn="l" fontAlgn="base">
-              <a:buFont typeface="Arial" panose="020B0604020202020204" pitchFamily="34" charset="0"/>
-              <a:buChar char="•"/>
-            </a:pPr>
-            <a:r>
-              <a:rPr lang="en-US" sz="1600" b="0" i="0" dirty="0">
-                <a:solidFill>
-                  <a:srgbClr val="273239"/>
-                </a:solidFill>
-                <a:effectLst/>
-                <a:latin typeface="Calibri"/>
-                <a:cs typeface="Calibri"/>
-              </a:rPr>
-              <a:t>Underscore ( _ ) for matching any single character.</a:t>
-            </a:r>
-          </a:p>
-          <a:p>
-            <a:pPr algn="l" fontAlgn="base">
-              <a:buFont typeface="Arial" panose="020B0604020202020204" pitchFamily="34" charset="0"/>
-              <a:buChar char="•"/>
-            </a:pPr>
-            <a:endParaRPr lang="en-US" sz="1600" dirty="0">
-              <a:solidFill>
-                <a:srgbClr val="273239"/>
-              </a:solidFill>
-              <a:latin typeface="Calibri"/>
-              <a:cs typeface="Calibri"/>
-            </a:endParaRPr>
-          </a:p>
-          <a:p>
-            <a:pPr fontAlgn="base"/>
-            <a:r>
-              <a:rPr lang="en-US" sz="1600" b="0" i="0" dirty="0">
-                <a:solidFill>
-                  <a:srgbClr val="273239"/>
-                </a:solidFill>
-                <a:effectLst/>
-                <a:latin typeface="Calibri"/>
-                <a:cs typeface="Calibri"/>
-              </a:rPr>
-              <a:t>Syntax: string NOT</a:t>
-            </a:r>
-            <a:r>
-              <a:rPr lang="en-US" sz="1600" dirty="0">
-                <a:solidFill>
-                  <a:srgbClr val="273239"/>
-                </a:solidFill>
-                <a:latin typeface="Calibri"/>
-                <a:cs typeface="Calibri"/>
-              </a:rPr>
-              <a:t> </a:t>
-            </a:r>
-            <a:r>
-              <a:rPr lang="en-US" sz="1600" b="0" i="0" dirty="0">
-                <a:solidFill>
-                  <a:srgbClr val="273239"/>
-                </a:solidFill>
-                <a:effectLst/>
-                <a:latin typeface="Calibri"/>
-                <a:cs typeface="Calibri"/>
-              </a:rPr>
-              <a:t> LIKE pattern;</a:t>
-            </a:r>
-          </a:p>
-          <a:p>
-            <a:pPr algn="l" fontAlgn="base">
-              <a:buFont typeface="Arial" panose="020B0604020202020204" pitchFamily="34" charset="0"/>
-              <a:buChar char="•"/>
-            </a:pPr>
-            <a:r>
-              <a:rPr lang="en-US" sz="1600" b="0" i="0" dirty="0">
-                <a:solidFill>
-                  <a:srgbClr val="273239"/>
-                </a:solidFill>
-                <a:effectLst/>
-                <a:latin typeface="Calibri"/>
-                <a:cs typeface="Calibri"/>
-              </a:rPr>
-              <a:t>Here we will make a query to find the customer in the “customer” table by looking at the “</a:t>
-            </a:r>
-            <a:r>
-              <a:rPr lang="en-US" sz="1600" b="0" i="0" err="1">
-                <a:solidFill>
-                  <a:srgbClr val="273239"/>
-                </a:solidFill>
-                <a:effectLst/>
-                <a:latin typeface="Calibri"/>
-                <a:cs typeface="Calibri"/>
-              </a:rPr>
-              <a:t>first_name</a:t>
-            </a:r>
-            <a:r>
-              <a:rPr lang="en-US" sz="1600" b="0" i="0" dirty="0">
-                <a:solidFill>
-                  <a:srgbClr val="273239"/>
-                </a:solidFill>
-                <a:effectLst/>
-                <a:latin typeface="Calibri"/>
-                <a:cs typeface="Calibri"/>
-              </a:rPr>
-              <a:t>” column to see if there is any value that doesn’t begin with “K” using the NOT LIKE operator in our sample database.</a:t>
-            </a:r>
-          </a:p>
-          <a:p>
-            <a:pPr marL="0" indent="0" algn="l" fontAlgn="base">
-              <a:buNone/>
-            </a:pPr>
-            <a:r>
-              <a:rPr lang="en-US" sz="1600" b="0" i="0" dirty="0">
-                <a:solidFill>
-                  <a:srgbClr val="273239"/>
-                </a:solidFill>
-                <a:effectLst/>
-                <a:latin typeface="Calibri"/>
-                <a:cs typeface="Calibri"/>
-              </a:rPr>
-              <a:t>SELECT </a:t>
-            </a:r>
-            <a:r>
-              <a:rPr lang="en-US" sz="1600" b="0" i="0" err="1">
-                <a:solidFill>
-                  <a:srgbClr val="273239"/>
-                </a:solidFill>
-                <a:effectLst/>
-                <a:latin typeface="Calibri"/>
-                <a:cs typeface="Calibri"/>
-              </a:rPr>
-              <a:t>first_name,last_name</a:t>
-            </a:r>
-            <a:r>
-              <a:rPr lang="en-US" sz="1600" b="0" i="0" dirty="0">
-                <a:solidFill>
-                  <a:srgbClr val="273239"/>
-                </a:solidFill>
-                <a:effectLst/>
-                <a:latin typeface="Calibri"/>
-                <a:cs typeface="Calibri"/>
-              </a:rPr>
-              <a:t> FROM customer WHERE </a:t>
-            </a:r>
-            <a:r>
-              <a:rPr lang="en-US" sz="1600" b="0" i="0" err="1">
-                <a:solidFill>
-                  <a:srgbClr val="273239"/>
-                </a:solidFill>
-                <a:effectLst/>
-                <a:latin typeface="Calibri"/>
-                <a:cs typeface="Calibri"/>
-              </a:rPr>
-              <a:t>first_name</a:t>
-            </a:r>
-            <a:r>
-              <a:rPr lang="en-US" sz="1600" b="0" i="0" dirty="0">
-                <a:solidFill>
-                  <a:srgbClr val="273239"/>
-                </a:solidFill>
-                <a:effectLst/>
-                <a:latin typeface="Calibri"/>
-                <a:cs typeface="Calibri"/>
-              </a:rPr>
-              <a:t> Not LIKE 'K%’;</a:t>
-            </a:r>
-          </a:p>
-          <a:p>
-            <a:pPr algn="l" fontAlgn="base">
-              <a:buFont typeface="Arial" panose="020B0604020202020204" pitchFamily="34" charset="0"/>
-              <a:buChar char="•"/>
-            </a:pPr>
-            <a:r>
-              <a:rPr lang="en-US" sz="1600" b="0" i="0" dirty="0">
-                <a:solidFill>
-                  <a:srgbClr val="273239"/>
-                </a:solidFill>
-                <a:effectLst/>
-                <a:latin typeface="Calibri"/>
-                <a:cs typeface="Calibri"/>
-              </a:rPr>
-              <a:t>Here we will query for customers whose first name begins with any single character, is followed by the literal string “her”, and ends with any number of characters using the LIKE operator in our sample database</a:t>
-            </a:r>
-            <a:endParaRPr lang="en-US" sz="1600" dirty="0">
-              <a:solidFill>
-                <a:srgbClr val="273239"/>
-              </a:solidFill>
-              <a:latin typeface="Calibri"/>
-              <a:cs typeface="Calibri"/>
-            </a:endParaRPr>
-          </a:p>
-          <a:p>
-            <a:pPr marL="0" indent="0" fontAlgn="base">
-              <a:buNone/>
-            </a:pPr>
-            <a:r>
-              <a:rPr lang="en-US" sz="1600" b="0" i="0" dirty="0">
-                <a:solidFill>
-                  <a:srgbClr val="273239"/>
-                </a:solidFill>
-                <a:effectLst/>
-                <a:latin typeface="Calibri"/>
-                <a:cs typeface="Calibri"/>
-              </a:rPr>
-              <a:t>SELECT</a:t>
-            </a:r>
-            <a:r>
-              <a:rPr lang="en-US" sz="1600" dirty="0">
-                <a:solidFill>
-                  <a:srgbClr val="273239"/>
-                </a:solidFill>
-                <a:latin typeface="Calibri"/>
-                <a:cs typeface="Calibri"/>
-              </a:rPr>
-              <a:t>   </a:t>
-            </a:r>
-            <a:r>
-              <a:rPr lang="en-US" sz="1600" b="0" i="0" dirty="0">
-                <a:solidFill>
-                  <a:srgbClr val="273239"/>
-                </a:solidFill>
-                <a:effectLst/>
-                <a:latin typeface="Calibri"/>
-                <a:cs typeface="Calibri"/>
-              </a:rPr>
-              <a:t> </a:t>
-            </a:r>
-            <a:r>
-              <a:rPr lang="en-US" sz="1600" b="0" i="0" err="1">
-                <a:solidFill>
-                  <a:srgbClr val="273239"/>
-                </a:solidFill>
-                <a:effectLst/>
-                <a:latin typeface="Calibri"/>
-                <a:cs typeface="Calibri"/>
-              </a:rPr>
-              <a:t>first_name</a:t>
-            </a:r>
-            <a:r>
-              <a:rPr lang="en-US" sz="1600" b="0" i="0" dirty="0">
-                <a:solidFill>
-                  <a:srgbClr val="273239"/>
-                </a:solidFill>
-                <a:effectLst/>
-                <a:latin typeface="Calibri"/>
-                <a:cs typeface="Calibri"/>
-              </a:rPr>
-              <a:t>,</a:t>
-            </a:r>
-            <a:r>
-              <a:rPr lang="en-US" sz="1600" dirty="0">
-                <a:solidFill>
-                  <a:srgbClr val="273239"/>
-                </a:solidFill>
-                <a:latin typeface="Calibri"/>
-                <a:cs typeface="Calibri"/>
-              </a:rPr>
-              <a:t>   </a:t>
-            </a:r>
-            <a:r>
-              <a:rPr lang="en-US" sz="1600" b="0" i="0" dirty="0">
-                <a:solidFill>
-                  <a:srgbClr val="273239"/>
-                </a:solidFill>
-                <a:effectLst/>
-                <a:latin typeface="Calibri"/>
-                <a:cs typeface="Calibri"/>
-              </a:rPr>
-              <a:t> </a:t>
-            </a:r>
-            <a:r>
-              <a:rPr lang="en-US" sz="1600" b="0" i="0" err="1">
-                <a:solidFill>
-                  <a:srgbClr val="273239"/>
-                </a:solidFill>
-                <a:effectLst/>
-                <a:latin typeface="Calibri"/>
-                <a:cs typeface="Calibri"/>
-              </a:rPr>
-              <a:t>last_name</a:t>
-            </a:r>
-            <a:r>
-              <a:rPr lang="en-US" sz="1600" b="0" i="0" dirty="0">
-                <a:solidFill>
-                  <a:srgbClr val="273239"/>
-                </a:solidFill>
-                <a:effectLst/>
-                <a:latin typeface="Calibri"/>
-                <a:cs typeface="Calibri"/>
-              </a:rPr>
-              <a:t> FROM</a:t>
-            </a:r>
-            <a:r>
-              <a:rPr lang="en-US" sz="1600" dirty="0">
-                <a:solidFill>
-                  <a:srgbClr val="273239"/>
-                </a:solidFill>
-                <a:latin typeface="Calibri"/>
-                <a:cs typeface="Calibri"/>
-              </a:rPr>
-              <a:t>   </a:t>
-            </a:r>
-            <a:r>
-              <a:rPr lang="en-US" sz="1600" b="0" i="0" dirty="0">
-                <a:solidFill>
-                  <a:srgbClr val="273239"/>
-                </a:solidFill>
-                <a:effectLst/>
-                <a:latin typeface="Calibri"/>
-                <a:cs typeface="Calibri"/>
-              </a:rPr>
-              <a:t> customer WHERE</a:t>
-            </a:r>
-            <a:r>
-              <a:rPr lang="en-US" sz="1600" dirty="0">
-                <a:solidFill>
-                  <a:srgbClr val="273239"/>
-                </a:solidFill>
-                <a:latin typeface="Calibri"/>
-                <a:cs typeface="Calibri"/>
-              </a:rPr>
-              <a:t>   </a:t>
-            </a:r>
-            <a:r>
-              <a:rPr lang="en-US" sz="1600" b="0" i="0" dirty="0">
-                <a:solidFill>
-                  <a:srgbClr val="273239"/>
-                </a:solidFill>
-                <a:effectLst/>
-                <a:latin typeface="Calibri"/>
-                <a:cs typeface="Calibri"/>
-              </a:rPr>
-              <a:t> </a:t>
-            </a:r>
-            <a:r>
-              <a:rPr lang="en-US" sz="1600" b="0" i="0" err="1">
-                <a:solidFill>
-                  <a:srgbClr val="273239"/>
-                </a:solidFill>
-                <a:effectLst/>
-                <a:latin typeface="Calibri"/>
-                <a:cs typeface="Calibri"/>
-              </a:rPr>
-              <a:t>first_name</a:t>
-            </a:r>
-            <a:r>
-              <a:rPr lang="en-US" sz="1600" b="0" i="0" dirty="0">
-                <a:solidFill>
-                  <a:srgbClr val="273239"/>
-                </a:solidFill>
-                <a:effectLst/>
-                <a:latin typeface="Calibri"/>
-                <a:cs typeface="Calibri"/>
-              </a:rPr>
-              <a:t> not LIKE '_her%';</a:t>
-            </a:r>
-          </a:p>
-        </p:txBody>
-      </p:sp>
-      <p:sp>
-        <p:nvSpPr>
-          <p:cNvPr id="2" name="Rectangle 1">
-            <a:extLst>
-              <a:ext uri="{FF2B5EF4-FFF2-40B4-BE49-F238E27FC236}">
-                <a16:creationId xmlns:a16="http://schemas.microsoft.com/office/drawing/2014/main" id="{97C58939-F285-D65D-9EFC-3D162B421FA4}"/>
-              </a:ext>
-            </a:extLst>
-          </p:cNvPr>
-          <p:cNvSpPr>
-            <a:spLocks noChangeArrowheads="1"/>
-          </p:cNvSpPr>
-          <p:nvPr/>
-        </p:nvSpPr>
-        <p:spPr bwMode="auto">
-          <a:xfrm>
-            <a:off x="0" y="0"/>
-            <a:ext cx="12192000" cy="457200"/>
-          </a:xfrm>
-          <a:prstGeom prst="rect">
-            <a:avLst/>
-          </a:prstGeom>
-          <a:noFill/>
-          <a:ln>
-            <a:noFill/>
-          </a:ln>
-          <a:effectLst/>
-          <a:extLst>
-            <a:ext uri="{909E8E84-426E-40DD-AFC4-6F175D3DCCD1}">
-              <a14:hiddenFill xmlns:a14="http://schemas.microsoft.com/office/drawing/2010/main">
-                <a:solidFill>
-                  <a:schemeClr val="accent1"/>
-                </a:solidFill>
-              </a14:hiddenFill>
-            </a:ext>
-            <a:ext uri="{91240B29-F687-4F45-9708-019B960494DF}">
-              <a14:hiddenLine xmlns:a14="http://schemas.microsoft.com/office/drawing/2010/main" w="9525">
-                <a:solidFill>
-                  <a:schemeClr val="tx1"/>
-                </a:solidFill>
-                <a:miter lim="800000"/>
-                <a:headEnd/>
-                <a:tailEnd/>
-              </a14:hiddenLine>
-            </a:ext>
-            <a:ext uri="{AF507438-7753-43E0-B8FC-AC1667EBCBE1}">
-              <a14:hiddenEffects xmlns:a14="http://schemas.microsoft.com/office/drawing/2010/main">
-                <a:effectLst>
-                  <a:outerShdw dist="35921" dir="2700000" algn="ctr" rotWithShape="0">
-                    <a:schemeClr val="bg2"/>
-                  </a:outerShdw>
-                </a:effectLst>
-              </a14:hiddenEffects>
-            </a:ext>
-          </a:extLst>
-        </p:spPr>
-        <p:txBody>
-          <a:bodyPr vert="horz" wrap="none" lIns="0" tIns="0" rIns="0" bIns="28566" numCol="1" anchor="ctr" anchorCtr="0" compatLnSpc="1">
-            <a:prstTxWarp prst="textNoShape">
-              <a:avLst/>
-            </a:prstTxWarp>
-            <a:spAutoFit/>
-          </a:bodyPr>
-          <a:lstStyle/>
-          <a:p>
-            <a:pPr marL="0" marR="0" lvl="0" indent="0" algn="l" defTabSz="914400" rtl="0" eaLnBrk="0" fontAlgn="base" latinLnBrk="0" hangingPunct="0">
-              <a:lnSpc>
-                <a:spcPct val="100000"/>
-              </a:lnSpc>
-              <a:spcBef>
-                <a:spcPct val="0"/>
-              </a:spcBef>
-              <a:spcAft>
-                <a:spcPct val="0"/>
-              </a:spcAft>
-              <a:buClrTx/>
-              <a:buSzTx/>
-              <a:buFontTx/>
-              <a:buNone/>
-              <a:tabLst/>
-            </a:pPr>
-            <a:r>
-              <a:rPr kumimoji="0" lang="en-US" altLang="en-US" sz="1200" b="0" i="0" u="none" strike="noStrike" cap="none" normalizeH="0" baseline="0">
-                <a:ln>
-                  <a:noFill/>
-                </a:ln>
-                <a:solidFill>
-                  <a:srgbClr val="273239"/>
-                </a:solidFill>
-                <a:effectLst/>
-                <a:latin typeface="Consolas" panose="020B0609020204030204" pitchFamily="49" charset="0"/>
-              </a:rPr>
-              <a:t>string NOT LIKE pattern;</a:t>
-            </a:r>
-            <a:r>
-              <a:rPr kumimoji="0" lang="en-US" altLang="en-US" sz="400" b="0" i="0" u="none" strike="noStrike" cap="none" normalizeH="0" baseline="0">
-                <a:ln>
-                  <a:noFill/>
-                </a:ln>
-                <a:solidFill>
-                  <a:schemeClr val="tx1"/>
-                </a:solidFill>
-                <a:effectLst/>
-              </a:rPr>
-              <a:t> </a:t>
-            </a:r>
-            <a:endParaRPr kumimoji="0" lang="en-US" altLang="en-US" sz="1800" b="0" i="0" u="none" strike="noStrike" cap="none" normalizeH="0" baseline="0">
-              <a:ln>
-                <a:noFill/>
-              </a:ln>
-              <a:solidFill>
-                <a:schemeClr val="tx1"/>
-              </a:solidFill>
-              <a:effectLst/>
-              <a:latin typeface="Arial" panose="020B0604020202020204" pitchFamily="34" charset="0"/>
-            </a:endParaRPr>
-          </a:p>
-        </p:txBody>
-      </p:sp>
-    </p:spTree>
-    <p:extLst>
-      <p:ext uri="{BB962C8B-B14F-4D97-AF65-F5344CB8AC3E}">
-        <p14:creationId xmlns:p14="http://schemas.microsoft.com/office/powerpoint/2010/main" val="2257078163"/>
-      </p:ext>
-    </p:extLst>
-  </p:cSld>
-  <p:clrMapOvr>
-    <a:masterClrMapping/>
-  </p:clrMapOvr>
-</p:sld>
-</file>
-
-<file path=ppt/slides/slide12.xml><?xml version="1.0" encoding="utf-8"?>
-<p:sld xmlns:a="http://schemas.openxmlformats.org/drawingml/2006/main" xmlns:r="http://schemas.openxmlformats.org/officeDocument/2006/relationships" xmlns:p="http://schemas.openxmlformats.org/presentationml/2006/main">
-  <p:cSld>
-    <p:spTree>
-      <p:nvGrpSpPr>
-        <p:cNvPr id="1" name=""/>
-        <p:cNvGrpSpPr/>
-        <p:nvPr/>
-      </p:nvGrpSpPr>
-      <p:grpSpPr>
-        <a:xfrm>
-          <a:off x="0" y="0"/>
-          <a:ext cx="0" cy="0"/>
-          <a:chOff x="0" y="0"/>
-          <a:chExt cx="0" cy="0"/>
-        </a:xfrm>
-      </p:grpSpPr>
-      <p:sp>
-        <p:nvSpPr>
-          <p:cNvPr id="6" name="TextBox 5">
-            <a:extLst>
-              <a:ext uri="{FF2B5EF4-FFF2-40B4-BE49-F238E27FC236}">
-                <a16:creationId xmlns:a16="http://schemas.microsoft.com/office/drawing/2014/main" id="{36670B7B-78F1-209D-D478-00089C23D1A7}"/>
-              </a:ext>
-            </a:extLst>
-          </p:cNvPr>
-          <p:cNvSpPr txBox="1"/>
-          <p:nvPr/>
-        </p:nvSpPr>
-        <p:spPr>
-          <a:xfrm>
-            <a:off x="849635" y="145625"/>
-            <a:ext cx="9656989" cy="1569660"/>
-          </a:xfrm>
-          <a:prstGeom prst="rect">
-            <a:avLst/>
-          </a:prstGeom>
-          <a:noFill/>
-        </p:spPr>
-        <p:txBody>
-          <a:bodyPr wrap="square" rtlCol="0">
-            <a:spAutoFit/>
-          </a:bodyPr>
-          <a:lstStyle/>
-          <a:p>
-            <a:pPr algn="l" fontAlgn="base"/>
-            <a:r>
-              <a:rPr lang="en-IN" sz="3200" b="1" i="0" dirty="0">
-                <a:solidFill>
-                  <a:srgbClr val="273239"/>
-                </a:solidFill>
-                <a:effectLst/>
-                <a:latin typeface="Source Sans 3"/>
-              </a:rPr>
-              <a:t>IF Statement</a:t>
-            </a:r>
-          </a:p>
-          <a:p>
-            <a:pPr fontAlgn="base"/>
-            <a:endParaRPr lang="en-IN" sz="3200" b="1" i="0" dirty="0">
-              <a:solidFill>
-                <a:srgbClr val="273239"/>
-              </a:solidFill>
-              <a:effectLst/>
-              <a:latin typeface="Source Sans 3"/>
-            </a:endParaRPr>
-          </a:p>
-          <a:p>
-            <a:pPr algn="l" fontAlgn="base"/>
-            <a:endParaRPr lang="en-IN" sz="3200" b="1" i="0" dirty="0">
-              <a:solidFill>
-                <a:srgbClr val="273239"/>
-              </a:solidFill>
-              <a:effectLst/>
-              <a:latin typeface="Source Sans 3"/>
-            </a:endParaRPr>
-          </a:p>
-        </p:txBody>
-      </p:sp>
-      <p:sp>
-        <p:nvSpPr>
-          <p:cNvPr id="3" name="Content Placeholder 2">
-            <a:extLst>
-              <a:ext uri="{FF2B5EF4-FFF2-40B4-BE49-F238E27FC236}">
-                <a16:creationId xmlns:a16="http://schemas.microsoft.com/office/drawing/2014/main" id="{701352DD-24C5-44A6-94F8-5587E5F114BE}"/>
+                <a16:creationId xmlns:a16="http://schemas.microsoft.com/office/drawing/2014/main" id="{E21E52A3-76B6-55B1-1B4D-EC79802B3786}"/>
               </a:ext>
             </a:extLst>
           </p:cNvPr>
@@ -5319,292 +4229,204 @@
         </p:nvSpPr>
         <p:spPr>
           <a:xfrm>
-            <a:off x="784726" y="1010151"/>
-            <a:ext cx="10515600" cy="5688179"/>
+            <a:off x="838200" y="1825624"/>
+            <a:ext cx="10515600" cy="4825641"/>
           </a:xfrm>
         </p:spPr>
         <p:txBody>
           <a:bodyPr vert="horz" lIns="91440" tIns="45720" rIns="91440" bIns="45720" rtlCol="0" anchor="t">
-            <a:normAutofit fontScale="92500" lnSpcReduction="10000"/>
+            <a:noAutofit/>
           </a:bodyPr>
           <a:lstStyle/>
           <a:p>
-            <a:pPr fontAlgn="base"/>
-            <a:r>
-              <a:rPr lang="en-US" sz="2000" u="sng" dirty="0">
+            <a:pPr algn="just"/>
+            <a:r>
+              <a:rPr lang="en-US" sz="1900" dirty="0">
+                <a:solidFill>
+                  <a:srgbClr val="273239"/>
+                </a:solidFill>
+                <a:latin typeface="Calibri"/>
+                <a:cs typeface="Calibri"/>
+              </a:rPr>
+              <a:t>The PostgreSQL GROUP BY clause is used in collaboration with the SELECT statement to group together those rows in a table that have identical data. This is done to eliminate redundancy in the output and/or compute aggregates that apply to these groups.</a:t>
+            </a:r>
+          </a:p>
+          <a:p>
+            <a:pPr algn="just"/>
+            <a:r>
+              <a:rPr lang="en-US" sz="1900" dirty="0">
+                <a:solidFill>
+                  <a:srgbClr val="273239"/>
+                </a:solidFill>
+                <a:latin typeface="Calibri"/>
+                <a:cs typeface="Calibri"/>
+              </a:rPr>
+              <a:t>The GROUP BY clause follows the WHERE clause in a SELECT statement and precedes the ORDER BY clause.</a:t>
+            </a:r>
+          </a:p>
+          <a:p>
+            <a:pPr algn="l"/>
+            <a:r>
+              <a:rPr lang="en-US" b="0" i="0" dirty="0">
                 <a:solidFill>
                   <a:srgbClr val="000000"/>
                 </a:solidFill>
-                <a:latin typeface="Calibri"/>
-                <a:cs typeface="Calibri"/>
-                <a:hlinkClick r:id="rId2"/>
-              </a:rPr>
-              <a:t>PostgreSQL </a:t>
-            </a:r>
-            <a:r>
-              <a:rPr lang="en-US" sz="2000" dirty="0">
-                <a:solidFill>
-                  <a:srgbClr val="273239"/>
-                </a:solidFill>
-                <a:latin typeface="Calibri"/>
-                <a:cs typeface="Calibri"/>
-              </a:rPr>
-              <a:t>has an IF statement executes `statements` if a condition is true. If the condition evaluates to false, the control is passed to the next statement after the END IF part.</a:t>
-            </a:r>
-            <a:endParaRPr lang="en-US" sz="2000">
-              <a:cs typeface="Calibri"/>
-            </a:endParaRPr>
+                <a:effectLst/>
+                <a:latin typeface="Heebo" pitchFamily="2" charset="-79"/>
+                <a:cs typeface="Heebo" pitchFamily="2" charset="-79"/>
+              </a:rPr>
+              <a:t>Syntax</a:t>
+            </a:r>
+          </a:p>
+          <a:p>
+            <a:pPr marL="0" indent="0" algn="just">
+              <a:buNone/>
+            </a:pPr>
+            <a:r>
+              <a:rPr lang="en-US" sz="1900" dirty="0">
+                <a:solidFill>
+                  <a:srgbClr val="273239"/>
+                </a:solidFill>
+                <a:latin typeface="Calibri"/>
+                <a:cs typeface="Calibri"/>
+              </a:rPr>
+              <a:t>The basic syntax of GROUP BY clause is given below. The GROUP BY clause must follow the conditions in the WHERE clause and must precede the ORDER BY clause if one is used.</a:t>
+            </a:r>
+          </a:p>
+          <a:p>
+            <a:pPr algn="l"/>
+            <a:r>
+              <a:rPr lang="en-US" b="0" i="0" dirty="0">
+                <a:solidFill>
+                  <a:srgbClr val="000000"/>
+                </a:solidFill>
+                <a:effectLst/>
+                <a:latin typeface="Heebo" pitchFamily="2" charset="-79"/>
+                <a:cs typeface="Heebo" pitchFamily="2" charset="-79"/>
+              </a:rPr>
+              <a:t>Syntax</a:t>
+            </a:r>
           </a:p>
           <a:p>
             <a:pPr marL="0" indent="0">
               <a:buNone/>
             </a:pPr>
             <a:r>
-              <a:rPr lang="en-US" sz="2000" dirty="0">
-                <a:solidFill>
-                  <a:srgbClr val="273239"/>
-                </a:solidFill>
-                <a:latin typeface="Calibri"/>
-                <a:cs typeface="Calibri"/>
-              </a:rPr>
-              <a:t>Syntax:</a:t>
-            </a:r>
-            <a:endParaRPr lang="en-US" sz="2000">
-              <a:cs typeface="Calibri"/>
-            </a:endParaRPr>
+              <a:rPr lang="en-US" sz="1100" dirty="0">
+                <a:solidFill>
+                  <a:srgbClr val="273239"/>
+                </a:solidFill>
+                <a:latin typeface="Calibri"/>
+                <a:cs typeface="Calibri"/>
+              </a:rPr>
+              <a:t>SELECT column-list</a:t>
+            </a:r>
           </a:p>
           <a:p>
             <a:pPr marL="0" indent="0">
               <a:buNone/>
             </a:pPr>
             <a:r>
-              <a:rPr lang="en-US" sz="2000" b="1" dirty="0">
-                <a:solidFill>
-                  <a:srgbClr val="273239"/>
-                </a:solidFill>
-                <a:latin typeface="Calibri"/>
-                <a:cs typeface="Calibri"/>
-              </a:rPr>
-              <a:t>IF condition THEN</a:t>
-            </a:r>
-            <a:endParaRPr lang="en-US" sz="2000">
-              <a:cs typeface="Calibri"/>
-            </a:endParaRPr>
-          </a:p>
-          <a:p>
-            <a:pPr marL="0" indent="0">
-              <a:buNone/>
-            </a:pPr>
-            <a:r>
-              <a:rPr lang="en-US" sz="2000" b="1" dirty="0">
-                <a:solidFill>
-                  <a:srgbClr val="273239"/>
-                </a:solidFill>
-                <a:latin typeface="Calibri"/>
-                <a:cs typeface="Calibri"/>
-              </a:rPr>
-              <a:t>   statements;</a:t>
-            </a:r>
-            <a:endParaRPr lang="en-US" sz="2000">
-              <a:cs typeface="Calibri"/>
-            </a:endParaRPr>
-          </a:p>
-          <a:p>
-            <a:pPr marL="0" indent="0">
-              <a:buNone/>
-            </a:pPr>
-            <a:r>
-              <a:rPr lang="en-US" sz="2000" b="1" dirty="0">
-                <a:solidFill>
-                  <a:srgbClr val="273239"/>
-                </a:solidFill>
-                <a:latin typeface="Calibri"/>
-                <a:cs typeface="Calibri"/>
-              </a:rPr>
-              <a:t>END IF;</a:t>
-            </a:r>
-            <a:endParaRPr lang="en-US" sz="2000">
-              <a:cs typeface="Calibri"/>
-            </a:endParaRPr>
-          </a:p>
-          <a:p>
-            <a:pPr marL="0" indent="0">
-              <a:buNone/>
-            </a:pPr>
-            <a:r>
-              <a:rPr lang="en-US" sz="2000" b="1" dirty="0">
-                <a:solidFill>
-                  <a:srgbClr val="273239"/>
-                </a:solidFill>
-                <a:latin typeface="Calibri"/>
-                <a:cs typeface="Calibri"/>
-              </a:rPr>
-              <a:t>In this example, we declare two variables a and b. In the body of the block, we compare the value of a and b using the comparison operator &gt;, &lt; and = in the </a:t>
-            </a:r>
-            <a:r>
-              <a:rPr lang="en-US" sz="2000" b="1" err="1">
-                <a:solidFill>
-                  <a:srgbClr val="273239"/>
-                </a:solidFill>
-                <a:latin typeface="Calibri"/>
-                <a:cs typeface="Calibri"/>
-              </a:rPr>
-              <a:t>boolean</a:t>
-            </a:r>
-            <a:r>
-              <a:rPr lang="en-US" sz="2000" b="1" dirty="0">
-                <a:solidFill>
-                  <a:srgbClr val="273239"/>
-                </a:solidFill>
-                <a:latin typeface="Calibri"/>
-                <a:cs typeface="Calibri"/>
-              </a:rPr>
-              <a:t> expressions of the IF statements.</a:t>
-            </a:r>
-            <a:endParaRPr lang="en-US" sz="2000">
-              <a:cs typeface="Calibri"/>
-            </a:endParaRPr>
-          </a:p>
-          <a:p>
-            <a:pPr marL="0" indent="0">
-              <a:buNone/>
-            </a:pPr>
-            <a:r>
-              <a:rPr lang="en-US" sz="2000" b="1" dirty="0">
-                <a:solidFill>
-                  <a:srgbClr val="273239"/>
-                </a:solidFill>
-                <a:latin typeface="Calibri"/>
-                <a:cs typeface="Calibri"/>
-              </a:rPr>
-              <a:t>DO $$</a:t>
-            </a:r>
-            <a:endParaRPr lang="en-US" sz="2000">
-              <a:cs typeface="Calibri"/>
-            </a:endParaRPr>
-          </a:p>
-          <a:p>
-            <a:pPr marL="0" indent="0">
-              <a:buNone/>
-            </a:pPr>
-            <a:r>
-              <a:rPr lang="en-US" sz="2000" b="1" dirty="0">
-                <a:solidFill>
-                  <a:srgbClr val="273239"/>
-                </a:solidFill>
-                <a:latin typeface="Calibri"/>
-                <a:cs typeface="Calibri"/>
-              </a:rPr>
-              <a:t>DECLARE</a:t>
-            </a:r>
-            <a:endParaRPr lang="en-US" sz="2000">
-              <a:cs typeface="Calibri"/>
-            </a:endParaRPr>
-          </a:p>
-          <a:p>
-            <a:pPr marL="0" indent="0">
-              <a:buNone/>
-            </a:pPr>
-            <a:r>
-              <a:rPr lang="en-US" sz="2000" b="1" dirty="0">
-                <a:solidFill>
-                  <a:srgbClr val="273239"/>
-                </a:solidFill>
-                <a:latin typeface="Calibri"/>
-                <a:cs typeface="Calibri"/>
-              </a:rPr>
-              <a:t>  a integer := 10;</a:t>
-            </a:r>
-            <a:endParaRPr lang="en-US" sz="2000">
-              <a:cs typeface="Calibri"/>
-            </a:endParaRPr>
-          </a:p>
-          <a:p>
-            <a:pPr marL="0" indent="0">
-              <a:buNone/>
-            </a:pPr>
-            <a:r>
-              <a:rPr lang="en-US" sz="2000" b="1" dirty="0">
-                <a:solidFill>
-                  <a:srgbClr val="273239"/>
-                </a:solidFill>
-                <a:latin typeface="Calibri"/>
-                <a:cs typeface="Calibri"/>
-              </a:rPr>
-              <a:t>  b integer := 20;</a:t>
-            </a:r>
-            <a:endParaRPr lang="en-US" sz="2000">
-              <a:cs typeface="Calibri"/>
-            </a:endParaRPr>
-          </a:p>
-          <a:p>
-            <a:pPr marL="0" indent="0">
-              <a:buNone/>
-            </a:pPr>
-            <a:r>
-              <a:rPr lang="en-US" sz="2000" b="1" dirty="0">
-                <a:solidFill>
-                  <a:srgbClr val="273239"/>
-                </a:solidFill>
-                <a:latin typeface="Calibri"/>
-                <a:cs typeface="Calibri"/>
-              </a:rPr>
-              <a:t>BEGIN </a:t>
-            </a:r>
-          </a:p>
-          <a:p>
-            <a:pPr marL="0" indent="0">
-              <a:buNone/>
-            </a:pPr>
-            <a:r>
-              <a:rPr lang="en-US" sz="2000" b="1" dirty="0">
-                <a:solidFill>
-                  <a:srgbClr val="273239"/>
-                </a:solidFill>
-                <a:latin typeface="Calibri"/>
-                <a:cs typeface="Calibri"/>
-              </a:rPr>
-              <a:t>  IF a &gt; b THEN</a:t>
-            </a:r>
-            <a:endParaRPr lang="en-US" sz="2000">
-              <a:cs typeface="Calibri"/>
-            </a:endParaRPr>
-          </a:p>
-          <a:p>
-            <a:pPr marL="0" indent="0">
-              <a:buNone/>
-            </a:pPr>
-            <a:r>
-              <a:rPr lang="en-US" sz="2000" b="1" dirty="0">
-                <a:solidFill>
-                  <a:srgbClr val="273239"/>
-                </a:solidFill>
-                <a:latin typeface="Calibri"/>
-                <a:cs typeface="Calibri"/>
-              </a:rPr>
-              <a:t>    RAISE NOTICE 'a is greater than b';</a:t>
-            </a:r>
-            <a:endParaRPr lang="en-US" sz="2000"/>
-          </a:p>
-          <a:p>
-            <a:pPr marL="0" indent="0" fontAlgn="base">
-              <a:buNone/>
-            </a:pPr>
-            <a:r>
-              <a:rPr lang="en-US" sz="800" b="1" dirty="0">
-                <a:solidFill>
-                  <a:srgbClr val="273239"/>
-                </a:solidFill>
-                <a:latin typeface="Nunito"/>
-              </a:rPr>
-              <a:t>  </a:t>
-            </a:r>
-            <a:endParaRPr lang="en-US" sz="800" b="1" i="0">
+              <a:rPr lang="en-US" sz="1100" dirty="0">
+                <a:solidFill>
+                  <a:srgbClr val="273239"/>
+                </a:solidFill>
+                <a:latin typeface="Calibri"/>
+                <a:cs typeface="Calibri"/>
+              </a:rPr>
+              <a:t>FROM </a:t>
+            </a:r>
+            <a:r>
+              <a:rPr lang="en-US" sz="1100" dirty="0" err="1">
+                <a:solidFill>
+                  <a:srgbClr val="273239"/>
+                </a:solidFill>
+                <a:latin typeface="Calibri"/>
+                <a:cs typeface="Calibri"/>
+              </a:rPr>
+              <a:t>table_name</a:t>
+            </a:r>
+            <a:endParaRPr lang="en-US" sz="1100" dirty="0">
               <a:solidFill>
                 <a:srgbClr val="273239"/>
               </a:solidFill>
-              <a:effectLst/>
-              <a:latin typeface="Nunito" pitchFamily="2" charset="0"/>
+              <a:latin typeface="Calibri"/>
+              <a:cs typeface="Calibri"/>
+            </a:endParaRPr>
+          </a:p>
+          <a:p>
+            <a:pPr marL="0" indent="0">
+              <a:buNone/>
+            </a:pPr>
+            <a:r>
+              <a:rPr lang="en-US" sz="1100" dirty="0">
+                <a:solidFill>
+                  <a:srgbClr val="273239"/>
+                </a:solidFill>
+                <a:latin typeface="Calibri"/>
+                <a:cs typeface="Calibri"/>
+              </a:rPr>
+              <a:t>WHERE [ conditions ]</a:t>
+            </a:r>
+          </a:p>
+          <a:p>
+            <a:pPr marL="0" indent="0">
+              <a:buNone/>
+            </a:pPr>
+            <a:r>
+              <a:rPr lang="en-US" sz="1100" dirty="0">
+                <a:solidFill>
+                  <a:srgbClr val="273239"/>
+                </a:solidFill>
+                <a:latin typeface="Calibri"/>
+                <a:cs typeface="Calibri"/>
+              </a:rPr>
+              <a:t>GROUP BY column1, column2....</a:t>
+            </a:r>
+            <a:r>
+              <a:rPr lang="en-US" sz="1100" dirty="0" err="1">
+                <a:solidFill>
+                  <a:srgbClr val="273239"/>
+                </a:solidFill>
+                <a:latin typeface="Calibri"/>
+                <a:cs typeface="Calibri"/>
+              </a:rPr>
+              <a:t>columnN</a:t>
+            </a:r>
+            <a:endParaRPr lang="en-US" sz="1100" dirty="0">
+              <a:solidFill>
+                <a:srgbClr val="273239"/>
+              </a:solidFill>
+              <a:latin typeface="Calibri"/>
+              <a:cs typeface="Calibri"/>
+            </a:endParaRPr>
+          </a:p>
+          <a:p>
+            <a:pPr marL="0" indent="0">
+              <a:buNone/>
+            </a:pPr>
+            <a:r>
+              <a:rPr lang="en-US" sz="1100" dirty="0">
+                <a:solidFill>
+                  <a:srgbClr val="273239"/>
+                </a:solidFill>
+                <a:latin typeface="Calibri"/>
+                <a:cs typeface="Calibri"/>
+              </a:rPr>
+              <a:t>ORDER BY column1, column2....</a:t>
+            </a:r>
+            <a:r>
+              <a:rPr lang="en-US" sz="1100" dirty="0" err="1">
+                <a:solidFill>
+                  <a:srgbClr val="273239"/>
+                </a:solidFill>
+                <a:latin typeface="Calibri"/>
+                <a:cs typeface="Calibri"/>
+              </a:rPr>
+              <a:t>columnN</a:t>
+            </a:r>
+            <a:endParaRPr lang="en-US" sz="1100" dirty="0">
+              <a:cs typeface="Calibri"/>
             </a:endParaRPr>
           </a:p>
         </p:txBody>
@@ -5612,7 +4434,7 @@
     </p:spTree>
     <p:extLst>
       <p:ext uri="{BB962C8B-B14F-4D97-AF65-F5344CB8AC3E}">
-        <p14:creationId xmlns:p14="http://schemas.microsoft.com/office/powerpoint/2010/main" val="3009845995"/>
+        <p14:creationId xmlns:p14="http://schemas.microsoft.com/office/powerpoint/2010/main" val="412686758"/>
       </p:ext>
     </p:extLst>
   </p:cSld>
@@ -5622,7 +4444,7 @@
 </p:sld>
 </file>
 
-<file path=ppt/slides/slide13.xml><?xml version="1.0" encoding="utf-8"?>
+<file path=ppt/slides/slide11.xml><?xml version="1.0" encoding="utf-8"?>
 <p:sld xmlns:a="http://schemas.openxmlformats.org/drawingml/2006/main" xmlns:r="http://schemas.openxmlformats.org/officeDocument/2006/relationships" xmlns:p="http://schemas.openxmlformats.org/presentationml/2006/main">
   <p:cSld>
     <p:spTree>
@@ -5660,13 +4482,36 @@
           <a:bodyPr/>
           <a:lstStyle/>
           <a:p>
-            <a:r>
-              <a:rPr lang="en-US" b="1" dirty="0">
-                <a:cs typeface="Calibri Light"/>
-              </a:rPr>
-              <a:t>IF STATEMENT Cont...</a:t>
-            </a:r>
-            <a:endParaRPr lang="en-US" b="1" dirty="0"/>
+            <a:pPr algn="l" fontAlgn="base"/>
+            <a:r>
+              <a:rPr lang="en-IN" b="1" i="0" dirty="0">
+                <a:solidFill>
+                  <a:srgbClr val="273239"/>
+                </a:solidFill>
+                <a:effectLst/>
+                <a:latin typeface="Source Sans 3"/>
+              </a:rPr>
+              <a:t>PostgreSQL – </a:t>
+            </a:r>
+            <a:r>
+              <a:rPr lang="en-IN" b="1" dirty="0">
+                <a:solidFill>
+                  <a:srgbClr val="273239"/>
+                </a:solidFill>
+                <a:latin typeface="Source Sans 3"/>
+              </a:rPr>
+              <a:t>MIN</a:t>
+            </a:r>
+            <a:r>
+              <a:rPr lang="en-IN" b="1" i="0" dirty="0">
+                <a:solidFill>
+                  <a:srgbClr val="273239"/>
+                </a:solidFill>
+                <a:effectLst/>
+                <a:latin typeface="Source Sans 3"/>
+              </a:rPr>
+              <a:t>() Function</a:t>
+            </a:r>
           </a:p>
         </p:txBody>
       </p:sp>
@@ -5686,199 +4531,400 @@
             <p:ph idx="1"/>
           </p:nvPr>
         </p:nvSpPr>
-        <p:spPr/>
+        <p:spPr>
+          <a:xfrm>
+            <a:off x="762662" y="1218385"/>
+            <a:ext cx="10515600" cy="5274490"/>
+          </a:xfrm>
+        </p:spPr>
         <p:txBody>
           <a:bodyPr vert="horz" lIns="91440" tIns="45720" rIns="91440" bIns="45720" rtlCol="0" anchor="t">
             <a:noAutofit/>
           </a:bodyPr>
           <a:lstStyle/>
           <a:p>
-            <a:pPr marL="0" indent="0">
-              <a:buNone/>
-            </a:pPr>
-            <a:r>
-              <a:rPr lang="en-US" sz="2400" b="1" dirty="0">
-                <a:solidFill>
-                  <a:srgbClr val="273239"/>
-                </a:solidFill>
-                <a:latin typeface="Segoe UI"/>
-                <a:cs typeface="Segoe UI"/>
-              </a:rPr>
-              <a:t>END IF;</a:t>
-            </a:r>
-            <a:endParaRPr lang="en-US" sz="2400" dirty="0">
+            <a:pPr algn="just"/>
+            <a:endParaRPr lang="en-US" sz="1900" dirty="0">
               <a:solidFill>
                 <a:srgbClr val="273239"/>
               </a:solidFill>
-              <a:latin typeface="Segoe UI"/>
-              <a:cs typeface="Segoe UI"/>
-            </a:endParaRPr>
-          </a:p>
-          <a:p>
-            <a:pPr marL="0" indent="0">
-              <a:buNone/>
-            </a:pPr>
-            <a:r>
-              <a:rPr lang="en-US" sz="2400" b="1" dirty="0">
-                <a:solidFill>
-                  <a:srgbClr val="273239"/>
-                </a:solidFill>
-                <a:latin typeface="Segoe UI"/>
-                <a:cs typeface="Segoe UI"/>
-              </a:rPr>
-              <a:t>  IF a &lt; b THEN</a:t>
-            </a:r>
-            <a:endParaRPr lang="en-US" sz="2400">
-              <a:solidFill>
-                <a:srgbClr val="273239"/>
-              </a:solidFill>
-              <a:latin typeface="Segoe UI"/>
-              <a:cs typeface="Segoe UI"/>
-            </a:endParaRPr>
-          </a:p>
-          <a:p>
-            <a:pPr marL="0" indent="0">
-              <a:buNone/>
-            </a:pPr>
-            <a:r>
-              <a:rPr lang="en-US" sz="2400" b="1" dirty="0">
-                <a:solidFill>
-                  <a:srgbClr val="273239"/>
-                </a:solidFill>
-                <a:latin typeface="Segoe UI"/>
-                <a:cs typeface="Segoe UI"/>
-              </a:rPr>
-              <a:t>    RAISE NOTICE 'a is less than b';</a:t>
-            </a:r>
-            <a:endParaRPr lang="en-US" sz="2400">
-              <a:solidFill>
-                <a:srgbClr val="273239"/>
-              </a:solidFill>
-              <a:latin typeface="Segoe UI"/>
-              <a:cs typeface="Segoe UI"/>
-            </a:endParaRPr>
-          </a:p>
-          <a:p>
-            <a:pPr marL="0" indent="0">
-              <a:buNone/>
-            </a:pPr>
-            <a:r>
-              <a:rPr lang="en-US" sz="2400" b="1" dirty="0">
-                <a:solidFill>
-                  <a:srgbClr val="273239"/>
-                </a:solidFill>
-                <a:latin typeface="Segoe UI"/>
-                <a:cs typeface="Segoe UI"/>
-              </a:rPr>
-              <a:t>  END IF;</a:t>
-            </a:r>
-            <a:endParaRPr lang="en-US" sz="2400">
-              <a:solidFill>
-                <a:srgbClr val="273239"/>
-              </a:solidFill>
-              <a:latin typeface="Segoe UI"/>
-              <a:cs typeface="Segoe UI"/>
-            </a:endParaRPr>
-          </a:p>
-          <a:p>
-            <a:pPr marL="0" indent="0">
-              <a:buNone/>
-            </a:pPr>
-            <a:r>
-              <a:rPr lang="en-US" sz="2400" b="1" dirty="0">
-                <a:solidFill>
-                  <a:srgbClr val="273239"/>
-                </a:solidFill>
-                <a:latin typeface="Segoe UI"/>
-                <a:cs typeface="Segoe UI"/>
-              </a:rPr>
-              <a:t>  IF a = b THEN</a:t>
-            </a:r>
-            <a:endParaRPr lang="en-US" sz="2400">
-              <a:solidFill>
-                <a:srgbClr val="273239"/>
-              </a:solidFill>
-              <a:latin typeface="Segoe UI"/>
-              <a:cs typeface="Segoe UI"/>
-            </a:endParaRPr>
-          </a:p>
-          <a:p>
-            <a:pPr marL="0" indent="0">
-              <a:buNone/>
-            </a:pPr>
-            <a:r>
-              <a:rPr lang="en-US" sz="2400" b="1" dirty="0">
-                <a:solidFill>
-                  <a:srgbClr val="273239"/>
-                </a:solidFill>
-                <a:latin typeface="Segoe UI"/>
-                <a:cs typeface="Segoe UI"/>
-              </a:rPr>
-              <a:t>    RAISE NOTICE 'a is equal to b';</a:t>
-            </a:r>
-            <a:endParaRPr lang="en-US" sz="2400">
-              <a:solidFill>
-                <a:srgbClr val="273239"/>
-              </a:solidFill>
-              <a:latin typeface="Segoe UI"/>
-              <a:cs typeface="Segoe UI"/>
-            </a:endParaRPr>
-          </a:p>
-          <a:p>
-            <a:pPr marL="0" indent="0">
-              <a:buNone/>
-            </a:pPr>
-            <a:r>
-              <a:rPr lang="en-US" sz="2400" b="1" dirty="0">
-                <a:solidFill>
-                  <a:srgbClr val="273239"/>
-                </a:solidFill>
-                <a:latin typeface="Segoe UI"/>
-                <a:cs typeface="Segoe UI"/>
-              </a:rPr>
-              <a:t>  END IF;</a:t>
-            </a:r>
-            <a:endParaRPr lang="en-US" sz="2400">
-              <a:solidFill>
-                <a:srgbClr val="273239"/>
-              </a:solidFill>
-              <a:latin typeface="Segoe UI"/>
-              <a:cs typeface="Segoe UI"/>
-            </a:endParaRPr>
-          </a:p>
-          <a:p>
-            <a:pPr marL="0" indent="0">
-              <a:buNone/>
-            </a:pPr>
-            <a:r>
-              <a:rPr lang="en-US" sz="2400" b="1" dirty="0">
-                <a:solidFill>
-                  <a:srgbClr val="273239"/>
-                </a:solidFill>
-                <a:latin typeface="Segoe UI"/>
-                <a:cs typeface="Segoe UI"/>
-              </a:rPr>
-              <a:t>END $$;</a:t>
-            </a:r>
-            <a:endParaRPr lang="en-US" sz="3200">
-              <a:solidFill>
-                <a:srgbClr val="273239"/>
-              </a:solidFill>
-              <a:latin typeface="Segoe UI"/>
-              <a:cs typeface="Segoe UI"/>
-            </a:endParaRPr>
-          </a:p>
-          <a:p>
-            <a:endParaRPr lang="en-US" dirty="0">
+              <a:latin typeface="Calibri"/>
               <a:cs typeface="Calibri"/>
             </a:endParaRPr>
+          </a:p>
+          <a:p>
+            <a:pPr algn="just"/>
+            <a:r>
+              <a:rPr lang="en-US" sz="1900" dirty="0">
+                <a:solidFill>
+                  <a:srgbClr val="273239"/>
+                </a:solidFill>
+                <a:latin typeface="Calibri"/>
+                <a:cs typeface="Calibri"/>
+                <a:hlinkClick r:id="rId2">
+                  <a:extLst>
+                    <a:ext uri="{A12FA001-AC4F-418D-AE19-62706E023703}">
+                      <ahyp:hlinkClr xmlns:ahyp="http://schemas.microsoft.com/office/drawing/2018/hyperlinkcolor" val="tx"/>
+                    </a:ext>
+                  </a:extLst>
+                </a:hlinkClick>
+              </a:rPr>
+              <a:t>PostgreSQL </a:t>
+            </a:r>
+            <a:r>
+              <a:rPr lang="en-US" sz="1900" dirty="0">
+                <a:solidFill>
+                  <a:srgbClr val="273239"/>
+                </a:solidFill>
+                <a:latin typeface="Calibri"/>
+                <a:cs typeface="Calibri"/>
+              </a:rPr>
+              <a:t>MAX() function is an aggregate function that returns the maximum value in a set of values.</a:t>
+            </a:r>
+            <a:endParaRPr lang="en-US" dirty="0"/>
+          </a:p>
+          <a:p>
+            <a:pPr marL="0" indent="0" algn="just">
+              <a:buNone/>
+            </a:pPr>
+            <a:r>
+              <a:rPr lang="en-US" altLang="en-US" sz="1100" dirty="0">
+                <a:solidFill>
+                  <a:srgbClr val="273239"/>
+                </a:solidFill>
+                <a:latin typeface="Calibri"/>
+                <a:cs typeface="Calibri"/>
+              </a:rPr>
+              <a:t>SELECT MAX(amount) FROM payment</a:t>
+            </a:r>
+          </a:p>
+          <a:p>
+            <a:pPr marL="0" indent="0" algn="just">
+              <a:buNone/>
+            </a:pPr>
+            <a:r>
+              <a:rPr lang="en-US" sz="1100" dirty="0">
+                <a:solidFill>
+                  <a:srgbClr val="273239"/>
+                </a:solidFill>
+                <a:latin typeface="Calibri"/>
+                <a:cs typeface="Calibri"/>
+              </a:rPr>
+              <a:t>SELECT    </a:t>
+            </a:r>
+            <a:r>
+              <a:rPr lang="en-US" sz="1100" dirty="0" err="1">
+                <a:solidFill>
+                  <a:srgbClr val="273239"/>
+                </a:solidFill>
+                <a:latin typeface="Calibri"/>
+                <a:cs typeface="Calibri"/>
+              </a:rPr>
+              <a:t>customer_id</a:t>
+            </a:r>
+            <a:r>
+              <a:rPr lang="en-US" sz="1100" dirty="0">
+                <a:solidFill>
+                  <a:srgbClr val="273239"/>
+                </a:solidFill>
+                <a:latin typeface="Calibri"/>
+                <a:cs typeface="Calibri"/>
+              </a:rPr>
+              <a:t>,    MAX (amount)FROM    </a:t>
+            </a:r>
+            <a:r>
+              <a:rPr lang="en-US" sz="1100" dirty="0" err="1">
+                <a:solidFill>
+                  <a:srgbClr val="273239"/>
+                </a:solidFill>
+                <a:latin typeface="Calibri"/>
+                <a:cs typeface="Calibri"/>
+              </a:rPr>
+              <a:t>paymentGROUP</a:t>
+            </a:r>
+            <a:r>
+              <a:rPr lang="en-US" sz="1100" dirty="0">
+                <a:solidFill>
+                  <a:srgbClr val="273239"/>
+                </a:solidFill>
+                <a:latin typeface="Calibri"/>
+                <a:cs typeface="Calibri"/>
+              </a:rPr>
+              <a:t> BY    </a:t>
+            </a:r>
+            <a:r>
+              <a:rPr lang="en-US" sz="1100" dirty="0" err="1">
+                <a:solidFill>
+                  <a:srgbClr val="273239"/>
+                </a:solidFill>
+                <a:latin typeface="Calibri"/>
+                <a:cs typeface="Calibri"/>
+              </a:rPr>
+              <a:t>customer_id</a:t>
+            </a:r>
+            <a:r>
+              <a:rPr lang="en-US" sz="1100" dirty="0">
+                <a:solidFill>
+                  <a:srgbClr val="273239"/>
+                </a:solidFill>
+                <a:latin typeface="Calibri"/>
+                <a:cs typeface="Calibri"/>
+              </a:rPr>
+              <a:t>;</a:t>
+            </a:r>
+          </a:p>
+          <a:p>
+            <a:pPr algn="just"/>
+            <a:r>
+              <a:rPr lang="en-US" sz="1900" dirty="0">
+                <a:solidFill>
+                  <a:srgbClr val="273239"/>
+                </a:solidFill>
+                <a:latin typeface="Calibri"/>
+                <a:cs typeface="Calibri"/>
+                <a:hlinkClick r:id="rId2">
+                  <a:extLst>
+                    <a:ext uri="{A12FA001-AC4F-418D-AE19-62706E023703}">
+                      <ahyp:hlinkClr xmlns:ahyp="http://schemas.microsoft.com/office/drawing/2018/hyperlinkcolor" val="tx"/>
+                    </a:ext>
+                  </a:extLst>
+                </a:hlinkClick>
+              </a:rPr>
+              <a:t>PostgreSQL </a:t>
+            </a:r>
+            <a:r>
+              <a:rPr lang="en-US" sz="1900" dirty="0">
+                <a:solidFill>
+                  <a:srgbClr val="273239"/>
+                </a:solidFill>
+                <a:latin typeface="Calibri"/>
+                <a:cs typeface="Calibri"/>
+              </a:rPr>
+              <a:t>MIN() function is an aggregate function that returns the minimum value in a set of values.</a:t>
+            </a:r>
+          </a:p>
+          <a:p>
+            <a:pPr marL="0" indent="0" algn="just">
+              <a:buNone/>
+            </a:pPr>
+            <a:r>
+              <a:rPr lang="en-US" sz="1900" dirty="0">
+                <a:solidFill>
+                  <a:srgbClr val="273239"/>
+                </a:solidFill>
+                <a:latin typeface="Calibri"/>
+                <a:cs typeface="Calibri"/>
+              </a:rPr>
+              <a:t>SELECT MIN(amount)  FROM payment;</a:t>
+            </a:r>
+          </a:p>
+          <a:p>
+            <a:pPr marL="0" indent="0" algn="just">
+              <a:buNone/>
+            </a:pPr>
+            <a:r>
+              <a:rPr lang="en-US" sz="1900" dirty="0">
+                <a:solidFill>
+                  <a:srgbClr val="273239"/>
+                </a:solidFill>
+                <a:latin typeface="Calibri"/>
+                <a:cs typeface="Calibri"/>
+              </a:rPr>
+              <a:t>SELECT     </a:t>
+            </a:r>
+            <a:r>
+              <a:rPr lang="en-US" sz="1900" dirty="0" err="1">
+                <a:solidFill>
+                  <a:srgbClr val="273239"/>
+                </a:solidFill>
+                <a:latin typeface="Calibri"/>
+                <a:cs typeface="Calibri"/>
+              </a:rPr>
+              <a:t>customer_id</a:t>
+            </a:r>
+            <a:r>
+              <a:rPr lang="en-US" sz="1900" dirty="0">
+                <a:solidFill>
+                  <a:srgbClr val="273239"/>
+                </a:solidFill>
+                <a:latin typeface="Calibri"/>
+                <a:cs typeface="Calibri"/>
+              </a:rPr>
+              <a:t>,    MIN(amount)FROM    payment GROUP BY    </a:t>
+            </a:r>
+            <a:r>
+              <a:rPr lang="en-US" sz="1900" dirty="0" err="1">
+                <a:solidFill>
+                  <a:srgbClr val="273239"/>
+                </a:solidFill>
+                <a:latin typeface="Calibri"/>
+                <a:cs typeface="Calibri"/>
+              </a:rPr>
+              <a:t>customer_id</a:t>
+            </a:r>
+            <a:r>
+              <a:rPr lang="en-US" sz="1900" dirty="0">
+                <a:solidFill>
+                  <a:srgbClr val="273239"/>
+                </a:solidFill>
+                <a:latin typeface="Calibri"/>
+                <a:cs typeface="Calibri"/>
+              </a:rPr>
+              <a:t>;</a:t>
+            </a:r>
+          </a:p>
+          <a:p>
+            <a:pPr algn="just"/>
+            <a:r>
+              <a:rPr lang="en-US" sz="1900" dirty="0">
+                <a:solidFill>
+                  <a:srgbClr val="273239"/>
+                </a:solidFill>
+                <a:latin typeface="Calibri"/>
+                <a:cs typeface="Calibri"/>
+                <a:hlinkClick r:id="rId2">
+                  <a:extLst>
+                    <a:ext uri="{A12FA001-AC4F-418D-AE19-62706E023703}">
+                      <ahyp:hlinkClr xmlns:ahyp="http://schemas.microsoft.com/office/drawing/2018/hyperlinkcolor" val="tx"/>
+                    </a:ext>
+                  </a:extLst>
+                </a:hlinkClick>
+              </a:rPr>
+              <a:t>PostgreSQL </a:t>
+            </a:r>
+            <a:r>
+              <a:rPr lang="en-US" sz="1900" dirty="0">
+                <a:solidFill>
+                  <a:srgbClr val="273239"/>
+                </a:solidFill>
+                <a:latin typeface="Calibri"/>
+                <a:cs typeface="Calibri"/>
+              </a:rPr>
+              <a:t>provides with a SUM() function that is used to get the addition of values of a numeric column.</a:t>
+            </a:r>
+          </a:p>
+          <a:p>
+            <a:pPr algn="l" fontAlgn="base"/>
+            <a:r>
+              <a:rPr lang="en-US" sz="1900" dirty="0">
+                <a:solidFill>
+                  <a:srgbClr val="273239"/>
+                </a:solidFill>
+                <a:latin typeface="Calibri"/>
+                <a:cs typeface="Calibri"/>
+              </a:rPr>
+              <a:t>The following points needs to be kept in mind while using the above function:</a:t>
+            </a:r>
+          </a:p>
+          <a:p>
+            <a:pPr algn="l" fontAlgn="base">
+              <a:buFont typeface="Arial" panose="020B0604020202020204" pitchFamily="34" charset="0"/>
+              <a:buChar char="•"/>
+            </a:pPr>
+            <a:r>
+              <a:rPr lang="en-US" sz="1900" dirty="0">
+                <a:solidFill>
+                  <a:srgbClr val="273239"/>
+                </a:solidFill>
+                <a:latin typeface="Calibri"/>
+                <a:cs typeface="Calibri"/>
+              </a:rPr>
+              <a:t>It ignores all NULL values.</a:t>
+            </a:r>
+          </a:p>
+          <a:p>
+            <a:pPr algn="l" fontAlgn="base">
+              <a:buFont typeface="Arial" panose="020B0604020202020204" pitchFamily="34" charset="0"/>
+              <a:buChar char="•"/>
+            </a:pPr>
+            <a:r>
+              <a:rPr lang="en-US" sz="1900" dirty="0">
+                <a:solidFill>
+                  <a:srgbClr val="273239"/>
+                </a:solidFill>
+                <a:latin typeface="Calibri"/>
+                <a:cs typeface="Calibri"/>
+              </a:rPr>
+              <a:t>If used with DISTINCT operator as SUM(DISTINCT column), it skips duplicate values.</a:t>
+            </a:r>
+          </a:p>
+          <a:p>
+            <a:pPr algn="l" fontAlgn="base">
+              <a:buFont typeface="Arial" panose="020B0604020202020204" pitchFamily="34" charset="0"/>
+              <a:buChar char="•"/>
+            </a:pPr>
+            <a:r>
+              <a:rPr lang="en-US" sz="1900" dirty="0">
+                <a:solidFill>
+                  <a:srgbClr val="273239"/>
+                </a:solidFill>
+                <a:latin typeface="Calibri"/>
+                <a:cs typeface="Calibri"/>
+              </a:rPr>
+              <a:t>Using SUM() function with SELECT clause returns NULL instead of Zero.</a:t>
+            </a:r>
+          </a:p>
+          <a:p>
+            <a:pPr marL="0" indent="0" algn="just">
+              <a:buNone/>
+            </a:pPr>
+            <a:r>
+              <a:rPr lang="en-US" sz="1400" dirty="0">
+                <a:solidFill>
+                  <a:srgbClr val="273239"/>
+                </a:solidFill>
+                <a:latin typeface="Calibri"/>
+                <a:cs typeface="Calibri"/>
+              </a:rPr>
+              <a:t>SELECT    </a:t>
+            </a:r>
+            <a:r>
+              <a:rPr lang="en-US" sz="1400" dirty="0" err="1">
+                <a:solidFill>
+                  <a:srgbClr val="273239"/>
+                </a:solidFill>
+                <a:latin typeface="Calibri"/>
+                <a:cs typeface="Calibri"/>
+              </a:rPr>
+              <a:t>customer_id</a:t>
+            </a:r>
+            <a:r>
+              <a:rPr lang="en-US" sz="1400" dirty="0">
+                <a:solidFill>
+                  <a:srgbClr val="273239"/>
+                </a:solidFill>
+                <a:latin typeface="Calibri"/>
+                <a:cs typeface="Calibri"/>
+              </a:rPr>
+              <a:t>,    SUM (amount) AS total FROM     payment GROUP BY    </a:t>
+            </a:r>
+            <a:r>
+              <a:rPr lang="en-US" sz="1400" dirty="0" err="1">
+                <a:solidFill>
+                  <a:srgbClr val="273239"/>
+                </a:solidFill>
+                <a:latin typeface="Calibri"/>
+                <a:cs typeface="Calibri"/>
+              </a:rPr>
+              <a:t>customer_id</a:t>
+            </a:r>
+            <a:r>
+              <a:rPr lang="en-US" sz="1400" dirty="0">
+                <a:solidFill>
+                  <a:srgbClr val="273239"/>
+                </a:solidFill>
+                <a:latin typeface="Calibri"/>
+                <a:cs typeface="Calibri"/>
+              </a:rPr>
+              <a:t>;</a:t>
+            </a:r>
           </a:p>
         </p:txBody>
       </p:sp>
     </p:spTree>
     <p:extLst>
       <p:ext uri="{BB962C8B-B14F-4D97-AF65-F5344CB8AC3E}">
-        <p14:creationId xmlns:p14="http://schemas.microsoft.com/office/powerpoint/2010/main" val="3386573484"/>
+        <p14:creationId xmlns:p14="http://schemas.microsoft.com/office/powerpoint/2010/main" val="674725545"/>
       </p:ext>
     </p:extLst>
   </p:cSld>
@@ -5888,7 +4934,7 @@
 </p:sld>
 </file>
 
-<file path=ppt/slides/slide14.xml><?xml version="1.0" encoding="utf-8"?>
+<file path=ppt/slides/slide12.xml><?xml version="1.0" encoding="utf-8"?>
 <p:sld xmlns:a="http://schemas.openxmlformats.org/drawingml/2006/main" xmlns:r="http://schemas.openxmlformats.org/officeDocument/2006/relationships" xmlns:p="http://schemas.openxmlformats.org/presentationml/2006/main">
   <p:cSld>
     <p:spTree>
@@ -5907,63 +4953,36 @@
       </p:grpSpPr>
       <p:sp>
         <p:nvSpPr>
-          <p:cNvPr id="6" name="TextBox 5">
+          <p:cNvPr id="2" name="Title 1">
             <a:extLst>
               <a:ext uri="{FF2B5EF4-FFF2-40B4-BE49-F238E27FC236}">
-                <a16:creationId xmlns:a16="http://schemas.microsoft.com/office/drawing/2014/main" id="{36670B7B-78F1-209D-D478-00089C23D1A7}"/>
+                <a16:creationId xmlns:a16="http://schemas.microsoft.com/office/drawing/2014/main" id="{3C3CA1D4-3CC1-AD8D-548C-D92CB7AB6C11}"/>
               </a:ext>
             </a:extLst>
           </p:cNvPr>
-          <p:cNvSpPr txBox="1"/>
-          <p:nvPr/>
+          <p:cNvSpPr>
+            <a:spLocks noGrp="1"/>
+          </p:cNvSpPr>
+          <p:nvPr>
+            <p:ph type="title"/>
+          </p:nvPr>
         </p:nvSpPr>
-        <p:spPr>
-          <a:xfrm>
-            <a:off x="835104" y="151437"/>
-            <a:ext cx="9656989" cy="1569660"/>
-          </a:xfrm>
-          <a:prstGeom prst="rect">
-            <a:avLst/>
-          </a:prstGeom>
-          <a:noFill/>
-        </p:spPr>
+        <p:spPr/>
         <p:txBody>
-          <a:bodyPr wrap="square" rtlCol="0">
-            <a:spAutoFit/>
-          </a:bodyPr>
+          <a:bodyPr/>
           <a:lstStyle/>
           <a:p>
             <a:pPr algn="l" fontAlgn="base"/>
             <a:r>
-              <a:rPr lang="en-IN" sz="3200" b="1" i="0" dirty="0">
+              <a:rPr lang="en-IN" b="1" i="0" dirty="0">
                 <a:solidFill>
                   <a:srgbClr val="273239"/>
                 </a:solidFill>
                 <a:effectLst/>
                 <a:latin typeface="Source Sans 3"/>
               </a:rPr>
-              <a:t>EXISTS Operator</a:t>
-            </a:r>
-          </a:p>
-          <a:p>
-            <a:pPr fontAlgn="base"/>
-            <a:endParaRPr lang="en-IN" sz="3200" b="1" i="0" dirty="0">
-              <a:solidFill>
-                <a:srgbClr val="273239"/>
-              </a:solidFill>
-              <a:effectLst/>
-              <a:latin typeface="Source Sans 3"/>
-            </a:endParaRPr>
-          </a:p>
-          <a:p>
-            <a:pPr algn="l" fontAlgn="base"/>
-            <a:endParaRPr lang="en-IN" sz="3200" b="1" i="0" dirty="0">
-              <a:solidFill>
-                <a:srgbClr val="273239"/>
-              </a:solidFill>
-              <a:effectLst/>
-              <a:latin typeface="Source Sans 3"/>
-            </a:endParaRPr>
+              <a:t>PostgreSQL – MAX() Function</a:t>
+            </a:r>
           </a:p>
         </p:txBody>
       </p:sp>
@@ -5972,7 +4991,7 @@
           <p:cNvPr id="3" name="Content Placeholder 2">
             <a:extLst>
               <a:ext uri="{FF2B5EF4-FFF2-40B4-BE49-F238E27FC236}">
-                <a16:creationId xmlns:a16="http://schemas.microsoft.com/office/drawing/2014/main" id="{701352DD-24C5-44A6-94F8-5587E5F114BE}"/>
+                <a16:creationId xmlns:a16="http://schemas.microsoft.com/office/drawing/2014/main" id="{E21E52A3-76B6-55B1-1B4D-EC79802B3786}"/>
               </a:ext>
             </a:extLst>
           </p:cNvPr>
@@ -5985,680 +5004,232 @@
         </p:nvSpPr>
         <p:spPr>
           <a:xfrm>
-            <a:off x="838200" y="931103"/>
-            <a:ext cx="10515600" cy="5698642"/>
+            <a:off x="838200" y="1825624"/>
+            <a:ext cx="10515600" cy="4825641"/>
           </a:xfrm>
         </p:spPr>
         <p:txBody>
           <a:bodyPr vert="horz" lIns="91440" tIns="45720" rIns="91440" bIns="45720" rtlCol="0" anchor="t">
-            <a:normAutofit fontScale="85000" lnSpcReduction="20000"/>
+            <a:noAutofit/>
           </a:bodyPr>
           <a:lstStyle/>
           <a:p>
-            <a:pPr algn="l" fontAlgn="base"/>
-            <a:r>
-              <a:rPr lang="en-US" sz="1800" b="0" i="0" dirty="0">
-                <a:solidFill>
-                  <a:srgbClr val="273239"/>
-                </a:solidFill>
-                <a:effectLst/>
-                <a:latin typeface="Calibri"/>
-                <a:cs typeface="Calibri"/>
-              </a:rPr>
-              <a:t>In </a:t>
-            </a:r>
-            <a:r>
-              <a:rPr lang="en-US" sz="1800" b="0" i="0" u="sng" dirty="0">
-                <a:effectLst/>
-                <a:latin typeface="Calibri"/>
-                <a:cs typeface="Calibri"/>
-                <a:hlinkClick r:id="rId2"/>
-              </a:rPr>
-              <a:t>PostgreSQL</a:t>
-            </a:r>
-            <a:r>
-              <a:rPr lang="en-US" sz="1800" b="0" i="0" dirty="0">
-                <a:solidFill>
-                  <a:srgbClr val="273239"/>
-                </a:solidFill>
-                <a:effectLst/>
-                <a:latin typeface="Calibri"/>
-                <a:cs typeface="Calibri"/>
-              </a:rPr>
-              <a:t>, the EXISTS operator is used to test for the existence of rows in a </a:t>
-            </a:r>
-            <a:r>
-              <a:rPr lang="en-US" sz="1800" b="0" i="0" err="1">
-                <a:solidFill>
-                  <a:srgbClr val="273239"/>
-                </a:solidFill>
-                <a:effectLst/>
-                <a:latin typeface="Calibri"/>
-                <a:cs typeface="Calibri"/>
-              </a:rPr>
-              <a:t>subquery.It</a:t>
-            </a:r>
-            <a:r>
-              <a:rPr lang="en-US" sz="1800" b="0" i="0" dirty="0">
-                <a:solidFill>
-                  <a:srgbClr val="273239"/>
-                </a:solidFill>
-                <a:effectLst/>
-                <a:latin typeface="Calibri"/>
-                <a:cs typeface="Calibri"/>
-              </a:rPr>
-              <a:t> is generally used with correlated subqueries. If the subquery returns at least one row, the result of EXISTS is true. In case the subquery returns no row, the result is of EXISTS is false.</a:t>
-            </a:r>
-          </a:p>
-          <a:p>
-            <a:pPr algn="l" fontAlgn="base"/>
-            <a:endParaRPr lang="en-US" sz="1800" dirty="0">
-              <a:solidFill>
-                <a:srgbClr val="273239"/>
-              </a:solidFill>
-              <a:latin typeface="Calibri"/>
-              <a:cs typeface="Calibri"/>
-            </a:endParaRPr>
-          </a:p>
-          <a:p>
-            <a:pPr algn="l" fontAlgn="base"/>
-            <a:r>
-              <a:rPr lang="en-US" sz="1800" b="0" i="0" dirty="0">
-                <a:solidFill>
-                  <a:srgbClr val="273239"/>
-                </a:solidFill>
-                <a:effectLst/>
-                <a:latin typeface="Calibri"/>
-                <a:cs typeface="Calibri"/>
-              </a:rPr>
-              <a:t>Syntax: EXISTS (subquery)</a:t>
-            </a:r>
-          </a:p>
-          <a:p>
-            <a:pPr algn="l" fontAlgn="base"/>
-            <a:r>
-              <a:rPr lang="en-US" sz="1800" b="1" i="0" dirty="0">
-                <a:solidFill>
-                  <a:srgbClr val="273239"/>
-                </a:solidFill>
-                <a:effectLst/>
+            <a:pPr algn="just"/>
+            <a:r>
+              <a:rPr lang="en-US" sz="1900" dirty="0">
+                <a:solidFill>
+                  <a:srgbClr val="273239"/>
+                </a:solidFill>
+                <a:latin typeface="Calibri"/>
+                <a:cs typeface="Calibri"/>
+              </a:rPr>
+              <a:t>The COUNT() function is </a:t>
+            </a:r>
+            <a:r>
+              <a:rPr lang="en-US" sz="1900" dirty="0" err="1">
+                <a:solidFill>
+                  <a:srgbClr val="273239"/>
+                </a:solidFill>
+                <a:latin typeface="Calibri"/>
+                <a:cs typeface="Calibri"/>
+              </a:rPr>
+              <a:t>anaggregate</a:t>
+            </a:r>
+            <a:r>
+              <a:rPr lang="en-US" sz="1900" dirty="0">
+                <a:solidFill>
+                  <a:srgbClr val="273239"/>
+                </a:solidFill>
+                <a:latin typeface="Calibri"/>
+                <a:cs typeface="Calibri"/>
+              </a:rPr>
+              <a:t> </a:t>
+            </a:r>
+            <a:r>
+              <a:rPr lang="en-US" sz="1900" dirty="0" err="1">
+                <a:solidFill>
+                  <a:srgbClr val="273239"/>
+                </a:solidFill>
+                <a:latin typeface="Calibri"/>
+                <a:cs typeface="Calibri"/>
+              </a:rPr>
+              <a:t>functiont</a:t>
+            </a:r>
+            <a:r>
+              <a:rPr lang="en-US" sz="1900" dirty="0">
+                <a:solidFill>
+                  <a:srgbClr val="273239"/>
+                </a:solidFill>
+                <a:latin typeface="Calibri"/>
+                <a:cs typeface="Calibri"/>
+              </a:rPr>
+              <a:t> that enables users to get the number of rows that match a particular requirement of a query.</a:t>
+            </a:r>
+          </a:p>
+          <a:p>
+            <a:pPr algn="just"/>
+            <a:r>
+              <a:rPr lang="en-US" sz="1900" dirty="0">
+                <a:solidFill>
+                  <a:srgbClr val="273239"/>
+                </a:solidFill>
+                <a:latin typeface="Calibri"/>
+                <a:cs typeface="Calibri"/>
+              </a:rPr>
+              <a:t>Depending upon the user requirements the COUNT() function can have the following syntaxes:</a:t>
+            </a:r>
+          </a:p>
+          <a:p>
+            <a:pPr marL="0" indent="0" algn="just">
+              <a:buNone/>
+            </a:pPr>
+            <a:r>
+              <a:rPr lang="en-US" sz="1900" b="1" dirty="0">
+                <a:solidFill>
+                  <a:srgbClr val="273239"/>
+                </a:solidFill>
+                <a:latin typeface="Calibri"/>
+                <a:cs typeface="Calibri"/>
+              </a:rPr>
+              <a:t>Syntax: </a:t>
+            </a:r>
+            <a:r>
+              <a:rPr lang="en-US" sz="1900" dirty="0">
+                <a:solidFill>
+                  <a:srgbClr val="273239"/>
+                </a:solidFill>
+                <a:latin typeface="Calibri"/>
+                <a:cs typeface="Calibri"/>
+              </a:rPr>
+              <a:t>COUNT(*)</a:t>
+            </a:r>
+          </a:p>
+          <a:p>
+            <a:pPr algn="just"/>
+            <a:r>
+              <a:rPr lang="en-US" sz="1900" dirty="0">
+                <a:solidFill>
+                  <a:srgbClr val="273239"/>
+                </a:solidFill>
+                <a:latin typeface="Calibri"/>
+                <a:cs typeface="Calibri"/>
+              </a:rPr>
+              <a:t>Returns: All rows including NULL and Duplicates</a:t>
+            </a:r>
+          </a:p>
+          <a:p>
+            <a:pPr marL="0" indent="0" algn="just">
+              <a:buNone/>
+            </a:pPr>
+            <a:r>
+              <a:rPr lang="en-US" sz="1900" b="1" dirty="0">
+                <a:solidFill>
+                  <a:srgbClr val="273239"/>
+                </a:solidFill>
+                <a:latin typeface="Calibri"/>
+                <a:cs typeface="Calibri"/>
+              </a:rPr>
+              <a:t>Syntax: </a:t>
+            </a:r>
+            <a:r>
+              <a:rPr lang="en-US" sz="1900" dirty="0">
+                <a:solidFill>
+                  <a:srgbClr val="273239"/>
+                </a:solidFill>
+                <a:latin typeface="Calibri"/>
+                <a:cs typeface="Calibri"/>
+              </a:rPr>
+              <a:t>COUNT(column)</a:t>
+            </a:r>
+          </a:p>
+          <a:p>
+            <a:pPr algn="just"/>
+            <a:r>
+              <a:rPr lang="en-US" sz="1900" dirty="0">
+                <a:solidFill>
+                  <a:srgbClr val="273239"/>
+                </a:solidFill>
+                <a:latin typeface="Calibri"/>
+                <a:cs typeface="Calibri"/>
+              </a:rPr>
+              <a:t>Returns:  All rows except NULL.</a:t>
+            </a:r>
+          </a:p>
+          <a:p>
+            <a:pPr marL="0" indent="0" algn="just">
+              <a:buNone/>
+            </a:pPr>
+            <a:r>
+              <a:rPr lang="en-US" sz="1900" b="1" dirty="0">
+                <a:solidFill>
+                  <a:srgbClr val="273239"/>
+                </a:solidFill>
+                <a:latin typeface="Calibri"/>
+                <a:cs typeface="Calibri"/>
+              </a:rPr>
+              <a:t>Syntax: </a:t>
+            </a:r>
+            <a:r>
+              <a:rPr lang="en-US" sz="1900" dirty="0">
+                <a:solidFill>
+                  <a:srgbClr val="273239"/>
+                </a:solidFill>
+                <a:latin typeface="Calibri"/>
+                <a:cs typeface="Calibri"/>
+              </a:rPr>
+              <a:t>COUNT(DISTINCT column)</a:t>
+            </a:r>
+          </a:p>
+          <a:p>
+            <a:pPr algn="just"/>
+            <a:r>
+              <a:rPr lang="en-US" sz="1900" dirty="0">
+                <a:solidFill>
+                  <a:srgbClr val="273239"/>
+                </a:solidFill>
+                <a:latin typeface="Calibri"/>
+                <a:cs typeface="Calibri"/>
+              </a:rPr>
+              <a:t>Returns: All rows without NULL and Duplicates</a:t>
+            </a:r>
+          </a:p>
+          <a:p>
+            <a:pPr algn="just"/>
+            <a:r>
+              <a:rPr lang="en-US" sz="1900" dirty="0">
+                <a:solidFill>
+                  <a:srgbClr val="273239"/>
+                </a:solidFill>
                 <a:latin typeface="Calibri"/>
                 <a:cs typeface="Calibri"/>
               </a:rPr>
               <a:t>Example 1:</a:t>
             </a:r>
-            <a:r>
-              <a:rPr lang="en-US" sz="1800" b="0" i="0" dirty="0">
-                <a:solidFill>
-                  <a:srgbClr val="273239"/>
-                </a:solidFill>
-                <a:effectLst/>
-                <a:latin typeface="Calibri"/>
-                <a:cs typeface="Calibri"/>
-              </a:rPr>
-              <a:t> Here we will query for customers who have at least one payment whose amount is greater than 9 USD using the “customer” and “payment” tables of our sample database.</a:t>
-            </a:r>
-            <a:endParaRPr lang="en-US" sz="1800" dirty="0">
-              <a:solidFill>
-                <a:srgbClr val="273239"/>
-              </a:solidFill>
-              <a:latin typeface="Calibri"/>
-              <a:cs typeface="Calibri"/>
-            </a:endParaRPr>
-          </a:p>
-          <a:p>
-            <a:pPr marL="0" indent="0" algn="l" fontAlgn="base">
-              <a:buNone/>
-            </a:pPr>
-            <a:endParaRPr lang="en-US" sz="1800" b="0" i="0" dirty="0">
-              <a:solidFill>
-                <a:srgbClr val="273239"/>
-              </a:solidFill>
-              <a:effectLst/>
-              <a:latin typeface="Calibri"/>
-              <a:cs typeface="Calibri"/>
-            </a:endParaRPr>
-          </a:p>
-          <a:p>
-            <a:pPr marL="0" indent="0" fontAlgn="base">
-              <a:buNone/>
-            </a:pPr>
-            <a:r>
-              <a:rPr lang="en-US" sz="1800" b="0" i="0" dirty="0">
-                <a:solidFill>
-                  <a:srgbClr val="273239"/>
-                </a:solidFill>
-                <a:effectLst/>
-                <a:latin typeface="Calibri"/>
-                <a:cs typeface="Calibri"/>
-              </a:rPr>
-              <a:t>SELECT </a:t>
-            </a:r>
-            <a:r>
-              <a:rPr lang="en-US" sz="1800" b="0" i="0" err="1">
-                <a:solidFill>
-                  <a:srgbClr val="273239"/>
-                </a:solidFill>
-                <a:effectLst/>
-                <a:latin typeface="Calibri"/>
-                <a:cs typeface="Calibri"/>
-              </a:rPr>
-              <a:t>first_name</a:t>
-            </a:r>
-            <a:r>
-              <a:rPr lang="en-US" sz="1800" b="0" i="0" dirty="0">
-                <a:solidFill>
-                  <a:srgbClr val="273239"/>
-                </a:solidFill>
-                <a:effectLst/>
-                <a:latin typeface="Calibri"/>
-                <a:cs typeface="Calibri"/>
-              </a:rPr>
-              <a:t>,</a:t>
-            </a:r>
-            <a:r>
-              <a:rPr lang="en-US" sz="1800" dirty="0">
-                <a:solidFill>
-                  <a:srgbClr val="273239"/>
-                </a:solidFill>
-                <a:latin typeface="Calibri"/>
-                <a:cs typeface="Calibri"/>
-              </a:rPr>
-              <a:t>  </a:t>
-            </a:r>
-            <a:r>
-              <a:rPr lang="en-US" sz="1800" b="0" i="0" dirty="0">
-                <a:solidFill>
-                  <a:srgbClr val="273239"/>
-                </a:solidFill>
-                <a:effectLst/>
-                <a:latin typeface="Calibri"/>
-                <a:cs typeface="Calibri"/>
-              </a:rPr>
-              <a:t> </a:t>
-            </a:r>
-            <a:r>
-              <a:rPr lang="en-US" sz="1800" b="0" i="0" err="1">
-                <a:solidFill>
-                  <a:srgbClr val="273239"/>
-                </a:solidFill>
-                <a:effectLst/>
-                <a:latin typeface="Calibri"/>
-                <a:cs typeface="Calibri"/>
-              </a:rPr>
-              <a:t>last_nameFROM</a:t>
-            </a:r>
-            <a:r>
-              <a:rPr lang="en-US" sz="1800" b="0" i="0" dirty="0">
-                <a:solidFill>
-                  <a:srgbClr val="273239"/>
-                </a:solidFill>
-                <a:effectLst/>
-                <a:latin typeface="Calibri"/>
-                <a:cs typeface="Calibri"/>
-              </a:rPr>
-              <a:t> customer c WHERE EXISTS</a:t>
-            </a:r>
-            <a:r>
-              <a:rPr lang="en-US" sz="1800" dirty="0">
-                <a:solidFill>
-                  <a:srgbClr val="273239"/>
-                </a:solidFill>
-                <a:latin typeface="Calibri"/>
-                <a:cs typeface="Calibri"/>
-              </a:rPr>
-              <a:t> </a:t>
-            </a:r>
-            <a:endParaRPr lang="en-US" sz="1800" b="0" i="0">
-              <a:solidFill>
-                <a:srgbClr val="273239"/>
-              </a:solidFill>
-              <a:effectLst/>
-              <a:latin typeface="Calibri"/>
-              <a:cs typeface="Calibri"/>
-            </a:endParaRPr>
-          </a:p>
-          <a:p>
-            <a:pPr marL="0" indent="0" fontAlgn="base">
-              <a:buNone/>
-            </a:pPr>
-            <a:r>
-              <a:rPr lang="en-US" sz="1800" dirty="0">
-                <a:solidFill>
-                  <a:srgbClr val="273239"/>
-                </a:solidFill>
-                <a:latin typeface="Calibri"/>
-                <a:cs typeface="Calibri"/>
-              </a:rPr>
-              <a:t>   </a:t>
-            </a:r>
-            <a:r>
-              <a:rPr lang="en-US" sz="1800" b="0" i="0" dirty="0">
-                <a:solidFill>
-                  <a:srgbClr val="273239"/>
-                </a:solidFill>
-                <a:effectLst/>
-                <a:latin typeface="Calibri"/>
-                <a:cs typeface="Calibri"/>
-              </a:rPr>
-              <a:t> (SELECT 1</a:t>
-            </a:r>
-            <a:r>
-              <a:rPr lang="en-US" sz="1800" dirty="0">
-                <a:solidFill>
-                  <a:srgbClr val="273239"/>
-                </a:solidFill>
-                <a:latin typeface="Calibri"/>
-                <a:cs typeface="Calibri"/>
-              </a:rPr>
-              <a:t>     </a:t>
-            </a:r>
-            <a:r>
-              <a:rPr lang="en-US" sz="1800" b="0" i="0" dirty="0">
-                <a:solidFill>
-                  <a:srgbClr val="273239"/>
-                </a:solidFill>
-                <a:effectLst/>
-                <a:latin typeface="Calibri"/>
-                <a:cs typeface="Calibri"/>
-              </a:rPr>
-              <a:t> FROM payment p</a:t>
-            </a:r>
-            <a:r>
-              <a:rPr lang="en-US" sz="1800" dirty="0">
-                <a:solidFill>
-                  <a:srgbClr val="273239"/>
-                </a:solidFill>
-                <a:latin typeface="Calibri"/>
-                <a:cs typeface="Calibri"/>
-              </a:rPr>
-              <a:t>     </a:t>
-            </a:r>
-            <a:r>
-              <a:rPr lang="en-US" sz="1800" b="0" i="0" dirty="0">
-                <a:solidFill>
-                  <a:srgbClr val="273239"/>
-                </a:solidFill>
-                <a:effectLst/>
-                <a:latin typeface="Calibri"/>
-                <a:cs typeface="Calibri"/>
-              </a:rPr>
-              <a:t> WHERE </a:t>
-            </a:r>
-            <a:r>
-              <a:rPr lang="en-US" sz="1800" b="0" i="0" err="1">
-                <a:solidFill>
-                  <a:srgbClr val="273239"/>
-                </a:solidFill>
-                <a:effectLst/>
-                <a:latin typeface="Calibri"/>
-                <a:cs typeface="Calibri"/>
-              </a:rPr>
-              <a:t>p.customer_id</a:t>
-            </a:r>
-            <a:r>
-              <a:rPr lang="en-US" sz="1800" b="0" i="0" dirty="0">
-                <a:solidFill>
-                  <a:srgbClr val="273239"/>
-                </a:solidFill>
-                <a:effectLst/>
-                <a:latin typeface="Calibri"/>
-                <a:cs typeface="Calibri"/>
-              </a:rPr>
-              <a:t> = </a:t>
-            </a:r>
-            <a:r>
-              <a:rPr lang="en-US" sz="1800" b="0" i="0" err="1">
-                <a:solidFill>
-                  <a:srgbClr val="273239"/>
-                </a:solidFill>
-                <a:effectLst/>
-                <a:latin typeface="Calibri"/>
-                <a:cs typeface="Calibri"/>
-              </a:rPr>
-              <a:t>c.customer_id</a:t>
-            </a:r>
-            <a:r>
-              <a:rPr lang="en-US" sz="1800" dirty="0">
-                <a:solidFill>
-                  <a:srgbClr val="273239"/>
-                </a:solidFill>
-                <a:latin typeface="Calibri"/>
-                <a:cs typeface="Calibri"/>
-              </a:rPr>
-              <a:t>       </a:t>
-            </a:r>
-            <a:r>
-              <a:rPr lang="en-US" sz="1800" b="0" i="0" dirty="0">
-                <a:solidFill>
-                  <a:srgbClr val="273239"/>
-                </a:solidFill>
-                <a:effectLst/>
-                <a:latin typeface="Calibri"/>
-                <a:cs typeface="Calibri"/>
-              </a:rPr>
-              <a:t> AND amount &gt; 9 ) ORDER BY </a:t>
-            </a:r>
-            <a:r>
-              <a:rPr lang="en-US" sz="1800" b="0" i="0" err="1">
-                <a:solidFill>
-                  <a:srgbClr val="273239"/>
-                </a:solidFill>
-                <a:effectLst/>
-                <a:latin typeface="Calibri"/>
-                <a:cs typeface="Calibri"/>
-              </a:rPr>
-              <a:t>first_name</a:t>
-            </a:r>
-            <a:r>
-              <a:rPr lang="en-US" sz="1800" b="0" i="0" dirty="0">
-                <a:solidFill>
-                  <a:srgbClr val="273239"/>
-                </a:solidFill>
-                <a:effectLst/>
-                <a:latin typeface="Calibri"/>
-                <a:cs typeface="Calibri"/>
-              </a:rPr>
-              <a:t>,</a:t>
-            </a:r>
-            <a:r>
-              <a:rPr lang="en-US" sz="1800" dirty="0">
-                <a:solidFill>
-                  <a:srgbClr val="273239"/>
-                </a:solidFill>
-                <a:latin typeface="Calibri"/>
-                <a:cs typeface="Calibri"/>
-              </a:rPr>
-              <a:t>         </a:t>
-            </a:r>
-            <a:r>
-              <a:rPr lang="en-US" sz="1800" b="0" i="0" dirty="0">
-                <a:solidFill>
-                  <a:srgbClr val="273239"/>
-                </a:solidFill>
-                <a:effectLst/>
-                <a:latin typeface="Calibri"/>
-                <a:cs typeface="Calibri"/>
-              </a:rPr>
-              <a:t> </a:t>
-            </a:r>
-            <a:r>
-              <a:rPr lang="en-US" sz="1800" b="0" i="0" err="1">
-                <a:solidFill>
-                  <a:srgbClr val="273239"/>
-                </a:solidFill>
-                <a:effectLst/>
-                <a:latin typeface="Calibri"/>
-                <a:cs typeface="Calibri"/>
-              </a:rPr>
-              <a:t>last_name</a:t>
-            </a:r>
-            <a:r>
-              <a:rPr lang="en-US" sz="1800" b="0" i="0" dirty="0">
-                <a:solidFill>
-                  <a:srgbClr val="273239"/>
-                </a:solidFill>
-                <a:effectLst/>
-                <a:latin typeface="Calibri"/>
-                <a:cs typeface="Calibri"/>
-              </a:rPr>
-              <a:t>;</a:t>
-            </a:r>
-          </a:p>
-          <a:p>
-            <a:pPr marL="0" indent="0" algn="l" fontAlgn="base">
-              <a:buNone/>
-            </a:pPr>
-            <a:endParaRPr lang="en-US" sz="1800" dirty="0">
-              <a:solidFill>
-                <a:srgbClr val="273239"/>
-              </a:solidFill>
-              <a:latin typeface="Calibri"/>
-              <a:cs typeface="Calibri"/>
-            </a:endParaRPr>
-          </a:p>
-          <a:p>
-            <a:pPr marL="0" indent="0" algn="l" fontAlgn="base">
-              <a:buNone/>
-            </a:pPr>
-            <a:r>
-              <a:rPr lang="en-US" sz="1800" b="1" i="0" dirty="0">
-                <a:solidFill>
-                  <a:srgbClr val="273239"/>
-                </a:solidFill>
-                <a:effectLst/>
-                <a:latin typeface="Calibri"/>
-                <a:cs typeface="Calibri"/>
-              </a:rPr>
-              <a:t>Example 2:</a:t>
-            </a:r>
-            <a:r>
-              <a:rPr lang="en-US" sz="1800" b="0" i="0" dirty="0">
-                <a:solidFill>
-                  <a:srgbClr val="273239"/>
-                </a:solidFill>
-                <a:effectLst/>
-                <a:latin typeface="Calibri"/>
-                <a:cs typeface="Calibri"/>
-              </a:rPr>
-              <a:t> Here we will query for films that are not available in the inventory using the “film” and “inventory” tables of our sample database</a:t>
-            </a:r>
-          </a:p>
-          <a:p>
-            <a:pPr marL="0" indent="0" algn="l" fontAlgn="base">
-              <a:buNone/>
-            </a:pPr>
-            <a:endParaRPr lang="en-US" sz="1800" dirty="0">
-              <a:solidFill>
-                <a:srgbClr val="273239"/>
-              </a:solidFill>
-              <a:latin typeface="Calibri"/>
-              <a:cs typeface="Calibri"/>
-            </a:endParaRPr>
-          </a:p>
-          <a:p>
-            <a:pPr marL="0" indent="0" algn="l" fontAlgn="base">
-              <a:buNone/>
-            </a:pPr>
-            <a:r>
-              <a:rPr lang="en-US" sz="1800" b="0" i="0" dirty="0">
-                <a:solidFill>
-                  <a:srgbClr val="273239"/>
-                </a:solidFill>
-                <a:effectLst/>
-                <a:latin typeface="Calibri"/>
-                <a:cs typeface="Calibri"/>
-              </a:rPr>
-              <a:t>SELECT title</a:t>
-            </a:r>
-          </a:p>
-          <a:p>
-            <a:pPr marL="0" indent="0" algn="l" fontAlgn="base">
-              <a:buNone/>
-            </a:pPr>
-            <a:r>
-              <a:rPr lang="en-US" sz="1800" b="0" i="0" dirty="0">
-                <a:solidFill>
-                  <a:srgbClr val="273239"/>
-                </a:solidFill>
-                <a:effectLst/>
-                <a:latin typeface="Calibri"/>
-                <a:cs typeface="Calibri"/>
-              </a:rPr>
-              <a:t>FROM film f</a:t>
-            </a:r>
-          </a:p>
-          <a:p>
-            <a:pPr marL="0" indent="0" algn="l" fontAlgn="base">
-              <a:buNone/>
-            </a:pPr>
-            <a:r>
-              <a:rPr lang="en-US" sz="1800" b="0" i="0" dirty="0">
-                <a:solidFill>
-                  <a:srgbClr val="273239"/>
-                </a:solidFill>
-                <a:effectLst/>
-                <a:latin typeface="Calibri"/>
-                <a:cs typeface="Calibri"/>
-              </a:rPr>
-              <a:t>WHERE NOT EXISTS</a:t>
-            </a:r>
-          </a:p>
-          <a:p>
-            <a:pPr marL="0" indent="0" fontAlgn="base">
-              <a:buNone/>
-            </a:pPr>
-            <a:r>
-              <a:rPr lang="en-US" sz="1800" dirty="0">
-                <a:solidFill>
-                  <a:srgbClr val="273239"/>
-                </a:solidFill>
-                <a:latin typeface="Calibri"/>
-                <a:cs typeface="Calibri"/>
-              </a:rPr>
-              <a:t>   </a:t>
-            </a:r>
-            <a:r>
-              <a:rPr lang="en-US" sz="1800" b="0" i="0" dirty="0">
-                <a:solidFill>
-                  <a:srgbClr val="273239"/>
-                </a:solidFill>
-                <a:effectLst/>
-                <a:latin typeface="Calibri"/>
-                <a:cs typeface="Calibri"/>
-              </a:rPr>
-              <a:t> (SELECT 1</a:t>
-            </a:r>
-          </a:p>
-          <a:p>
-            <a:pPr marL="0" indent="0" fontAlgn="base">
-              <a:buNone/>
-            </a:pPr>
-            <a:r>
-              <a:rPr lang="en-US" sz="1800" dirty="0">
-                <a:solidFill>
-                  <a:srgbClr val="273239"/>
-                </a:solidFill>
-                <a:latin typeface="Calibri"/>
-                <a:cs typeface="Calibri"/>
-              </a:rPr>
-              <a:t>    </a:t>
-            </a:r>
-            <a:r>
-              <a:rPr lang="en-US" sz="1800" b="0" i="0" dirty="0">
-                <a:solidFill>
-                  <a:srgbClr val="273239"/>
-                </a:solidFill>
-                <a:effectLst/>
-                <a:latin typeface="Calibri"/>
-                <a:cs typeface="Calibri"/>
-              </a:rPr>
-              <a:t> FROM inventory </a:t>
-            </a:r>
-            <a:r>
-              <a:rPr lang="en-US" sz="1800" b="0" i="0" err="1">
-                <a:solidFill>
-                  <a:srgbClr val="273239"/>
-                </a:solidFill>
-                <a:effectLst/>
-                <a:latin typeface="Calibri"/>
-                <a:cs typeface="Calibri"/>
-              </a:rPr>
-              <a:t>i</a:t>
-            </a:r>
-            <a:endParaRPr lang="en-US" sz="1800" b="0" i="0">
-              <a:solidFill>
-                <a:srgbClr val="273239"/>
-              </a:solidFill>
-              <a:effectLst/>
-              <a:latin typeface="Calibri"/>
-              <a:cs typeface="Calibri"/>
-            </a:endParaRPr>
-          </a:p>
-          <a:p>
-            <a:pPr marL="0" indent="0" fontAlgn="base">
-              <a:buNone/>
-            </a:pPr>
-            <a:r>
-              <a:rPr lang="en-US" sz="1800" dirty="0">
-                <a:solidFill>
-                  <a:srgbClr val="273239"/>
-                </a:solidFill>
-                <a:latin typeface="Calibri"/>
-                <a:cs typeface="Calibri"/>
-              </a:rPr>
-              <a:t>    </a:t>
-            </a:r>
-            <a:r>
-              <a:rPr lang="en-US" sz="1800" b="0" i="0" dirty="0">
-                <a:solidFill>
-                  <a:srgbClr val="273239"/>
-                </a:solidFill>
-                <a:effectLst/>
-                <a:latin typeface="Calibri"/>
-                <a:cs typeface="Calibri"/>
-              </a:rPr>
-              <a:t> WHERE </a:t>
-            </a:r>
-            <a:r>
-              <a:rPr lang="en-US" sz="1800" b="0" i="0" err="1">
-                <a:solidFill>
-                  <a:srgbClr val="273239"/>
-                </a:solidFill>
-                <a:effectLst/>
-                <a:latin typeface="Calibri"/>
-                <a:cs typeface="Calibri"/>
-              </a:rPr>
-              <a:t>f.film_id</a:t>
-            </a:r>
-            <a:r>
-              <a:rPr lang="en-US" sz="1800" b="0" i="0" dirty="0">
-                <a:solidFill>
-                  <a:srgbClr val="273239"/>
-                </a:solidFill>
-                <a:effectLst/>
-                <a:latin typeface="Calibri"/>
-                <a:cs typeface="Calibri"/>
-              </a:rPr>
-              <a:t> = </a:t>
-            </a:r>
-            <a:r>
-              <a:rPr lang="en-US" sz="1800" b="0" i="0" err="1">
-                <a:solidFill>
-                  <a:srgbClr val="273239"/>
-                </a:solidFill>
-                <a:effectLst/>
-                <a:latin typeface="Calibri"/>
-                <a:cs typeface="Calibri"/>
-              </a:rPr>
-              <a:t>i.film_id</a:t>
-            </a:r>
-            <a:r>
-              <a:rPr lang="en-US" sz="1800" b="0" i="0" dirty="0">
-                <a:solidFill>
-                  <a:srgbClr val="273239"/>
-                </a:solidFill>
-                <a:effectLst/>
-                <a:latin typeface="Calibri"/>
-                <a:cs typeface="Calibri"/>
-              </a:rPr>
-              <a:t> )</a:t>
-            </a:r>
-          </a:p>
-          <a:p>
-            <a:pPr marL="0" indent="0" algn="l" fontAlgn="base">
-              <a:buNone/>
-            </a:pPr>
-            <a:r>
-              <a:rPr lang="en-US" sz="1800" b="0" i="0" dirty="0">
-                <a:solidFill>
-                  <a:srgbClr val="273239"/>
-                </a:solidFill>
-                <a:effectLst/>
-                <a:latin typeface="Calibri"/>
-                <a:cs typeface="Calibri"/>
-              </a:rPr>
-              <a:t>ORDER BY title;</a:t>
+          </a:p>
+          <a:p>
+            <a:pPr algn="just"/>
+            <a:r>
+              <a:rPr lang="en-US" sz="1900" dirty="0">
+                <a:solidFill>
+                  <a:srgbClr val="273239"/>
+                </a:solidFill>
+                <a:latin typeface="Calibri"/>
+                <a:cs typeface="Calibri"/>
+              </a:rPr>
+              <a:t>In this example we will use the COUNT(*) function to get the number of transactions in the payment table using the command below:</a:t>
+            </a:r>
+          </a:p>
+          <a:p>
+            <a:pPr algn="just"/>
+            <a:r>
+              <a:rPr lang="en-US" sz="1900" dirty="0">
+                <a:solidFill>
+                  <a:srgbClr val="273239"/>
+                </a:solidFill>
+                <a:latin typeface="Calibri"/>
+                <a:cs typeface="Calibri"/>
+              </a:rPr>
+              <a:t>SELECT     COUNT(*) FROM   payment;</a:t>
             </a:r>
           </a:p>
         </p:txBody>
@@ -6666,7 +5237,7 @@
     </p:spTree>
     <p:extLst>
       <p:ext uri="{BB962C8B-B14F-4D97-AF65-F5344CB8AC3E}">
-        <p14:creationId xmlns:p14="http://schemas.microsoft.com/office/powerpoint/2010/main" val="2179145596"/>
+        <p14:creationId xmlns:p14="http://schemas.microsoft.com/office/powerpoint/2010/main" val="2036983597"/>
       </p:ext>
     </p:extLst>
   </p:cSld>
@@ -6676,7 +5247,7 @@
 </p:sld>
 </file>
 
-<file path=ppt/slides/slide2.xml><?xml version="1.0" encoding="utf-8"?>
+<file path=ppt/slides/slide13.xml><?xml version="1.0" encoding="utf-8"?>
 <p:sld xmlns:a="http://schemas.openxmlformats.org/drawingml/2006/main" xmlns:r="http://schemas.openxmlformats.org/officeDocument/2006/relationships" xmlns:p="http://schemas.openxmlformats.org/presentationml/2006/main">
   <p:cSld>
     <p:spTree>
@@ -6898,7 +5469,311 @@
 </p:sld>
 </file>
 
-<file path=ppt/slides/slide3.xml><?xml version="1.0" encoding="utf-8"?>
+<file path=ppt/slides/slide14.xml><?xml version="1.0" encoding="utf-8"?>
+<p:sld xmlns:a="http://schemas.openxmlformats.org/drawingml/2006/main" xmlns:r="http://schemas.openxmlformats.org/officeDocument/2006/relationships" xmlns:p="http://schemas.openxmlformats.org/presentationml/2006/main">
+  <p:cSld>
+    <p:spTree>
+      <p:nvGrpSpPr>
+        <p:cNvPr id="1" name=""/>
+        <p:cNvGrpSpPr/>
+        <p:nvPr/>
+      </p:nvGrpSpPr>
+      <p:grpSpPr>
+        <a:xfrm>
+          <a:off x="0" y="0"/>
+          <a:ext cx="0" cy="0"/>
+          <a:chOff x="0" y="0"/>
+          <a:chExt cx="0" cy="0"/>
+        </a:xfrm>
+      </p:grpSpPr>
+      <p:sp>
+        <p:nvSpPr>
+          <p:cNvPr id="2" name="Title 1">
+            <a:extLst>
+              <a:ext uri="{FF2B5EF4-FFF2-40B4-BE49-F238E27FC236}">
+                <a16:creationId xmlns:a16="http://schemas.microsoft.com/office/drawing/2014/main" id="{9E71666C-68B5-655F-62E0-0D969FF01FED}"/>
+              </a:ext>
+            </a:extLst>
+          </p:cNvPr>
+          <p:cNvSpPr>
+            <a:spLocks noGrp="1"/>
+          </p:cNvSpPr>
+          <p:nvPr>
+            <p:ph type="title"/>
+          </p:nvPr>
+        </p:nvSpPr>
+        <p:spPr/>
+        <p:txBody>
+          <a:bodyPr/>
+          <a:lstStyle/>
+          <a:p>
+            <a:pPr algn="just" fontAlgn="base"/>
+            <a:r>
+              <a:rPr lang="en-IN" b="1" i="0" dirty="0">
+                <a:solidFill>
+                  <a:srgbClr val="273239"/>
+                </a:solidFill>
+                <a:effectLst/>
+                <a:latin typeface="Calibri Light"/>
+                <a:cs typeface="Calibri Light"/>
+              </a:rPr>
+              <a:t>DML(Data Manipulation Language)</a:t>
+            </a:r>
+          </a:p>
+        </p:txBody>
+      </p:sp>
+      <p:sp>
+        <p:nvSpPr>
+          <p:cNvPr id="3" name="Content Placeholder 2">
+            <a:extLst>
+              <a:ext uri="{FF2B5EF4-FFF2-40B4-BE49-F238E27FC236}">
+                <a16:creationId xmlns:a16="http://schemas.microsoft.com/office/drawing/2014/main" id="{206E6D5E-4DC2-D567-15D6-CA5D30F24839}"/>
+              </a:ext>
+            </a:extLst>
+          </p:cNvPr>
+          <p:cNvSpPr>
+            <a:spLocks noGrp="1"/>
+          </p:cNvSpPr>
+          <p:nvPr>
+            <p:ph idx="1"/>
+          </p:nvPr>
+        </p:nvSpPr>
+        <p:spPr/>
+        <p:txBody>
+          <a:bodyPr vert="horz" lIns="91440" tIns="45720" rIns="91440" bIns="45720" rtlCol="0" anchor="t">
+            <a:normAutofit fontScale="92500" lnSpcReduction="20000"/>
+          </a:bodyPr>
+          <a:lstStyle/>
+          <a:p>
+            <a:pPr algn="just" fontAlgn="base"/>
+            <a:r>
+              <a:rPr lang="en-US" b="0" i="0" dirty="0">
+                <a:solidFill>
+                  <a:srgbClr val="273239"/>
+                </a:solidFill>
+                <a:effectLst/>
+                <a:latin typeface="Calibri"/>
+                <a:cs typeface="Calibri"/>
+              </a:rPr>
+              <a:t>The SQL commands that deal with the manipulation of data present in the database belong to DML or Data Manipulation Language and this includes most of the SQL statements. It is the component of the SQL statement that controls access to data and to the database. Basically, DCL statements are grouped with DML statements.</a:t>
+            </a:r>
+          </a:p>
+          <a:p>
+            <a:pPr algn="l" fontAlgn="base"/>
+            <a:r>
+              <a:rPr lang="en-US" b="0" i="0" dirty="0">
+                <a:solidFill>
+                  <a:srgbClr val="273239"/>
+                </a:solidFill>
+                <a:effectLst/>
+                <a:latin typeface="Calibri"/>
+                <a:cs typeface="Calibri"/>
+              </a:rPr>
+              <a:t>List of DML commands: </a:t>
+            </a:r>
+          </a:p>
+          <a:p>
+            <a:pPr algn="just" fontAlgn="base">
+              <a:buFont typeface="Arial" panose="020B0604020202020204" pitchFamily="34" charset="0"/>
+              <a:buChar char="•"/>
+            </a:pPr>
+            <a:r>
+              <a:rPr lang="en-US" b="1" i="0" u="sng" dirty="0">
+                <a:solidFill>
+                  <a:srgbClr val="273239"/>
+                </a:solidFill>
+                <a:effectLst/>
+                <a:latin typeface="Calibri"/>
+                <a:cs typeface="Calibri"/>
+                <a:hlinkClick r:id="rId2"/>
+              </a:rPr>
+              <a:t>INSERT</a:t>
+            </a:r>
+            <a:r>
+              <a:rPr lang="en-US" b="0" i="0" dirty="0">
+                <a:solidFill>
+                  <a:srgbClr val="273239"/>
+                </a:solidFill>
+                <a:effectLst/>
+                <a:latin typeface="Calibri"/>
+                <a:cs typeface="Calibri"/>
+              </a:rPr>
+              <a:t>: It is used to insert data into a table.</a:t>
+            </a:r>
+          </a:p>
+          <a:p>
+            <a:pPr algn="just" fontAlgn="base">
+              <a:buFont typeface="Arial" panose="020B0604020202020204" pitchFamily="34" charset="0"/>
+              <a:buChar char="•"/>
+            </a:pPr>
+            <a:r>
+              <a:rPr lang="en-US" b="1" i="0" u="sng" dirty="0">
+                <a:solidFill>
+                  <a:srgbClr val="273239"/>
+                </a:solidFill>
+                <a:effectLst/>
+                <a:latin typeface="Calibri"/>
+                <a:cs typeface="Calibri"/>
+                <a:hlinkClick r:id="rId3"/>
+              </a:rPr>
+              <a:t>UPDATE</a:t>
+            </a:r>
+            <a:r>
+              <a:rPr lang="en-US" b="1" i="0" dirty="0">
+                <a:solidFill>
+                  <a:srgbClr val="273239"/>
+                </a:solidFill>
+                <a:effectLst/>
+                <a:latin typeface="Calibri"/>
+                <a:cs typeface="Calibri"/>
+              </a:rPr>
+              <a:t>:</a:t>
+            </a:r>
+            <a:r>
+              <a:rPr lang="en-US" b="0" i="0" dirty="0">
+                <a:solidFill>
+                  <a:srgbClr val="273239"/>
+                </a:solidFill>
+                <a:effectLst/>
+                <a:latin typeface="Calibri"/>
+                <a:cs typeface="Calibri"/>
+              </a:rPr>
+              <a:t> It is used to update existing data within a table.</a:t>
+            </a:r>
+          </a:p>
+          <a:p>
+            <a:pPr algn="just" fontAlgn="base">
+              <a:buFont typeface="Arial" panose="020B0604020202020204" pitchFamily="34" charset="0"/>
+              <a:buChar char="•"/>
+            </a:pPr>
+            <a:r>
+              <a:rPr lang="en-US" b="1" i="0" u="sng" dirty="0">
+                <a:solidFill>
+                  <a:srgbClr val="273239"/>
+                </a:solidFill>
+                <a:effectLst/>
+                <a:latin typeface="Calibri"/>
+                <a:cs typeface="Calibri"/>
+                <a:hlinkClick r:id="rId4"/>
+              </a:rPr>
+              <a:t>DELETE</a:t>
+            </a:r>
+            <a:r>
+              <a:rPr lang="en-US" b="0" i="0" dirty="0">
+                <a:solidFill>
+                  <a:srgbClr val="273239"/>
+                </a:solidFill>
+                <a:effectLst/>
+                <a:latin typeface="Calibri"/>
+                <a:cs typeface="Calibri"/>
+              </a:rPr>
+              <a:t>: It is used to delete records from a database table.</a:t>
+            </a:r>
+          </a:p>
+          <a:p>
+            <a:pPr algn="just" fontAlgn="base">
+              <a:buFont typeface="Arial" panose="020B0604020202020204" pitchFamily="34" charset="0"/>
+              <a:buChar char="•"/>
+            </a:pPr>
+            <a:r>
+              <a:rPr lang="en-US" b="1" i="0" u="sng" dirty="0">
+                <a:solidFill>
+                  <a:srgbClr val="273239"/>
+                </a:solidFill>
+                <a:effectLst/>
+                <a:latin typeface="Calibri"/>
+                <a:cs typeface="Calibri"/>
+                <a:hlinkClick r:id="rId5"/>
+              </a:rPr>
+              <a:t>LOCK:</a:t>
+            </a:r>
+            <a:r>
+              <a:rPr lang="en-US" b="0" i="0" dirty="0">
+                <a:solidFill>
+                  <a:srgbClr val="273239"/>
+                </a:solidFill>
+                <a:effectLst/>
+                <a:latin typeface="Calibri"/>
+                <a:cs typeface="Calibri"/>
+              </a:rPr>
+              <a:t> Table control concurrency.</a:t>
+            </a:r>
+          </a:p>
+          <a:p>
+            <a:pPr algn="just" fontAlgn="base">
+              <a:buFont typeface="Arial" panose="020B0604020202020204" pitchFamily="34" charset="0"/>
+              <a:buChar char="•"/>
+            </a:pPr>
+            <a:r>
+              <a:rPr lang="en-US" b="1" i="0" dirty="0">
+                <a:solidFill>
+                  <a:srgbClr val="273239"/>
+                </a:solidFill>
+                <a:effectLst/>
+                <a:latin typeface="Calibri"/>
+                <a:cs typeface="Calibri"/>
+              </a:rPr>
+              <a:t>CALL: </a:t>
+            </a:r>
+            <a:r>
+              <a:rPr lang="en-US" b="0" i="0" dirty="0">
+                <a:solidFill>
+                  <a:srgbClr val="273239"/>
+                </a:solidFill>
+                <a:effectLst/>
+                <a:latin typeface="Calibri"/>
+                <a:cs typeface="Calibri"/>
+              </a:rPr>
+              <a:t>Call a PL/SQL or JAVA subprogram.</a:t>
+            </a:r>
+          </a:p>
+          <a:p>
+            <a:pPr algn="just" fontAlgn="base">
+              <a:buFont typeface="Arial" panose="020B0604020202020204" pitchFamily="34" charset="0"/>
+              <a:buChar char="•"/>
+            </a:pPr>
+            <a:r>
+              <a:rPr lang="en-US" b="1" i="0" dirty="0">
+                <a:solidFill>
+                  <a:srgbClr val="273239"/>
+                </a:solidFill>
+                <a:effectLst/>
+                <a:latin typeface="Calibri"/>
+                <a:cs typeface="Calibri"/>
+              </a:rPr>
+              <a:t>EXPLAIN PLAN:</a:t>
+            </a:r>
+            <a:r>
+              <a:rPr lang="en-US" b="0" i="0" dirty="0">
+                <a:solidFill>
+                  <a:srgbClr val="273239"/>
+                </a:solidFill>
+                <a:effectLst/>
+                <a:latin typeface="Calibri"/>
+                <a:cs typeface="Calibri"/>
+              </a:rPr>
+              <a:t> It describes the access path to data.</a:t>
+            </a:r>
+          </a:p>
+          <a:p>
+            <a:endParaRPr lang="en-US" i="1" dirty="0"/>
+          </a:p>
+        </p:txBody>
+      </p:sp>
+    </p:spTree>
+    <p:extLst>
+      <p:ext uri="{BB962C8B-B14F-4D97-AF65-F5344CB8AC3E}">
+        <p14:creationId xmlns:p14="http://schemas.microsoft.com/office/powerpoint/2010/main" val="2766075364"/>
+      </p:ext>
+    </p:extLst>
+  </p:cSld>
+  <p:clrMapOvr>
+    <a:masterClrMapping/>
+  </p:clrMapOvr>
+</p:sld>
+</file>
+
+<file path=ppt/slides/slide15.xml><?xml version="1.0" encoding="utf-8"?>
 <p:sld xmlns:a="http://schemas.openxmlformats.org/drawingml/2006/main" xmlns:r="http://schemas.openxmlformats.org/officeDocument/2006/relationships" xmlns:p="http://schemas.openxmlformats.org/presentationml/2006/main">
   <p:cSld>
     <p:spTree>
@@ -6957,7 +5832,7 @@
 </p:sld>
 </file>
 
-<file path=ppt/slides/slide4.xml><?xml version="1.0" encoding="utf-8"?>
+<file path=ppt/slides/slide2.xml><?xml version="1.0" encoding="utf-8"?>
 <p:sld xmlns:a="http://schemas.openxmlformats.org/drawingml/2006/main" xmlns:r="http://schemas.openxmlformats.org/officeDocument/2006/relationships" xmlns:p="http://schemas.openxmlformats.org/presentationml/2006/main">
   <p:cSld>
     <p:spTree>
@@ -6979,7 +5854,7 @@
           <p:cNvPr id="2" name="Title 1">
             <a:extLst>
               <a:ext uri="{FF2B5EF4-FFF2-40B4-BE49-F238E27FC236}">
-                <a16:creationId xmlns:a16="http://schemas.microsoft.com/office/drawing/2014/main" id="{9E71666C-68B5-655F-62E0-0D969FF01FED}"/>
+                <a16:creationId xmlns:a16="http://schemas.microsoft.com/office/drawing/2014/main" id="{12179E29-80C2-5FB2-BF07-897D4DA075A1}"/>
               </a:ext>
             </a:extLst>
           </p:cNvPr>
@@ -6990,268 +5865,30 @@
             <p:ph type="title"/>
           </p:nvPr>
         </p:nvSpPr>
-        <p:spPr/>
+        <p:spPr>
+          <a:xfrm>
+            <a:off x="779585" y="2524125"/>
+            <a:ext cx="10515600" cy="1325563"/>
+          </a:xfrm>
+        </p:spPr>
         <p:txBody>
           <a:bodyPr/>
           <a:lstStyle/>
           <a:p>
-            <a:pPr algn="just" fontAlgn="base"/>
-            <a:r>
-              <a:rPr lang="en-IN" b="1" i="0" dirty="0">
-                <a:solidFill>
-                  <a:srgbClr val="273239"/>
-                </a:solidFill>
-                <a:effectLst/>
-                <a:latin typeface="Calibri Light"/>
+            <a:r>
+              <a:rPr lang="en-US" b="1" dirty="0">
                 <a:cs typeface="Calibri Light"/>
               </a:rPr>
-              <a:t>DML(Data Manipulation Language)</a:t>
-            </a:r>
-          </a:p>
-        </p:txBody>
-      </p:sp>
-      <p:sp>
-        <p:nvSpPr>
-          <p:cNvPr id="3" name="Content Placeholder 2">
-            <a:extLst>
-              <a:ext uri="{FF2B5EF4-FFF2-40B4-BE49-F238E27FC236}">
-                <a16:creationId xmlns:a16="http://schemas.microsoft.com/office/drawing/2014/main" id="{206E6D5E-4DC2-D567-15D6-CA5D30F24839}"/>
-              </a:ext>
-            </a:extLst>
-          </p:cNvPr>
-          <p:cNvSpPr>
-            <a:spLocks noGrp="1"/>
-          </p:cNvSpPr>
-          <p:nvPr>
-            <p:ph idx="1"/>
-          </p:nvPr>
-        </p:nvSpPr>
-        <p:spPr/>
-        <p:txBody>
-          <a:bodyPr vert="horz" lIns="91440" tIns="45720" rIns="91440" bIns="45720" rtlCol="0" anchor="t">
-            <a:normAutofit fontScale="92500" lnSpcReduction="20000"/>
-          </a:bodyPr>
-          <a:lstStyle/>
-          <a:p>
-            <a:pPr algn="just" fontAlgn="base"/>
-            <a:r>
-              <a:rPr lang="en-US" b="0" i="0" dirty="0">
-                <a:solidFill>
-                  <a:srgbClr val="273239"/>
-                </a:solidFill>
-                <a:effectLst/>
-                <a:latin typeface="Calibri"/>
-                <a:cs typeface="Calibri"/>
-              </a:rPr>
-              <a:t>The SQL commands that deal with the manipulation of data present in the database belong to DML or Data Manipulation Language and this includes most of the SQL statements. It is the component of the SQL statement that controls access to data and to the database. Basically, DCL statements are grouped with DML statements.</a:t>
-            </a:r>
-          </a:p>
-          <a:p>
-            <a:pPr algn="l" fontAlgn="base"/>
-            <a:r>
-              <a:rPr lang="en-US" b="0" i="0" dirty="0">
-                <a:solidFill>
-                  <a:srgbClr val="273239"/>
-                </a:solidFill>
-                <a:effectLst/>
-                <a:latin typeface="Calibri"/>
-                <a:cs typeface="Calibri"/>
-              </a:rPr>
-              <a:t>List of DML commands: </a:t>
-            </a:r>
-          </a:p>
-          <a:p>
-            <a:pPr algn="just" fontAlgn="base">
-              <a:buFont typeface="Arial" panose="020B0604020202020204" pitchFamily="34" charset="0"/>
-              <a:buChar char="•"/>
-            </a:pPr>
-            <a:r>
-              <a:rPr lang="en-US" b="1" i="0" u="sng" dirty="0">
-                <a:solidFill>
-                  <a:srgbClr val="273239"/>
-                </a:solidFill>
-                <a:effectLst/>
-                <a:latin typeface="Calibri"/>
-                <a:cs typeface="Calibri"/>
-                <a:hlinkClick r:id="rId2"/>
-              </a:rPr>
-              <a:t>INSERT</a:t>
-            </a:r>
-            <a:r>
-              <a:rPr lang="en-US" b="0" i="0" dirty="0">
-                <a:solidFill>
-                  <a:srgbClr val="273239"/>
-                </a:solidFill>
-                <a:effectLst/>
-                <a:latin typeface="Calibri"/>
-                <a:cs typeface="Calibri"/>
-              </a:rPr>
-              <a:t>: It is used to insert data into a table.</a:t>
-            </a:r>
-          </a:p>
-          <a:p>
-            <a:pPr algn="just" fontAlgn="base">
-              <a:buFont typeface="Arial" panose="020B0604020202020204" pitchFamily="34" charset="0"/>
-              <a:buChar char="•"/>
-            </a:pPr>
-            <a:r>
-              <a:rPr lang="en-US" b="1" i="0" u="sng" dirty="0">
-                <a:solidFill>
-                  <a:srgbClr val="273239"/>
-                </a:solidFill>
-                <a:effectLst/>
-                <a:latin typeface="Calibri"/>
-                <a:cs typeface="Calibri"/>
-                <a:hlinkClick r:id="rId3"/>
-              </a:rPr>
-              <a:t>UPDATE</a:t>
-            </a:r>
-            <a:r>
-              <a:rPr lang="en-US" b="1" i="0" dirty="0">
-                <a:solidFill>
-                  <a:srgbClr val="273239"/>
-                </a:solidFill>
-                <a:effectLst/>
-                <a:latin typeface="Calibri"/>
-                <a:cs typeface="Calibri"/>
-              </a:rPr>
-              <a:t>:</a:t>
-            </a:r>
-            <a:r>
-              <a:rPr lang="en-US" b="0" i="0" dirty="0">
-                <a:solidFill>
-                  <a:srgbClr val="273239"/>
-                </a:solidFill>
-                <a:effectLst/>
-                <a:latin typeface="Calibri"/>
-                <a:cs typeface="Calibri"/>
-              </a:rPr>
-              <a:t> It is used to update existing data within a table.</a:t>
-            </a:r>
-          </a:p>
-          <a:p>
-            <a:pPr algn="just" fontAlgn="base">
-              <a:buFont typeface="Arial" panose="020B0604020202020204" pitchFamily="34" charset="0"/>
-              <a:buChar char="•"/>
-            </a:pPr>
-            <a:r>
-              <a:rPr lang="en-US" b="1" i="0" u="sng" dirty="0">
-                <a:solidFill>
-                  <a:srgbClr val="273239"/>
-                </a:solidFill>
-                <a:effectLst/>
-                <a:latin typeface="Calibri"/>
-                <a:cs typeface="Calibri"/>
-                <a:hlinkClick r:id="rId4"/>
-              </a:rPr>
-              <a:t>DELETE</a:t>
-            </a:r>
-            <a:r>
-              <a:rPr lang="en-US" b="0" i="0" dirty="0">
-                <a:solidFill>
-                  <a:srgbClr val="273239"/>
-                </a:solidFill>
-                <a:effectLst/>
-                <a:latin typeface="Calibri"/>
-                <a:cs typeface="Calibri"/>
-              </a:rPr>
-              <a:t>: It is used to delete records from a database table.</a:t>
-            </a:r>
-          </a:p>
-          <a:p>
-            <a:pPr algn="just" fontAlgn="base">
-              <a:buFont typeface="Arial" panose="020B0604020202020204" pitchFamily="34" charset="0"/>
-              <a:buChar char="•"/>
-            </a:pPr>
-            <a:r>
-              <a:rPr lang="en-US" b="1" i="0" u="sng" dirty="0">
-                <a:solidFill>
-                  <a:srgbClr val="273239"/>
-                </a:solidFill>
-                <a:effectLst/>
-                <a:latin typeface="Calibri"/>
-                <a:cs typeface="Calibri"/>
-                <a:hlinkClick r:id="rId5"/>
-              </a:rPr>
-              <a:t>LOCK:</a:t>
-            </a:r>
-            <a:r>
-              <a:rPr lang="en-US" b="0" i="0" dirty="0">
-                <a:solidFill>
-                  <a:srgbClr val="273239"/>
-                </a:solidFill>
-                <a:effectLst/>
-                <a:latin typeface="Calibri"/>
-                <a:cs typeface="Calibri"/>
-              </a:rPr>
-              <a:t> Table control concurrency.</a:t>
-            </a:r>
-          </a:p>
-          <a:p>
-            <a:pPr algn="just" fontAlgn="base">
-              <a:buFont typeface="Arial" panose="020B0604020202020204" pitchFamily="34" charset="0"/>
-              <a:buChar char="•"/>
-            </a:pPr>
-            <a:r>
-              <a:rPr lang="en-US" b="1" i="0" dirty="0">
-                <a:solidFill>
-                  <a:srgbClr val="273239"/>
-                </a:solidFill>
-                <a:effectLst/>
-                <a:latin typeface="Calibri"/>
-                <a:cs typeface="Calibri"/>
-              </a:rPr>
-              <a:t>CALL: </a:t>
-            </a:r>
-            <a:r>
-              <a:rPr lang="en-US" b="0" i="0" dirty="0">
-                <a:solidFill>
-                  <a:srgbClr val="273239"/>
-                </a:solidFill>
-                <a:effectLst/>
-                <a:latin typeface="Calibri"/>
-                <a:cs typeface="Calibri"/>
-              </a:rPr>
-              <a:t>Call a PL/SQL or JAVA subprogram.</a:t>
-            </a:r>
-          </a:p>
-          <a:p>
-            <a:pPr algn="just" fontAlgn="base">
-              <a:buFont typeface="Arial" panose="020B0604020202020204" pitchFamily="34" charset="0"/>
-              <a:buChar char="•"/>
-            </a:pPr>
-            <a:r>
-              <a:rPr lang="en-US" b="1" i="0" dirty="0">
-                <a:solidFill>
-                  <a:srgbClr val="273239"/>
-                </a:solidFill>
-                <a:effectLst/>
-                <a:latin typeface="Calibri"/>
-                <a:cs typeface="Calibri"/>
-              </a:rPr>
-              <a:t>EXPLAIN PLAN:</a:t>
-            </a:r>
-            <a:r>
-              <a:rPr lang="en-US" b="0" i="0" dirty="0">
-                <a:solidFill>
-                  <a:srgbClr val="273239"/>
-                </a:solidFill>
-                <a:effectLst/>
-                <a:latin typeface="Calibri"/>
-                <a:cs typeface="Calibri"/>
-              </a:rPr>
-              <a:t> It describes the access path to data.</a:t>
-            </a:r>
-          </a:p>
-          <a:p>
-            <a:endParaRPr lang="en-US" i="1" dirty="0"/>
+              <a:t>SQL Clauses/Operators /Conditional Statements/Aggregate functions</a:t>
+            </a:r>
+            <a:endParaRPr lang="en-US" b="1" dirty="0"/>
           </a:p>
         </p:txBody>
       </p:sp>
     </p:spTree>
     <p:extLst>
       <p:ext uri="{BB962C8B-B14F-4D97-AF65-F5344CB8AC3E}">
-        <p14:creationId xmlns:p14="http://schemas.microsoft.com/office/powerpoint/2010/main" val="2766075364"/>
+        <p14:creationId xmlns:p14="http://schemas.microsoft.com/office/powerpoint/2010/main" val="1161033942"/>
       </p:ext>
     </p:extLst>
   </p:cSld>
@@ -7261,17 +5898,9 @@
 </p:sld>
 </file>
 
-<file path=ppt/slides/slide5.xml><?xml version="1.0" encoding="utf-8"?>
+<file path=ppt/slides/slide3.xml><?xml version="1.0" encoding="utf-8"?>
 <p:sld xmlns:a="http://schemas.openxmlformats.org/drawingml/2006/main" xmlns:r="http://schemas.openxmlformats.org/officeDocument/2006/relationships" xmlns:p="http://schemas.openxmlformats.org/presentationml/2006/main">
   <p:cSld>
-    <p:bg>
-      <p:bgPr>
-        <a:solidFill>
-          <a:schemeClr val="bg1"/>
-        </a:solidFill>
-        <a:effectLst/>
-      </p:bgPr>
-    </p:bg>
     <p:spTree>
       <p:nvGrpSpPr>
         <p:cNvPr id="1" name=""/>
@@ -7300,8 +5929,8 @@
         </p:nvSpPr>
         <p:spPr>
           <a:xfrm>
-            <a:off x="838200" y="887525"/>
-            <a:ext cx="6758709" cy="584775"/>
+            <a:off x="968829" y="814046"/>
+            <a:ext cx="9656989" cy="584775"/>
           </a:xfrm>
           <a:prstGeom prst="rect">
             <a:avLst/>
@@ -7314,18 +5943,66 @@
           </a:bodyPr>
           <a:lstStyle/>
           <a:p>
-            <a:pPr algn="l" fontAlgn="base"/>
+            <a:pPr fontAlgn="base"/>
+            <a:r>
+              <a:rPr lang="en-IN" sz="3200" i="0" u="sng" dirty="0">
+                <a:effectLst/>
+                <a:latin typeface="Nunito"/>
+                <a:hlinkClick r:id="rId2">
+                  <a:extLst>
+                    <a:ext uri="{A12FA001-AC4F-418D-AE19-62706E023703}">
+                      <ahyp:hlinkClr xmlns:ahyp="http://schemas.microsoft.com/office/drawing/2018/hyperlinkcolor" val="tx"/>
+                    </a:ext>
+                  </a:extLst>
+                </a:hlinkClick>
+              </a:rPr>
+              <a:t>SQL Operators</a:t>
+            </a:r>
             <a:r>
               <a:rPr lang="en-IN" sz="3200" b="1" i="0" dirty="0">
                 <a:solidFill>
                   <a:srgbClr val="273239"/>
                 </a:solidFill>
                 <a:effectLst/>
-                <a:latin typeface="Calibri Light"/>
-                <a:cs typeface="Calibri Light"/>
-              </a:rPr>
-              <a:t>SQL | DELETE Statement</a:t>
-            </a:r>
+                <a:latin typeface="Source Sans 3"/>
+              </a:rPr>
+              <a:t> |</a:t>
+            </a:r>
+            <a:r>
+              <a:rPr lang="en-IN" sz="3200" b="1" dirty="0">
+                <a:solidFill>
+                  <a:srgbClr val="273239"/>
+                </a:solidFill>
+                <a:latin typeface="Source Sans 3"/>
+              </a:rPr>
+              <a:t> </a:t>
+            </a:r>
+            <a:r>
+              <a:rPr lang="en-IN" sz="3200" b="1" i="0" dirty="0">
+                <a:solidFill>
+                  <a:srgbClr val="273239"/>
+                </a:solidFill>
+                <a:effectLst/>
+                <a:latin typeface="Source Sans 3"/>
+              </a:rPr>
+              <a:t> IN </a:t>
+            </a:r>
+            <a:r>
+              <a:rPr lang="en-IN" sz="3200" b="1" dirty="0">
+                <a:solidFill>
+                  <a:srgbClr val="273239"/>
+                </a:solidFill>
+                <a:latin typeface="Source Sans 3"/>
+              </a:rPr>
+              <a:t>Operator</a:t>
+            </a:r>
+            <a:endParaRPr lang="en-IN" sz="3200" b="1" i="0" dirty="0">
+              <a:solidFill>
+                <a:srgbClr val="273239"/>
+              </a:solidFill>
+              <a:effectLst/>
+              <a:latin typeface="Source Sans 3"/>
+            </a:endParaRPr>
           </a:p>
         </p:txBody>
       </p:sp>
@@ -7348,40 +6025,33 @@
         <p:spPr/>
         <p:txBody>
           <a:bodyPr vert="horz" lIns="91440" tIns="45720" rIns="91440" bIns="45720" rtlCol="0" anchor="t">
-            <a:normAutofit/>
+            <a:noAutofit/>
           </a:bodyPr>
           <a:lstStyle/>
           <a:p>
-            <a:r>
-              <a:rPr lang="en-US" sz="2000" b="0" i="0" dirty="0">
-                <a:solidFill>
-                  <a:srgbClr val="273239"/>
-                </a:solidFill>
-                <a:effectLst/>
-                <a:latin typeface="Calibri"/>
-                <a:cs typeface="Calibri"/>
-              </a:rPr>
-              <a:t>Existing records in a table can be deleted using the SQL DELETE Statement. We can delete a single record or multiple records depending on the condition we specify in the WHERE clause.</a:t>
-            </a:r>
-          </a:p>
-          <a:p>
-            <a:r>
-              <a:rPr lang="en-IN" sz="2000" b="1" i="0" dirty="0">
-                <a:solidFill>
-                  <a:srgbClr val="273239"/>
-                </a:solidFill>
-                <a:effectLst/>
-                <a:latin typeface="Calibri"/>
-                <a:cs typeface="Calibri"/>
-              </a:rPr>
-              <a:t>Deleting Single Record</a:t>
-            </a:r>
-          </a:p>
-          <a:p>
-            <a:pPr marL="0" indent="0">
+            <a:pPr marL="0" indent="0" algn="just" fontAlgn="base">
               <a:buNone/>
             </a:pPr>
             <a:r>
+              <a:rPr lang="en-US" sz="2000" dirty="0">
+                <a:solidFill>
+                  <a:srgbClr val="273239"/>
+                </a:solidFill>
+                <a:latin typeface="Calibri"/>
+                <a:cs typeface="Calibri"/>
+              </a:rPr>
+              <a:t>IN operator allows you to easily test if the expression matches any value in the list of values. It is used to remove the need for multiple OR conditions in SELECT, INSERT, UPDATE, or DELETE. You can also use NOT IN to exclude the rows in your list. We should note that any kind of duplicate entry will be retained.</a:t>
+            </a:r>
+            <a:endParaRPr lang="en-US" sz="2000">
+              <a:latin typeface="Calibri"/>
+              <a:cs typeface="Calibri"/>
+            </a:endParaRPr>
+          </a:p>
+          <a:p>
+            <a:pPr marL="0" indent="0" algn="just">
+              <a:buNone/>
+            </a:pPr>
+            <a:r>
               <a:rPr lang="en-IN" sz="2000" b="1" dirty="0">
                 <a:solidFill>
                   <a:srgbClr val="273239"/>
@@ -7389,62 +6059,196 @@
                 <a:latin typeface="Calibri"/>
                 <a:cs typeface="Calibri"/>
               </a:rPr>
-              <a:t>    </a:t>
-            </a:r>
-            <a:r>
-              <a:rPr lang="en-IN" sz="2000" b="1" i="0" dirty="0">
-                <a:solidFill>
-                  <a:srgbClr val="273239"/>
-                </a:solidFill>
-                <a:effectLst/>
+              <a:t>Syntax:</a:t>
+            </a:r>
+            <a:r>
+              <a:rPr lang="en-IN" sz="2000" dirty="0">
+                <a:solidFill>
+                  <a:srgbClr val="273239"/>
+                </a:solidFill>
+                <a:latin typeface="Calibri"/>
+                <a:cs typeface="Calibri"/>
+              </a:rPr>
+              <a:t> </a:t>
+            </a:r>
+            <a:endParaRPr lang="en-US" sz="2000">
+              <a:latin typeface="Calibri"/>
+              <a:cs typeface="Calibri"/>
+            </a:endParaRPr>
+          </a:p>
+          <a:p>
+            <a:pPr marL="0" indent="0" algn="just">
+              <a:buNone/>
+            </a:pPr>
+            <a:r>
+              <a:rPr lang="en-US" sz="2000" dirty="0">
+                <a:solidFill>
+                  <a:srgbClr val="273239"/>
+                </a:solidFill>
+                <a:latin typeface="Calibri"/>
+                <a:cs typeface="Calibri"/>
+              </a:rPr>
+              <a:t>SELECT </a:t>
+            </a:r>
+            <a:r>
+              <a:rPr lang="en-US" sz="2000" dirty="0" err="1">
+                <a:solidFill>
+                  <a:srgbClr val="273239"/>
+                </a:solidFill>
+                <a:latin typeface="Calibri"/>
+                <a:cs typeface="Calibri"/>
+              </a:rPr>
+              <a:t>column_name</a:t>
+            </a:r>
+            <a:r>
+              <a:rPr lang="en-US" sz="2000" dirty="0">
+                <a:solidFill>
+                  <a:srgbClr val="273239"/>
+                </a:solidFill>
+                <a:latin typeface="Calibri"/>
+                <a:cs typeface="Calibri"/>
+              </a:rPr>
+              <a:t>(s)FROM </a:t>
+            </a:r>
+            <a:r>
+              <a:rPr lang="en-US" sz="2000" dirty="0" err="1">
+                <a:solidFill>
+                  <a:srgbClr val="273239"/>
+                </a:solidFill>
+                <a:latin typeface="Calibri"/>
+                <a:cs typeface="Calibri"/>
+              </a:rPr>
+              <a:t>table_name</a:t>
+            </a:r>
+            <a:r>
+              <a:rPr lang="en-US" sz="2000" dirty="0">
+                <a:solidFill>
+                  <a:srgbClr val="273239"/>
+                </a:solidFill>
+                <a:latin typeface="Calibri"/>
+                <a:cs typeface="Calibri"/>
+              </a:rPr>
+              <a:t> WHERE </a:t>
+            </a:r>
+            <a:r>
+              <a:rPr lang="en-US" sz="2000" dirty="0" err="1">
+                <a:solidFill>
+                  <a:srgbClr val="273239"/>
+                </a:solidFill>
+                <a:latin typeface="Calibri"/>
+                <a:cs typeface="Calibri"/>
+              </a:rPr>
+              <a:t>column_name</a:t>
+            </a:r>
+            <a:r>
+              <a:rPr lang="en-US" sz="2000" dirty="0">
+                <a:solidFill>
+                  <a:srgbClr val="273239"/>
+                </a:solidFill>
+                <a:latin typeface="Calibri"/>
+                <a:cs typeface="Calibri"/>
+              </a:rPr>
+              <a:t> IN (</a:t>
+            </a:r>
+            <a:r>
+              <a:rPr lang="en-US" sz="2000" dirty="0" err="1">
+                <a:solidFill>
+                  <a:srgbClr val="273239"/>
+                </a:solidFill>
+                <a:latin typeface="Calibri"/>
+                <a:cs typeface="Calibri"/>
+              </a:rPr>
+              <a:t>list_of_values</a:t>
+            </a:r>
+            <a:r>
+              <a:rPr lang="en-US" sz="2000" dirty="0">
+                <a:solidFill>
+                  <a:srgbClr val="273239"/>
+                </a:solidFill>
+                <a:latin typeface="Calibri"/>
+                <a:cs typeface="Calibri"/>
+              </a:rPr>
+              <a:t>);</a:t>
+            </a:r>
+            <a:endParaRPr lang="en-US" sz="2000">
+              <a:latin typeface="Calibri"/>
+              <a:cs typeface="Calibri"/>
+            </a:endParaRPr>
+          </a:p>
+          <a:p>
+            <a:pPr marL="0" indent="0" algn="just">
+              <a:buNone/>
+            </a:pPr>
+            <a:r>
+              <a:rPr lang="en-US" sz="2000" dirty="0">
+                <a:solidFill>
+                  <a:srgbClr val="273239"/>
+                </a:solidFill>
+                <a:latin typeface="Calibri"/>
+                <a:cs typeface="Calibri"/>
+              </a:rPr>
+              <a:t>Find the </a:t>
+            </a:r>
+            <a:r>
+              <a:rPr lang="en-US" sz="2000" err="1">
+                <a:solidFill>
+                  <a:srgbClr val="273239"/>
+                </a:solidFill>
+                <a:latin typeface="Calibri"/>
+                <a:cs typeface="Calibri"/>
+              </a:rPr>
+              <a:t>Fname</a:t>
+            </a:r>
+            <a:r>
+              <a:rPr lang="en-US" sz="2000" dirty="0">
+                <a:solidFill>
+                  <a:srgbClr val="273239"/>
+                </a:solidFill>
+                <a:latin typeface="Calibri"/>
+                <a:cs typeface="Calibri"/>
+              </a:rPr>
+              <a:t>, and </a:t>
+            </a:r>
+            <a:r>
+              <a:rPr lang="en-US" sz="2000" err="1">
+                <a:solidFill>
+                  <a:srgbClr val="273239"/>
+                </a:solidFill>
+                <a:latin typeface="Calibri"/>
+                <a:cs typeface="Calibri"/>
+              </a:rPr>
+              <a:t>Lname</a:t>
+            </a:r>
+            <a:r>
+              <a:rPr lang="en-US" sz="2000" dirty="0">
+                <a:solidFill>
+                  <a:srgbClr val="273239"/>
+                </a:solidFill>
+                <a:latin typeface="Calibri"/>
+                <a:cs typeface="Calibri"/>
+              </a:rPr>
+              <a:t> of the Employees who have a Salary equal to 30000, 40000, or 25000.</a:t>
+            </a:r>
+            <a:endParaRPr lang="en-US" sz="2000">
+              <a:latin typeface="Calibri"/>
+              <a:cs typeface="Calibri"/>
+            </a:endParaRPr>
+          </a:p>
+          <a:p>
+            <a:pPr marL="0" indent="0" algn="just">
+              <a:buNone/>
+            </a:pPr>
+            <a:r>
+              <a:rPr lang="en-IN" sz="2000" b="1" dirty="0">
+                <a:solidFill>
+                  <a:srgbClr val="273239"/>
+                </a:solidFill>
                 <a:latin typeface="Calibri"/>
                 <a:cs typeface="Calibri"/>
               </a:rPr>
               <a:t>Query:</a:t>
             </a:r>
-          </a:p>
-          <a:p>
-            <a:pPr marL="0" indent="0">
-              <a:buNone/>
-            </a:pPr>
-            <a:r>
-              <a:rPr lang="en-US" sz="2000" dirty="0">
-                <a:solidFill>
-                  <a:srgbClr val="273239"/>
-                </a:solidFill>
-                <a:latin typeface="Calibri"/>
-                <a:cs typeface="Calibri"/>
-              </a:rPr>
-              <a:t>    </a:t>
-            </a:r>
-            <a:r>
-              <a:rPr lang="en-US" sz="2000" b="1" i="0" dirty="0">
-                <a:solidFill>
-                  <a:srgbClr val="273239"/>
-                </a:solidFill>
-                <a:effectLst/>
-                <a:latin typeface="Calibri"/>
-                <a:cs typeface="Calibri"/>
-              </a:rPr>
-              <a:t>Delete the rows where NAME = ‘Rithvik</a:t>
-            </a:r>
-            <a:r>
-              <a:rPr lang="en-US" sz="2000" b="0" i="0" dirty="0">
-                <a:solidFill>
-                  <a:srgbClr val="273239"/>
-                </a:solidFill>
-                <a:effectLst/>
-                <a:latin typeface="Calibri"/>
-                <a:cs typeface="Calibri"/>
-              </a:rPr>
-              <a:t>’. This will delete only the fourth row.</a:t>
-            </a:r>
-          </a:p>
-          <a:p>
-            <a:pPr marL="0" indent="0">
-              <a:buNone/>
-            </a:pPr>
-            <a:endParaRPr lang="en-US" sz="2000" b="1" dirty="0">
+            <a:endParaRPr lang="en-US" sz="2000" dirty="0">
               <a:solidFill>
                 <a:srgbClr val="273239"/>
               </a:solidFill>
@@ -7453,22 +6257,88 @@
             </a:endParaRPr>
           </a:p>
           <a:p>
-            <a:r>
-              <a:rPr lang="en-US" sz="2000" b="1" dirty="0">
-                <a:solidFill>
-                  <a:srgbClr val="273239"/>
-                </a:solidFill>
-                <a:latin typeface="Calibri"/>
-                <a:cs typeface="Calibri"/>
-              </a:rPr>
-              <a:t>Delete All of the Records</a:t>
-            </a:r>
-          </a:p>
-          <a:p>
-            <a:pPr marL="0" indent="0">
+            <a:pPr marL="0" indent="0" algn="just">
               <a:buNone/>
             </a:pPr>
             <a:r>
+              <a:rPr lang="en-US" sz="2000" dirty="0">
+                <a:solidFill>
+                  <a:srgbClr val="273239"/>
+                </a:solidFill>
+                <a:latin typeface="Calibri"/>
+                <a:cs typeface="Calibri"/>
+              </a:rPr>
+              <a:t>SELECT Name FROM Emp WHERE Salary IN (30000, 40000, 25000);</a:t>
+            </a:r>
+            <a:endParaRPr lang="en-US" sz="2000">
+              <a:latin typeface="Calibri"/>
+              <a:cs typeface="Calibri"/>
+            </a:endParaRPr>
+          </a:p>
+          <a:p>
+            <a:pPr marL="0" indent="0" algn="just">
+              <a:buNone/>
+            </a:pPr>
+            <a:r>
+              <a:rPr lang="en-US" sz="2000" dirty="0">
+                <a:solidFill>
+                  <a:srgbClr val="273239"/>
+                </a:solidFill>
+                <a:latin typeface="Calibri"/>
+                <a:cs typeface="Calibri"/>
+              </a:rPr>
+              <a:t>Find the </a:t>
+            </a:r>
+            <a:r>
+              <a:rPr lang="en-US" sz="2000" err="1">
+                <a:solidFill>
+                  <a:srgbClr val="273239"/>
+                </a:solidFill>
+                <a:latin typeface="Calibri"/>
+                <a:cs typeface="Calibri"/>
+              </a:rPr>
+              <a:t>Fname</a:t>
+            </a:r>
+            <a:r>
+              <a:rPr lang="en-US" sz="2000" dirty="0">
+                <a:solidFill>
+                  <a:srgbClr val="273239"/>
+                </a:solidFill>
+                <a:latin typeface="Calibri"/>
+                <a:cs typeface="Calibri"/>
+              </a:rPr>
+              <a:t> and </a:t>
+            </a:r>
+            <a:r>
+              <a:rPr lang="en-US" sz="2000" err="1">
+                <a:solidFill>
+                  <a:srgbClr val="273239"/>
+                </a:solidFill>
+                <a:latin typeface="Calibri"/>
+                <a:cs typeface="Calibri"/>
+              </a:rPr>
+              <a:t>Lname</a:t>
+            </a:r>
+            <a:r>
+              <a:rPr lang="en-US" sz="2000" dirty="0">
+                <a:solidFill>
+                  <a:srgbClr val="273239"/>
+                </a:solidFill>
+                <a:latin typeface="Calibri"/>
+                <a:cs typeface="Calibri"/>
+              </a:rPr>
+              <a:t> of all the Employees who has a Salary not equal to 25000 or 30000.</a:t>
+            </a:r>
+            <a:endParaRPr lang="en-US" sz="2000">
+              <a:latin typeface="Calibri"/>
+              <a:cs typeface="Calibri"/>
+            </a:endParaRPr>
+          </a:p>
+          <a:p>
+            <a:pPr marL="0" indent="0" algn="just">
+              <a:buNone/>
+            </a:pPr>
+            <a:r>
               <a:rPr lang="en-IN" sz="2000" b="1" dirty="0">
                 <a:solidFill>
                   <a:srgbClr val="273239"/>
@@ -7476,20 +6346,9 @@
                 <a:latin typeface="Calibri"/>
                 <a:cs typeface="Calibri"/>
               </a:rPr>
-              <a:t>     </a:t>
-            </a:r>
-            <a:r>
-              <a:rPr lang="en-IN" sz="2000" b="1" i="0" dirty="0">
-                <a:solidFill>
-                  <a:srgbClr val="273239"/>
-                </a:solidFill>
-                <a:effectLst/>
-                <a:latin typeface="Calibri"/>
-                <a:cs typeface="Calibri"/>
-              </a:rPr>
               <a:t>Query:</a:t>
             </a:r>
-            <a:endParaRPr lang="en-US" sz="2000" b="1" dirty="0">
+            <a:endParaRPr lang="en-US" sz="2000" dirty="0">
               <a:solidFill>
                 <a:srgbClr val="273239"/>
               </a:solidFill>
@@ -7498,81 +6357,20 @@
             </a:endParaRPr>
           </a:p>
           <a:p>
-            <a:pPr marL="0" indent="0">
+            <a:pPr marL="0" indent="0" algn="just">
               <a:buNone/>
             </a:pPr>
             <a:r>
-              <a:rPr lang="en-US" sz="2000" dirty="0"/>
-              <a:t>    </a:t>
-            </a:r>
-            <a:r>
-              <a:rPr lang="en-US" sz="2000" b="1" dirty="0"/>
-              <a:t> DELETE FROM </a:t>
-            </a:r>
-            <a:r>
-              <a:rPr lang="en-US" sz="2000" b="1" err="1"/>
-              <a:t>GFG_EMPLOyees</a:t>
-            </a:r>
-            <a:r>
-              <a:rPr lang="en-US" sz="2000" b="1" dirty="0"/>
-              <a:t>;    Or   DELETE * FROM </a:t>
-            </a:r>
-            <a:r>
-              <a:rPr lang="en-US" sz="2000" b="1" err="1"/>
-              <a:t>GFG_EMPLOyees</a:t>
-            </a:r>
-            <a:r>
-              <a:rPr lang="en-US" sz="2000" b="1" dirty="0"/>
-              <a:t>;</a:t>
-            </a:r>
-            <a:endParaRPr lang="en-US" sz="2000" b="1">
-              <a:cs typeface="Calibri"/>
-            </a:endParaRPr>
-          </a:p>
-          <a:p>
-            <a:r>
-              <a:rPr lang="en-US" sz="2000" b="1" i="0" dirty="0">
-                <a:solidFill>
-                  <a:srgbClr val="273239"/>
-                </a:solidFill>
-                <a:effectLst/>
-                <a:latin typeface="Calibri"/>
-                <a:cs typeface="Calibri"/>
-              </a:rPr>
-              <a:t>Important Note: </a:t>
-            </a:r>
-            <a:r>
-              <a:rPr lang="en-US" sz="2000" b="0" i="0" dirty="0">
-                <a:solidFill>
-                  <a:srgbClr val="273239"/>
-                </a:solidFill>
-                <a:effectLst/>
-                <a:latin typeface="Calibri"/>
-                <a:cs typeface="Calibri"/>
-              </a:rPr>
-              <a:t>DELETE is a </a:t>
-            </a:r>
-            <a:r>
-              <a:rPr lang="en-US" sz="2000" b="0" i="0" u="sng" dirty="0">
-                <a:effectLst/>
-                <a:latin typeface="Calibri"/>
-                <a:cs typeface="Calibri"/>
-                <a:hlinkClick r:id="rId2"/>
-              </a:rPr>
-              <a:t>DML</a:t>
-            </a:r>
-            <a:r>
-              <a:rPr lang="en-US" sz="2000" b="0" i="0" dirty="0">
-                <a:solidFill>
-                  <a:srgbClr val="273239"/>
-                </a:solidFill>
-                <a:effectLst/>
-                <a:latin typeface="Calibri"/>
-                <a:cs typeface="Calibri"/>
-              </a:rPr>
-              <a:t> (Data Manipulation Language) command hence operation performed by DELETE can be rolled back or undone.</a:t>
-            </a:r>
-            <a:endParaRPr lang="en-IN" sz="2000">
+              <a:rPr lang="en-US" sz="2000" dirty="0">
+                <a:solidFill>
+                  <a:srgbClr val="273239"/>
+                </a:solidFill>
+                <a:latin typeface="Calibri"/>
+                <a:cs typeface="Calibri"/>
+              </a:rPr>
+              <a:t>SELECT Name FROM Emp WHERE Salary NOT IN (25000, 30000);</a:t>
+            </a:r>
+            <a:endParaRPr lang="en-US" sz="2000">
               <a:latin typeface="Calibri"/>
               <a:cs typeface="Calibri"/>
             </a:endParaRPr>
@@ -7582,7 +6380,989 @@
     </p:spTree>
     <p:extLst>
       <p:ext uri="{BB962C8B-B14F-4D97-AF65-F5344CB8AC3E}">
-        <p14:creationId xmlns:p14="http://schemas.microsoft.com/office/powerpoint/2010/main" val="2983470036"/>
+        <p14:creationId xmlns:p14="http://schemas.microsoft.com/office/powerpoint/2010/main" val="2553123298"/>
+      </p:ext>
+    </p:extLst>
+  </p:cSld>
+  <p:clrMapOvr>
+    <a:masterClrMapping/>
+  </p:clrMapOvr>
+</p:sld>
+</file>
+
+<file path=ppt/slides/slide4.xml><?xml version="1.0" encoding="utf-8"?>
+<p:sld xmlns:a="http://schemas.openxmlformats.org/drawingml/2006/main" xmlns:r="http://schemas.openxmlformats.org/officeDocument/2006/relationships" xmlns:p="http://schemas.openxmlformats.org/presentationml/2006/main">
+  <p:cSld>
+    <p:spTree>
+      <p:nvGrpSpPr>
+        <p:cNvPr id="1" name=""/>
+        <p:cNvGrpSpPr/>
+        <p:nvPr/>
+      </p:nvGrpSpPr>
+      <p:grpSpPr>
+        <a:xfrm>
+          <a:off x="0" y="0"/>
+          <a:ext cx="0" cy="0"/>
+          <a:chOff x="0" y="0"/>
+          <a:chExt cx="0" cy="0"/>
+        </a:xfrm>
+      </p:grpSpPr>
+      <p:sp>
+        <p:nvSpPr>
+          <p:cNvPr id="6" name="TextBox 5">
+            <a:extLst>
+              <a:ext uri="{FF2B5EF4-FFF2-40B4-BE49-F238E27FC236}">
+                <a16:creationId xmlns:a16="http://schemas.microsoft.com/office/drawing/2014/main" id="{36670B7B-78F1-209D-D478-00089C23D1A7}"/>
+              </a:ext>
+            </a:extLst>
+          </p:cNvPr>
+          <p:cNvSpPr txBox="1"/>
+          <p:nvPr/>
+        </p:nvSpPr>
+        <p:spPr>
+          <a:xfrm>
+            <a:off x="968829" y="814046"/>
+            <a:ext cx="9656989" cy="584775"/>
+          </a:xfrm>
+          <a:prstGeom prst="rect">
+            <a:avLst/>
+          </a:prstGeom>
+          <a:noFill/>
+        </p:spPr>
+        <p:txBody>
+          <a:bodyPr wrap="square" lIns="91440" tIns="45720" rIns="91440" bIns="45720" rtlCol="0" anchor="t">
+            <a:spAutoFit/>
+          </a:bodyPr>
+          <a:lstStyle/>
+          <a:p>
+            <a:pPr algn="l" fontAlgn="base"/>
+            <a:r>
+              <a:rPr lang="en-IN" sz="3200" b="0" i="0" u="sng" dirty="0">
+                <a:effectLst/>
+                <a:latin typeface="Nunito"/>
+                <a:hlinkClick r:id="rId2"/>
+              </a:rPr>
+              <a:t>SQL Operators</a:t>
+            </a:r>
+            <a:r>
+              <a:rPr lang="en-IN" sz="3200" b="1" i="0" dirty="0">
+                <a:solidFill>
+                  <a:srgbClr val="273239"/>
+                </a:solidFill>
+                <a:effectLst/>
+                <a:latin typeface="Source Sans 3"/>
+              </a:rPr>
+              <a:t> | BETWEEN Operator</a:t>
+            </a:r>
+          </a:p>
+        </p:txBody>
+      </p:sp>
+      <p:sp>
+        <p:nvSpPr>
+          <p:cNvPr id="3" name="Content Placeholder 2">
+            <a:extLst>
+              <a:ext uri="{FF2B5EF4-FFF2-40B4-BE49-F238E27FC236}">
+                <a16:creationId xmlns:a16="http://schemas.microsoft.com/office/drawing/2014/main" id="{701352DD-24C5-44A6-94F8-5587E5F114BE}"/>
+              </a:ext>
+            </a:extLst>
+          </p:cNvPr>
+          <p:cNvSpPr>
+            <a:spLocks noGrp="1"/>
+          </p:cNvSpPr>
+          <p:nvPr>
+            <p:ph idx="1"/>
+          </p:nvPr>
+        </p:nvSpPr>
+        <p:spPr/>
+        <p:txBody>
+          <a:bodyPr vert="horz" lIns="91440" tIns="45720" rIns="91440" bIns="45720" rtlCol="0" anchor="t">
+            <a:normAutofit lnSpcReduction="10000"/>
+          </a:bodyPr>
+          <a:lstStyle/>
+          <a:p>
+            <a:pPr marL="0" indent="0" algn="just" fontAlgn="base">
+              <a:buNone/>
+            </a:pPr>
+            <a:r>
+              <a:rPr lang="en-US" sz="1800" b="0" i="0" dirty="0">
+                <a:solidFill>
+                  <a:srgbClr val="273239"/>
+                </a:solidFill>
+                <a:effectLst/>
+                <a:latin typeface="Calibri"/>
+                <a:cs typeface="Calibri"/>
+              </a:rPr>
+              <a:t>Operators are the foundation of any programming language. We can define operators as symbols that help us to perform specific mathematical and logical computations on operands. In other words, we can say that an operator operates the operands.</a:t>
+            </a:r>
+          </a:p>
+          <a:p>
+            <a:pPr marL="0" indent="0" algn="just" fontAlgn="base">
+              <a:buNone/>
+            </a:pPr>
+            <a:endParaRPr lang="en-US" sz="800" dirty="0">
+              <a:solidFill>
+                <a:srgbClr val="273239"/>
+              </a:solidFill>
+              <a:latin typeface="Calibri"/>
+              <a:cs typeface="Calibri"/>
+            </a:endParaRPr>
+          </a:p>
+          <a:p>
+            <a:pPr marL="0" indent="0" algn="just" fontAlgn="base">
+              <a:buNone/>
+            </a:pPr>
+            <a:r>
+              <a:rPr lang="en-IN" sz="900" b="1" i="0" dirty="0">
+                <a:solidFill>
+                  <a:srgbClr val="273239"/>
+                </a:solidFill>
+                <a:effectLst/>
+                <a:latin typeface="Calibri"/>
+                <a:cs typeface="Calibri"/>
+              </a:rPr>
+              <a:t>Between Operator</a:t>
+            </a:r>
+          </a:p>
+          <a:p>
+            <a:pPr marL="0" indent="0" algn="just" fontAlgn="base">
+              <a:buNone/>
+            </a:pPr>
+            <a:r>
+              <a:rPr lang="en-US" sz="1800" b="0" i="0" dirty="0">
+                <a:solidFill>
+                  <a:srgbClr val="273239"/>
+                </a:solidFill>
+                <a:effectLst/>
+                <a:latin typeface="Calibri"/>
+                <a:cs typeface="Calibri"/>
+              </a:rPr>
+              <a:t>The SQL BETWEEN condition allows you to easily test if an expression is within a range of values (inclusive). The values can be text, date, or numbers. It can be used in a </a:t>
+            </a:r>
+            <a:r>
+              <a:rPr lang="en-US" sz="1800" b="0" i="0" u="sng" dirty="0">
+                <a:effectLst/>
+                <a:latin typeface="Calibri"/>
+                <a:cs typeface="Calibri"/>
+                <a:hlinkClick r:id="rId3"/>
+              </a:rPr>
+              <a:t>SELECT</a:t>
+            </a:r>
+            <a:r>
+              <a:rPr lang="en-US" sz="1800" b="0" i="0" dirty="0">
+                <a:solidFill>
+                  <a:srgbClr val="273239"/>
+                </a:solidFill>
+                <a:effectLst/>
+                <a:latin typeface="Calibri"/>
+                <a:cs typeface="Calibri"/>
+              </a:rPr>
+              <a:t>, </a:t>
+            </a:r>
+            <a:r>
+              <a:rPr lang="en-US" sz="1800" b="0" i="0" u="sng" dirty="0">
+                <a:effectLst/>
+                <a:latin typeface="Calibri"/>
+                <a:cs typeface="Calibri"/>
+                <a:hlinkClick r:id="rId4"/>
+              </a:rPr>
+              <a:t>INSERT</a:t>
+            </a:r>
+            <a:r>
+              <a:rPr lang="en-US" sz="1800" b="0" i="0" dirty="0">
+                <a:solidFill>
+                  <a:srgbClr val="273239"/>
+                </a:solidFill>
+                <a:effectLst/>
+                <a:latin typeface="Calibri"/>
+                <a:cs typeface="Calibri"/>
+              </a:rPr>
+              <a:t>, </a:t>
+            </a:r>
+            <a:r>
+              <a:rPr lang="en-US" sz="1800" b="0" i="0" u="sng" dirty="0">
+                <a:effectLst/>
+                <a:latin typeface="Calibri"/>
+                <a:cs typeface="Calibri"/>
+                <a:hlinkClick r:id="rId5"/>
+              </a:rPr>
+              <a:t>UPDATE</a:t>
+            </a:r>
+            <a:r>
+              <a:rPr lang="en-US" sz="1800" b="0" i="0" dirty="0">
+                <a:solidFill>
+                  <a:srgbClr val="273239"/>
+                </a:solidFill>
+                <a:effectLst/>
+                <a:latin typeface="Calibri"/>
+                <a:cs typeface="Calibri"/>
+              </a:rPr>
+              <a:t>, or </a:t>
+            </a:r>
+            <a:r>
+              <a:rPr lang="en-US" sz="1800" b="0" i="0" u="sng" dirty="0">
+                <a:effectLst/>
+                <a:latin typeface="Calibri"/>
+                <a:cs typeface="Calibri"/>
+                <a:hlinkClick r:id="rId6"/>
+              </a:rPr>
+              <a:t>DELETE </a:t>
+            </a:r>
+            <a:r>
+              <a:rPr lang="en-US" sz="1800" b="0" i="0" dirty="0">
+                <a:solidFill>
+                  <a:srgbClr val="273239"/>
+                </a:solidFill>
+                <a:effectLst/>
+                <a:latin typeface="Calibri"/>
+                <a:cs typeface="Calibri"/>
+              </a:rPr>
+              <a:t>statement. The SQL BETWEEN Condition will return the records where the expression is within the range of value1 and value2.</a:t>
+            </a:r>
+          </a:p>
+          <a:p>
+            <a:pPr marL="0" indent="0" algn="just" fontAlgn="base">
+              <a:buNone/>
+            </a:pPr>
+            <a:r>
+              <a:rPr lang="en-IN" sz="1500" b="1" i="0" dirty="0">
+                <a:solidFill>
+                  <a:srgbClr val="273239"/>
+                </a:solidFill>
+                <a:effectLst/>
+                <a:latin typeface="Calibri"/>
+                <a:cs typeface="Calibri"/>
+              </a:rPr>
+              <a:t>Syntax:</a:t>
+            </a:r>
+            <a:endParaRPr lang="en-US" sz="1500">
+              <a:solidFill>
+                <a:srgbClr val="273239"/>
+              </a:solidFill>
+              <a:latin typeface="Calibri"/>
+              <a:cs typeface="Calibri"/>
+            </a:endParaRPr>
+          </a:p>
+          <a:p>
+            <a:pPr marL="0" indent="0" algn="just" fontAlgn="base">
+              <a:buNone/>
+            </a:pPr>
+            <a:r>
+              <a:rPr lang="en-US" sz="1500" b="1" i="0" dirty="0">
+                <a:solidFill>
+                  <a:srgbClr val="273239"/>
+                </a:solidFill>
+                <a:effectLst/>
+                <a:latin typeface="Calibri"/>
+                <a:cs typeface="Calibri"/>
+              </a:rPr>
+              <a:t>SELECT </a:t>
+            </a:r>
+            <a:r>
+              <a:rPr lang="en-US" sz="1500" b="1" i="0" err="1">
+                <a:solidFill>
+                  <a:srgbClr val="273239"/>
+                </a:solidFill>
+                <a:effectLst/>
+                <a:latin typeface="Calibri"/>
+                <a:cs typeface="Calibri"/>
+              </a:rPr>
+              <a:t>column_name</a:t>
+            </a:r>
+            <a:r>
+              <a:rPr lang="en-US" sz="1500" b="1" i="0" dirty="0">
+                <a:solidFill>
+                  <a:srgbClr val="273239"/>
+                </a:solidFill>
+                <a:effectLst/>
+                <a:latin typeface="Calibri"/>
+                <a:cs typeface="Calibri"/>
+              </a:rPr>
+              <a:t>(s) FROM </a:t>
+            </a:r>
+            <a:r>
+              <a:rPr lang="en-US" sz="1500" b="1" i="0" err="1">
+                <a:solidFill>
+                  <a:srgbClr val="273239"/>
+                </a:solidFill>
+                <a:effectLst/>
+                <a:latin typeface="Calibri"/>
+                <a:cs typeface="Calibri"/>
+              </a:rPr>
+              <a:t>table_name</a:t>
+            </a:r>
+            <a:r>
+              <a:rPr lang="en-US" sz="1500" b="1" i="0" dirty="0">
+                <a:solidFill>
+                  <a:srgbClr val="273239"/>
+                </a:solidFill>
+                <a:effectLst/>
+                <a:latin typeface="Calibri"/>
+                <a:cs typeface="Calibri"/>
+              </a:rPr>
+              <a:t> WHERE </a:t>
+            </a:r>
+            <a:r>
+              <a:rPr lang="en-US" sz="1500" b="1" i="0" err="1">
+                <a:solidFill>
+                  <a:srgbClr val="273239"/>
+                </a:solidFill>
+                <a:effectLst/>
+                <a:latin typeface="Calibri"/>
+                <a:cs typeface="Calibri"/>
+              </a:rPr>
+              <a:t>column_name</a:t>
+            </a:r>
+            <a:r>
+              <a:rPr lang="en-US" sz="1500" b="1" i="0" dirty="0">
+                <a:solidFill>
+                  <a:srgbClr val="273239"/>
+                </a:solidFill>
+                <a:effectLst/>
+                <a:latin typeface="Calibri"/>
+                <a:cs typeface="Calibri"/>
+              </a:rPr>
+              <a:t> BETWEEN value1 AND value2;</a:t>
+            </a:r>
+          </a:p>
+          <a:p>
+            <a:pPr marL="0" indent="0" algn="just" fontAlgn="base">
+              <a:buNone/>
+            </a:pPr>
+            <a:r>
+              <a:rPr lang="en-US" sz="1500" b="1" i="0" dirty="0">
+                <a:solidFill>
+                  <a:srgbClr val="273239"/>
+                </a:solidFill>
+                <a:effectLst/>
+                <a:latin typeface="Calibri"/>
+                <a:cs typeface="Calibri"/>
+              </a:rPr>
+              <a:t>Using BETWEEN with Numeric Values</a:t>
+            </a:r>
+          </a:p>
+          <a:p>
+            <a:pPr marL="0" indent="0" algn="just" fontAlgn="base">
+              <a:buNone/>
+            </a:pPr>
+            <a:r>
+              <a:rPr lang="en-US" sz="1500" i="0" dirty="0">
+                <a:solidFill>
+                  <a:srgbClr val="273239"/>
+                </a:solidFill>
+                <a:effectLst/>
+                <a:latin typeface="Calibri"/>
+                <a:cs typeface="Calibri"/>
+              </a:rPr>
+              <a:t>SELECT </a:t>
+            </a:r>
+            <a:r>
+              <a:rPr lang="en-US" sz="1500" i="0" err="1">
+                <a:solidFill>
+                  <a:srgbClr val="273239"/>
+                </a:solidFill>
+                <a:effectLst/>
+                <a:latin typeface="Calibri"/>
+                <a:cs typeface="Calibri"/>
+              </a:rPr>
+              <a:t>column_name</a:t>
+            </a:r>
+            <a:r>
+              <a:rPr lang="en-US" sz="1500" i="0" dirty="0">
+                <a:solidFill>
+                  <a:srgbClr val="273239"/>
+                </a:solidFill>
+                <a:effectLst/>
+                <a:latin typeface="Calibri"/>
+                <a:cs typeface="Calibri"/>
+              </a:rPr>
+              <a:t>(s)FROM </a:t>
+            </a:r>
+            <a:r>
+              <a:rPr lang="en-US" sz="1500" i="0" err="1">
+                <a:solidFill>
+                  <a:srgbClr val="273239"/>
+                </a:solidFill>
+                <a:effectLst/>
+                <a:latin typeface="Calibri"/>
+                <a:cs typeface="Calibri"/>
+              </a:rPr>
+              <a:t>table_nameWHERE</a:t>
+            </a:r>
+            <a:r>
+              <a:rPr lang="en-US" sz="1500" i="0" dirty="0">
+                <a:solidFill>
+                  <a:srgbClr val="273239"/>
+                </a:solidFill>
+                <a:effectLst/>
+                <a:latin typeface="Calibri"/>
+                <a:cs typeface="Calibri"/>
+              </a:rPr>
+              <a:t> </a:t>
+            </a:r>
+            <a:r>
+              <a:rPr lang="en-US" sz="1500" i="0" err="1">
+                <a:solidFill>
+                  <a:srgbClr val="273239"/>
+                </a:solidFill>
+                <a:effectLst/>
+                <a:latin typeface="Calibri"/>
+                <a:cs typeface="Calibri"/>
+              </a:rPr>
+              <a:t>column_name</a:t>
+            </a:r>
+            <a:r>
+              <a:rPr lang="en-US" sz="1500" i="0" dirty="0">
+                <a:solidFill>
+                  <a:srgbClr val="273239"/>
+                </a:solidFill>
+                <a:effectLst/>
+                <a:latin typeface="Calibri"/>
+                <a:cs typeface="Calibri"/>
+              </a:rPr>
+              <a:t> BETWEEN value1 AND value2;</a:t>
+            </a:r>
+          </a:p>
+          <a:p>
+            <a:pPr marL="0" indent="0" algn="just" fontAlgn="base">
+              <a:buNone/>
+            </a:pPr>
+            <a:r>
+              <a:rPr lang="en-US" sz="1500" b="1" i="0" dirty="0">
+                <a:solidFill>
+                  <a:srgbClr val="273239"/>
+                </a:solidFill>
+                <a:effectLst/>
+                <a:latin typeface="Calibri"/>
+                <a:cs typeface="Calibri"/>
+              </a:rPr>
+              <a:t>Using the NOT Operator with BETWEEN </a:t>
+            </a:r>
+          </a:p>
+          <a:p>
+            <a:pPr marL="0" indent="0" algn="just" fontAlgn="base">
+              <a:buNone/>
+            </a:pPr>
+            <a:r>
+              <a:rPr lang="en-US" sz="1500" b="0" i="0" dirty="0">
+                <a:solidFill>
+                  <a:srgbClr val="273239"/>
+                </a:solidFill>
+                <a:effectLst/>
+                <a:latin typeface="Calibri"/>
+                <a:cs typeface="Calibri"/>
+              </a:rPr>
+              <a:t>Find all the Employee names whose salary is not in the range of 30000 and 45000.</a:t>
+            </a:r>
+            <a:endParaRPr lang="en-US" sz="1500" b="1" i="0">
+              <a:solidFill>
+                <a:srgbClr val="273239"/>
+              </a:solidFill>
+              <a:effectLst/>
+              <a:latin typeface="Calibri"/>
+              <a:cs typeface="Calibri"/>
+            </a:endParaRPr>
+          </a:p>
+          <a:p>
+            <a:pPr marL="0" indent="0" algn="just" fontAlgn="base">
+              <a:buNone/>
+            </a:pPr>
+            <a:r>
+              <a:rPr lang="en-US" sz="1500" i="0" dirty="0">
+                <a:solidFill>
+                  <a:srgbClr val="273239"/>
+                </a:solidFill>
+                <a:effectLst/>
+                <a:latin typeface="Calibri"/>
+                <a:cs typeface="Calibri"/>
+              </a:rPr>
+              <a:t>SELECT Name FROM Emp WHERE Salary NOT BETWEEN 30000 AND 45000;</a:t>
+            </a:r>
+          </a:p>
+        </p:txBody>
+      </p:sp>
+    </p:spTree>
+    <p:extLst>
+      <p:ext uri="{BB962C8B-B14F-4D97-AF65-F5344CB8AC3E}">
+        <p14:creationId xmlns:p14="http://schemas.microsoft.com/office/powerpoint/2010/main" val="1265351006"/>
+      </p:ext>
+    </p:extLst>
+  </p:cSld>
+  <p:clrMapOvr>
+    <a:masterClrMapping/>
+  </p:clrMapOvr>
+</p:sld>
+</file>
+
+<file path=ppt/slides/slide5.xml><?xml version="1.0" encoding="utf-8"?>
+<p:sld xmlns:a="http://schemas.openxmlformats.org/drawingml/2006/main" xmlns:r="http://schemas.openxmlformats.org/officeDocument/2006/relationships" xmlns:p="http://schemas.openxmlformats.org/presentationml/2006/main">
+  <p:cSld>
+    <p:spTree>
+      <p:nvGrpSpPr>
+        <p:cNvPr id="1" name=""/>
+        <p:cNvGrpSpPr/>
+        <p:nvPr/>
+      </p:nvGrpSpPr>
+      <p:grpSpPr>
+        <a:xfrm>
+          <a:off x="0" y="0"/>
+          <a:ext cx="0" cy="0"/>
+          <a:chOff x="0" y="0"/>
+          <a:chExt cx="0" cy="0"/>
+        </a:xfrm>
+      </p:grpSpPr>
+      <p:sp>
+        <p:nvSpPr>
+          <p:cNvPr id="6" name="TextBox 5">
+            <a:extLst>
+              <a:ext uri="{FF2B5EF4-FFF2-40B4-BE49-F238E27FC236}">
+                <a16:creationId xmlns:a16="http://schemas.microsoft.com/office/drawing/2014/main" id="{36670B7B-78F1-209D-D478-00089C23D1A7}"/>
+              </a:ext>
+            </a:extLst>
+          </p:cNvPr>
+          <p:cNvSpPr txBox="1"/>
+          <p:nvPr/>
+        </p:nvSpPr>
+        <p:spPr>
+          <a:xfrm>
+            <a:off x="968829" y="814046"/>
+            <a:ext cx="9656989" cy="1077218"/>
+          </a:xfrm>
+          <a:prstGeom prst="rect">
+            <a:avLst/>
+          </a:prstGeom>
+          <a:noFill/>
+        </p:spPr>
+        <p:txBody>
+          <a:bodyPr wrap="square" rtlCol="0">
+            <a:spAutoFit/>
+          </a:bodyPr>
+          <a:lstStyle/>
+          <a:p>
+            <a:pPr fontAlgn="base"/>
+            <a:r>
+              <a:rPr lang="en-IN" sz="3200" b="0" i="0" u="sng" dirty="0">
+                <a:effectLst/>
+                <a:latin typeface="Nunito" pitchFamily="2" charset="0"/>
+                <a:hlinkClick r:id="rId2"/>
+              </a:rPr>
+              <a:t>SQL Operators</a:t>
+            </a:r>
+            <a:r>
+              <a:rPr lang="en-IN" sz="3200" b="1" i="0" dirty="0">
+                <a:solidFill>
+                  <a:srgbClr val="273239"/>
+                </a:solidFill>
+                <a:effectLst/>
+                <a:latin typeface="Source Sans 3"/>
+              </a:rPr>
+              <a:t> |  LIKE operator</a:t>
+            </a:r>
+          </a:p>
+          <a:p>
+            <a:pPr algn="l" fontAlgn="base"/>
+            <a:endParaRPr lang="en-IN" sz="3200" b="1" i="0" dirty="0">
+              <a:solidFill>
+                <a:srgbClr val="273239"/>
+              </a:solidFill>
+              <a:effectLst/>
+              <a:latin typeface="Source Sans 3"/>
+            </a:endParaRPr>
+          </a:p>
+        </p:txBody>
+      </p:sp>
+      <p:sp>
+        <p:nvSpPr>
+          <p:cNvPr id="3" name="Content Placeholder 2">
+            <a:extLst>
+              <a:ext uri="{FF2B5EF4-FFF2-40B4-BE49-F238E27FC236}">
+                <a16:creationId xmlns:a16="http://schemas.microsoft.com/office/drawing/2014/main" id="{701352DD-24C5-44A6-94F8-5587E5F114BE}"/>
+              </a:ext>
+            </a:extLst>
+          </p:cNvPr>
+          <p:cNvSpPr>
+            <a:spLocks noGrp="1"/>
+          </p:cNvSpPr>
+          <p:nvPr>
+            <p:ph idx="1"/>
+          </p:nvPr>
+        </p:nvSpPr>
+        <p:spPr/>
+        <p:txBody>
+          <a:bodyPr vert="horz" lIns="91440" tIns="45720" rIns="91440" bIns="45720" rtlCol="0" anchor="t">
+            <a:noAutofit/>
+          </a:bodyPr>
+          <a:lstStyle/>
+          <a:p>
+            <a:pPr algn="l" fontAlgn="base"/>
+            <a:r>
+              <a:rPr lang="en-US" sz="2000" b="0" i="0" dirty="0">
+                <a:solidFill>
+                  <a:srgbClr val="273239"/>
+                </a:solidFill>
+                <a:effectLst/>
+                <a:latin typeface="Calibri"/>
+                <a:cs typeface="Calibri Light"/>
+              </a:rPr>
+              <a:t>The PostgreSQL LIKE operator is used query data using pattern matching techniques. Its result include strings that are </a:t>
+            </a:r>
+            <a:r>
+              <a:rPr lang="en-US" sz="2000" b="1" i="0" dirty="0">
+                <a:solidFill>
+                  <a:srgbClr val="273239"/>
+                </a:solidFill>
+                <a:effectLst/>
+                <a:latin typeface="Calibri"/>
+                <a:cs typeface="Calibri Light"/>
+              </a:rPr>
+              <a:t>case-sensitive</a:t>
+            </a:r>
+            <a:r>
+              <a:rPr lang="en-US" sz="2000" b="0" i="0" dirty="0">
+                <a:solidFill>
+                  <a:srgbClr val="273239"/>
+                </a:solidFill>
+                <a:effectLst/>
+                <a:latin typeface="Calibri"/>
+                <a:cs typeface="Calibri Light"/>
+              </a:rPr>
+              <a:t> and follow the mentioned pattern.</a:t>
+            </a:r>
+            <a:br>
+              <a:rPr lang="en-US" sz="2000" b="0" i="0" dirty="0">
+                <a:effectLst/>
+                <a:latin typeface="Calibri"/>
+              </a:rPr>
+            </a:br>
+            <a:r>
+              <a:rPr lang="en-US" sz="2000" b="0" i="0" dirty="0">
+                <a:solidFill>
+                  <a:srgbClr val="273239"/>
+                </a:solidFill>
+                <a:effectLst/>
+                <a:latin typeface="Calibri"/>
+                <a:cs typeface="Calibri Light"/>
+              </a:rPr>
+              <a:t>It is important to know that PostgreSQL provides with 2 special wildcard characters for the purpose of patterns matching as below:</a:t>
+            </a:r>
+          </a:p>
+          <a:p>
+            <a:pPr algn="l" fontAlgn="base">
+              <a:buFont typeface="Arial" panose="020B0604020202020204" pitchFamily="34" charset="0"/>
+              <a:buChar char="•"/>
+            </a:pPr>
+            <a:r>
+              <a:rPr lang="en-US" sz="2000" b="0" i="0" dirty="0">
+                <a:solidFill>
+                  <a:srgbClr val="273239"/>
+                </a:solidFill>
+                <a:effectLst/>
+                <a:latin typeface="Calibri"/>
+                <a:cs typeface="Calibri Light"/>
+              </a:rPr>
+              <a:t>Percent ( %) for matching any sequence of characters.</a:t>
+            </a:r>
+          </a:p>
+          <a:p>
+            <a:pPr algn="l" fontAlgn="base">
+              <a:buFont typeface="Arial" panose="020B0604020202020204" pitchFamily="34" charset="0"/>
+              <a:buChar char="•"/>
+            </a:pPr>
+            <a:r>
+              <a:rPr lang="en-US" sz="2000" b="0" i="0" dirty="0">
+                <a:solidFill>
+                  <a:srgbClr val="273239"/>
+                </a:solidFill>
+                <a:effectLst/>
+                <a:latin typeface="Calibri"/>
+                <a:cs typeface="Calibri Light"/>
+              </a:rPr>
+              <a:t>Underscore ( _) for matching any single character.</a:t>
+            </a:r>
+          </a:p>
+          <a:p>
+            <a:pPr algn="l" fontAlgn="base">
+              <a:buFont typeface="Arial" panose="020B0604020202020204" pitchFamily="34" charset="0"/>
+              <a:buChar char="•"/>
+            </a:pPr>
+            <a:endParaRPr lang="en-US" sz="2000" dirty="0">
+              <a:solidFill>
+                <a:srgbClr val="273239"/>
+              </a:solidFill>
+              <a:latin typeface="Calibri"/>
+              <a:cs typeface="Calibri Light"/>
+            </a:endParaRPr>
+          </a:p>
+          <a:p>
+            <a:pPr marL="0" indent="0" algn="l" fontAlgn="base">
+              <a:buNone/>
+            </a:pPr>
+            <a:r>
+              <a:rPr lang="en-US" sz="2000" b="0" i="0" dirty="0">
+                <a:solidFill>
+                  <a:srgbClr val="273239"/>
+                </a:solidFill>
+                <a:effectLst/>
+                <a:latin typeface="Calibri"/>
+                <a:cs typeface="Calibri Light"/>
+              </a:rPr>
+              <a:t>Syntax: string LIKE pattern;</a:t>
+            </a:r>
+          </a:p>
+          <a:p>
+            <a:pPr marL="0" indent="0" algn="l" fontAlgn="base">
+              <a:buNone/>
+            </a:pPr>
+            <a:r>
+              <a:rPr lang="en-US" sz="2000" b="0" i="0" dirty="0">
+                <a:solidFill>
+                  <a:srgbClr val="273239"/>
+                </a:solidFill>
+                <a:effectLst/>
+                <a:latin typeface="Calibri"/>
+                <a:cs typeface="Calibri Light"/>
+              </a:rPr>
+              <a:t>SELECT </a:t>
+            </a:r>
+            <a:r>
+              <a:rPr lang="en-US" sz="2000" b="0" i="0" err="1">
+                <a:solidFill>
+                  <a:srgbClr val="273239"/>
+                </a:solidFill>
+                <a:effectLst/>
+                <a:latin typeface="Calibri"/>
+                <a:cs typeface="Calibri Light"/>
+              </a:rPr>
+              <a:t>first_name,last_name</a:t>
+            </a:r>
+            <a:r>
+              <a:rPr lang="en-US" sz="2000" b="0" i="0" dirty="0">
+                <a:solidFill>
+                  <a:srgbClr val="273239"/>
+                </a:solidFill>
+                <a:effectLst/>
+                <a:latin typeface="Calibri"/>
+                <a:cs typeface="Calibri Light"/>
+              </a:rPr>
+              <a:t> FROM customer WHERE </a:t>
+            </a:r>
+            <a:r>
+              <a:rPr lang="en-US" sz="2000" b="0" i="0" err="1">
+                <a:solidFill>
+                  <a:srgbClr val="273239"/>
+                </a:solidFill>
+                <a:effectLst/>
+                <a:latin typeface="Calibri"/>
+                <a:cs typeface="Calibri Light"/>
+              </a:rPr>
+              <a:t>first_name</a:t>
+            </a:r>
+            <a:r>
+              <a:rPr lang="en-US" sz="2000" b="0" i="0" dirty="0">
+                <a:solidFill>
+                  <a:srgbClr val="273239"/>
+                </a:solidFill>
+                <a:effectLst/>
+                <a:latin typeface="Calibri"/>
+                <a:cs typeface="Calibri Light"/>
+              </a:rPr>
+              <a:t> LIKE 'K%’;</a:t>
+            </a:r>
+          </a:p>
+          <a:p>
+            <a:pPr marL="0" indent="0" algn="l" fontAlgn="base">
+              <a:buNone/>
+            </a:pPr>
+            <a:r>
+              <a:rPr lang="en-US" sz="2000" b="0" i="0" dirty="0">
+                <a:solidFill>
+                  <a:srgbClr val="273239"/>
+                </a:solidFill>
+                <a:effectLst/>
+                <a:latin typeface="Calibri"/>
+                <a:cs typeface="Calibri Light"/>
+              </a:rPr>
+              <a:t>Here we will query for customers whose first name begins with any single character, is followed by the literal string “her”, and ends with any number of characters using the LIKE operator in our sample database</a:t>
+            </a:r>
+            <a:endParaRPr lang="en-US" sz="2000" dirty="0">
+              <a:solidFill>
+                <a:srgbClr val="273239"/>
+              </a:solidFill>
+              <a:latin typeface="Calibri"/>
+              <a:cs typeface="Calibri Light"/>
+            </a:endParaRPr>
+          </a:p>
+          <a:p>
+            <a:pPr marL="0" indent="0" fontAlgn="base">
+              <a:buNone/>
+            </a:pPr>
+            <a:r>
+              <a:rPr lang="en-US" sz="2000" b="0" i="0" dirty="0">
+                <a:solidFill>
+                  <a:srgbClr val="273239"/>
+                </a:solidFill>
+                <a:effectLst/>
+                <a:latin typeface="Calibri"/>
+                <a:cs typeface="Calibri Light"/>
+              </a:rPr>
+              <a:t>SELECT</a:t>
+            </a:r>
+            <a:r>
+              <a:rPr lang="en-US" sz="2000" dirty="0">
+                <a:solidFill>
+                  <a:srgbClr val="273239"/>
+                </a:solidFill>
+                <a:latin typeface="Calibri"/>
+                <a:cs typeface="Calibri Light"/>
+              </a:rPr>
+              <a:t>   </a:t>
+            </a:r>
+            <a:r>
+              <a:rPr lang="en-US" sz="2000" b="0" i="0" dirty="0">
+                <a:solidFill>
+                  <a:srgbClr val="273239"/>
+                </a:solidFill>
+                <a:effectLst/>
+                <a:latin typeface="Calibri"/>
+                <a:cs typeface="Calibri Light"/>
+              </a:rPr>
+              <a:t> </a:t>
+            </a:r>
+            <a:r>
+              <a:rPr lang="en-US" sz="2000" b="0" i="0" err="1">
+                <a:solidFill>
+                  <a:srgbClr val="273239"/>
+                </a:solidFill>
+                <a:effectLst/>
+                <a:latin typeface="Calibri"/>
+                <a:cs typeface="Calibri Light"/>
+              </a:rPr>
+              <a:t>first_name</a:t>
+            </a:r>
+            <a:r>
+              <a:rPr lang="en-US" sz="2000" b="0" i="0" dirty="0">
+                <a:solidFill>
+                  <a:srgbClr val="273239"/>
+                </a:solidFill>
+                <a:effectLst/>
+                <a:latin typeface="Calibri"/>
+                <a:cs typeface="Calibri Light"/>
+              </a:rPr>
+              <a:t>,</a:t>
+            </a:r>
+            <a:r>
+              <a:rPr lang="en-US" sz="2000" dirty="0">
+                <a:solidFill>
+                  <a:srgbClr val="273239"/>
+                </a:solidFill>
+                <a:latin typeface="Calibri"/>
+                <a:cs typeface="Calibri Light"/>
+              </a:rPr>
+              <a:t>   </a:t>
+            </a:r>
+            <a:r>
+              <a:rPr lang="en-US" sz="2000" b="0" i="0" dirty="0">
+                <a:solidFill>
+                  <a:srgbClr val="273239"/>
+                </a:solidFill>
+                <a:effectLst/>
+                <a:latin typeface="Calibri"/>
+                <a:cs typeface="Calibri Light"/>
+              </a:rPr>
+              <a:t> </a:t>
+            </a:r>
+            <a:r>
+              <a:rPr lang="en-US" sz="2000" b="0" i="0" err="1">
+                <a:solidFill>
+                  <a:srgbClr val="273239"/>
+                </a:solidFill>
+                <a:effectLst/>
+                <a:latin typeface="Calibri"/>
+                <a:cs typeface="Calibri Light"/>
+              </a:rPr>
+              <a:t>last_name</a:t>
+            </a:r>
+            <a:r>
+              <a:rPr lang="en-US" sz="2000" b="0" i="0" dirty="0">
+                <a:solidFill>
+                  <a:srgbClr val="273239"/>
+                </a:solidFill>
+                <a:effectLst/>
+                <a:latin typeface="Calibri"/>
+                <a:cs typeface="Calibri Light"/>
+              </a:rPr>
+              <a:t> FROM</a:t>
+            </a:r>
+            <a:r>
+              <a:rPr lang="en-US" sz="2000" dirty="0">
+                <a:solidFill>
+                  <a:srgbClr val="273239"/>
+                </a:solidFill>
+                <a:latin typeface="Calibri"/>
+                <a:cs typeface="Calibri Light"/>
+              </a:rPr>
+              <a:t>   </a:t>
+            </a:r>
+            <a:r>
+              <a:rPr lang="en-US" sz="2000" b="0" i="0" dirty="0">
+                <a:solidFill>
+                  <a:srgbClr val="273239"/>
+                </a:solidFill>
+                <a:effectLst/>
+                <a:latin typeface="Calibri"/>
+                <a:cs typeface="Calibri Light"/>
+              </a:rPr>
+              <a:t> customer WHERE</a:t>
+            </a:r>
+            <a:r>
+              <a:rPr lang="en-US" sz="2000" dirty="0">
+                <a:solidFill>
+                  <a:srgbClr val="273239"/>
+                </a:solidFill>
+                <a:latin typeface="Calibri"/>
+                <a:cs typeface="Calibri Light"/>
+              </a:rPr>
+              <a:t>   </a:t>
+            </a:r>
+            <a:r>
+              <a:rPr lang="en-US" sz="2000" b="0" i="0" dirty="0">
+                <a:solidFill>
+                  <a:srgbClr val="273239"/>
+                </a:solidFill>
+                <a:effectLst/>
+                <a:latin typeface="Calibri"/>
+                <a:cs typeface="Calibri Light"/>
+              </a:rPr>
+              <a:t> </a:t>
+            </a:r>
+            <a:r>
+              <a:rPr lang="en-US" sz="2000" b="0" i="0" err="1">
+                <a:solidFill>
+                  <a:srgbClr val="273239"/>
+                </a:solidFill>
+                <a:effectLst/>
+                <a:latin typeface="Calibri"/>
+                <a:cs typeface="Calibri Light"/>
+              </a:rPr>
+              <a:t>first_name</a:t>
+            </a:r>
+            <a:r>
+              <a:rPr lang="en-US" sz="2000" b="0" i="0" dirty="0">
+                <a:solidFill>
+                  <a:srgbClr val="273239"/>
+                </a:solidFill>
+                <a:effectLst/>
+                <a:latin typeface="Calibri"/>
+                <a:cs typeface="Calibri Light"/>
+              </a:rPr>
+              <a:t> LIKE '_her%';</a:t>
+            </a:r>
+          </a:p>
+        </p:txBody>
+      </p:sp>
+    </p:spTree>
+    <p:extLst>
+      <p:ext uri="{BB962C8B-B14F-4D97-AF65-F5344CB8AC3E}">
+        <p14:creationId xmlns:p14="http://schemas.microsoft.com/office/powerpoint/2010/main" val="3537918646"/>
       </p:ext>
     </p:extLst>
   </p:cSld>
@@ -7623,8 +7403,8 @@
         </p:nvSpPr>
         <p:spPr>
           <a:xfrm>
-            <a:off x="838200" y="887525"/>
-            <a:ext cx="6758709" cy="584775"/>
+            <a:off x="968829" y="814046"/>
+            <a:ext cx="9656989" cy="1569660"/>
           </a:xfrm>
           <a:prstGeom prst="rect">
             <a:avLst/>
@@ -7637,17 +7417,45 @@
           </a:bodyPr>
           <a:lstStyle/>
           <a:p>
+            <a:pPr fontAlgn="base"/>
+            <a:r>
+              <a:rPr lang="en-IN" sz="3200" b="0" i="0" u="sng" dirty="0">
+                <a:effectLst/>
+                <a:latin typeface="Nunito" pitchFamily="2" charset="0"/>
+                <a:hlinkClick r:id="rId2"/>
+              </a:rPr>
+              <a:t>SQL Operators</a:t>
+            </a:r>
+            <a:r>
+              <a:rPr lang="en-IN" sz="3200" b="1" i="0" dirty="0">
+                <a:solidFill>
+                  <a:srgbClr val="273239"/>
+                </a:solidFill>
+                <a:effectLst/>
+                <a:latin typeface="Source Sans 3"/>
+              </a:rPr>
+              <a:t> |  NOT LIKE operator</a:t>
+            </a:r>
+          </a:p>
+          <a:p>
+            <a:pPr fontAlgn="base"/>
+            <a:endParaRPr lang="en-IN" sz="3200" b="1" i="0" dirty="0">
+              <a:solidFill>
+                <a:srgbClr val="273239"/>
+              </a:solidFill>
+              <a:effectLst/>
+              <a:latin typeface="Source Sans 3"/>
+            </a:endParaRPr>
+          </a:p>
+          <a:p>
             <a:pPr algn="l" fontAlgn="base"/>
-            <a:r>
-              <a:rPr lang="en-IN" sz="3200" b="1" i="0" dirty="0">
-                <a:solidFill>
-                  <a:srgbClr val="273239"/>
-                </a:solidFill>
-                <a:effectLst/>
-                <a:latin typeface="Source Sans 3"/>
-              </a:rPr>
-              <a:t>SQL | UPDATE Statement</a:t>
-            </a:r>
+            <a:endParaRPr lang="en-IN" sz="3200" b="1" i="0" dirty="0">
+              <a:solidFill>
+                <a:srgbClr val="273239"/>
+              </a:solidFill>
+              <a:effectLst/>
+              <a:latin typeface="Source Sans 3"/>
+            </a:endParaRPr>
           </a:p>
         </p:txBody>
       </p:sp>
@@ -7674,6 +7482,7 @@
           </a:bodyPr>
           <a:lstStyle/>
           <a:p>
+            <a:pPr algn="l" fontAlgn="base"/>
             <a:r>
               <a:rPr lang="en-US" sz="1600" b="0" i="0" dirty="0">
                 <a:solidFill>
@@ -7683,16 +7492,18 @@
                 <a:latin typeface="Calibri"/>
                 <a:cs typeface="Calibri"/>
               </a:rPr>
-              <a:t>The UPDATE statement in </a:t>
-            </a:r>
-            <a:r>
-              <a:rPr lang="en-US" sz="1600" b="0" i="0" u="sng" dirty="0">
-                <a:effectLst/>
-                <a:latin typeface="Calibri"/>
-                <a:cs typeface="Calibri"/>
-                <a:hlinkClick r:id="rId2"/>
-              </a:rPr>
-              <a:t>SQL </a:t>
+              <a:t>The PostgreSQL NOT LIKE works exactly opposite to that of the LIKE operator. It is used to data using pattern matching techniques that explicitly excludes the mentioned pattern from the query result </a:t>
+            </a:r>
+            <a:r>
+              <a:rPr lang="en-US" sz="1600" b="0" i="0" err="1">
+                <a:solidFill>
+                  <a:srgbClr val="273239"/>
+                </a:solidFill>
+                <a:effectLst/>
+                <a:latin typeface="Calibri"/>
+                <a:cs typeface="Calibri"/>
+              </a:rPr>
+              <a:t>set.Its</a:t>
             </a:r>
             <a:r>
               <a:rPr lang="en-US" sz="1600" b="0" i="0" dirty="0">
@@ -7703,85 +7514,255 @@
                 <a:latin typeface="Calibri"/>
                 <a:cs typeface="Calibri"/>
               </a:rPr>
-              <a:t>is used to update the data of an existing table in the database. We can update single columns as well as multiple columns using the UPDATE statement as per our requirement.</a:t>
-            </a:r>
-            <a:endParaRPr lang="en-IN" sz="1600" b="1" i="0" dirty="0">
+              <a:t> result include strings that are </a:t>
+            </a:r>
+            <a:r>
+              <a:rPr lang="en-US" sz="1600" b="1" i="0" dirty="0">
+                <a:solidFill>
+                  <a:srgbClr val="273239"/>
+                </a:solidFill>
+                <a:effectLst/>
+                <a:latin typeface="Calibri"/>
+                <a:cs typeface="Calibri"/>
+              </a:rPr>
+              <a:t>case-sensitive</a:t>
+            </a:r>
+            <a:r>
+              <a:rPr lang="en-US" sz="1600" b="0" i="0" dirty="0">
+                <a:solidFill>
+                  <a:srgbClr val="273239"/>
+                </a:solidFill>
+                <a:effectLst/>
+                <a:latin typeface="Calibri"/>
+                <a:cs typeface="Calibri"/>
+              </a:rPr>
+              <a:t> and </a:t>
+            </a:r>
+            <a:r>
+              <a:rPr lang="en-US" sz="1600" b="1" i="0" dirty="0">
+                <a:solidFill>
+                  <a:srgbClr val="273239"/>
+                </a:solidFill>
+                <a:effectLst/>
+                <a:latin typeface="Calibri"/>
+                <a:cs typeface="Calibri"/>
+              </a:rPr>
+              <a:t>doesn’t follow </a:t>
+            </a:r>
+            <a:r>
+              <a:rPr lang="en-US" sz="1600" b="0" i="0" dirty="0">
+                <a:solidFill>
+                  <a:srgbClr val="273239"/>
+                </a:solidFill>
+                <a:effectLst/>
+                <a:latin typeface="Calibri"/>
+                <a:cs typeface="Calibri"/>
+              </a:rPr>
+              <a:t>the mentioned pattern.</a:t>
+            </a:r>
+            <a:br>
+              <a:rPr lang="en-US" sz="1600" b="0" i="0" dirty="0">
+                <a:effectLst/>
+                <a:latin typeface="Calibri"/>
+              </a:rPr>
+            </a:br>
+            <a:r>
+              <a:rPr lang="en-US" sz="1600" b="0" i="0" dirty="0">
+                <a:solidFill>
+                  <a:srgbClr val="273239"/>
+                </a:solidFill>
+                <a:effectLst/>
+                <a:latin typeface="Calibri"/>
+                <a:cs typeface="Calibri"/>
+              </a:rPr>
+              <a:t>It is important to know that PostgreSQL provides with 2 special wildcard characters for the purpose of patterns matching as below:</a:t>
+            </a:r>
+          </a:p>
+          <a:p>
+            <a:pPr algn="l" fontAlgn="base">
+              <a:buFont typeface="Arial" panose="020B0604020202020204" pitchFamily="34" charset="0"/>
+              <a:buChar char="•"/>
+            </a:pPr>
+            <a:r>
+              <a:rPr lang="en-US" sz="1600" b="0" i="0" dirty="0">
+                <a:solidFill>
+                  <a:srgbClr val="273239"/>
+                </a:solidFill>
+                <a:effectLst/>
+                <a:latin typeface="Calibri"/>
+                <a:cs typeface="Calibri"/>
+              </a:rPr>
+              <a:t>Percent ( % ) for matching any sequence of characters.</a:t>
+            </a:r>
+          </a:p>
+          <a:p>
+            <a:pPr algn="l" fontAlgn="base">
+              <a:buFont typeface="Arial" panose="020B0604020202020204" pitchFamily="34" charset="0"/>
+              <a:buChar char="•"/>
+            </a:pPr>
+            <a:r>
+              <a:rPr lang="en-US" sz="1600" b="0" i="0" dirty="0">
+                <a:solidFill>
+                  <a:srgbClr val="273239"/>
+                </a:solidFill>
+                <a:effectLst/>
+                <a:latin typeface="Calibri"/>
+                <a:cs typeface="Calibri"/>
+              </a:rPr>
+              <a:t>Underscore ( _ ) for matching any single character.</a:t>
+            </a:r>
+          </a:p>
+          <a:p>
+            <a:pPr algn="l" fontAlgn="base">
+              <a:buFont typeface="Arial" panose="020B0604020202020204" pitchFamily="34" charset="0"/>
+              <a:buChar char="•"/>
+            </a:pPr>
+            <a:endParaRPr lang="en-US" sz="1600" dirty="0">
               <a:solidFill>
                 <a:srgbClr val="273239"/>
               </a:solidFill>
-              <a:effectLst/>
               <a:latin typeface="Calibri"/>
               <a:cs typeface="Calibri"/>
             </a:endParaRPr>
           </a:p>
           <a:p>
-            <a:pPr marL="0" indent="0">
-              <a:buNone/>
+            <a:pPr fontAlgn="base"/>
+            <a:r>
+              <a:rPr lang="en-US" sz="1600" b="0" i="0" dirty="0">
+                <a:solidFill>
+                  <a:srgbClr val="273239"/>
+                </a:solidFill>
+                <a:effectLst/>
+                <a:latin typeface="Calibri"/>
+                <a:cs typeface="Calibri"/>
+              </a:rPr>
+              <a:t>Syntax: string NOT</a:t>
+            </a:r>
+            <a:r>
+              <a:rPr lang="en-US" sz="1600" dirty="0">
+                <a:solidFill>
+                  <a:srgbClr val="273239"/>
+                </a:solidFill>
+                <a:latin typeface="Calibri"/>
+                <a:cs typeface="Calibri"/>
+              </a:rPr>
+              <a:t> </a:t>
+            </a:r>
+            <a:r>
+              <a:rPr lang="en-US" sz="1600" b="0" i="0" dirty="0">
+                <a:solidFill>
+                  <a:srgbClr val="273239"/>
+                </a:solidFill>
+                <a:effectLst/>
+                <a:latin typeface="Calibri"/>
+                <a:cs typeface="Calibri"/>
+              </a:rPr>
+              <a:t> LIKE pattern;</a:t>
+            </a:r>
+          </a:p>
+          <a:p>
+            <a:pPr algn="l" fontAlgn="base">
+              <a:buFont typeface="Arial" panose="020B0604020202020204" pitchFamily="34" charset="0"/>
+              <a:buChar char="•"/>
             </a:pPr>
             <a:r>
-              <a:rPr lang="en-IN" sz="1600" b="1" i="0" dirty="0">
-                <a:solidFill>
-                  <a:srgbClr val="273239"/>
-                </a:solidFill>
-                <a:effectLst/>
-                <a:latin typeface="Calibri"/>
-                <a:cs typeface="Calibri"/>
-              </a:rPr>
-              <a:t>Syntax</a:t>
-            </a:r>
-          </a:p>
-          <a:p>
-            <a:pPr marL="0" indent="0" algn="just" fontAlgn="base">
+              <a:rPr lang="en-US" sz="1600" b="0" i="0" dirty="0">
+                <a:solidFill>
+                  <a:srgbClr val="273239"/>
+                </a:solidFill>
+                <a:effectLst/>
+                <a:latin typeface="Calibri"/>
+                <a:cs typeface="Calibri"/>
+              </a:rPr>
+              <a:t>Here we will make a query to find the customer in the “customer” table by looking at the “</a:t>
+            </a:r>
+            <a:r>
+              <a:rPr lang="en-US" sz="1600" b="0" i="0" err="1">
+                <a:solidFill>
+                  <a:srgbClr val="273239"/>
+                </a:solidFill>
+                <a:effectLst/>
+                <a:latin typeface="Calibri"/>
+                <a:cs typeface="Calibri"/>
+              </a:rPr>
+              <a:t>first_name</a:t>
+            </a:r>
+            <a:r>
+              <a:rPr lang="en-US" sz="1600" b="0" i="0" dirty="0">
+                <a:solidFill>
+                  <a:srgbClr val="273239"/>
+                </a:solidFill>
+                <a:effectLst/>
+                <a:latin typeface="Calibri"/>
+                <a:cs typeface="Calibri"/>
+              </a:rPr>
+              <a:t>” column to see if there is any value that doesn’t begin with “K” using the NOT LIKE operator in our sample database.</a:t>
+            </a:r>
+          </a:p>
+          <a:p>
+            <a:pPr marL="0" indent="0" algn="l" fontAlgn="base">
               <a:buNone/>
             </a:pPr>
             <a:r>
-              <a:rPr lang="en-US" sz="1600" b="0" i="1" dirty="0">
-                <a:solidFill>
-                  <a:srgbClr val="273239"/>
-                </a:solidFill>
-                <a:effectLst/>
-                <a:latin typeface="Calibri"/>
-                <a:cs typeface="Calibri"/>
-              </a:rPr>
-              <a:t>UPDATE </a:t>
-            </a:r>
-            <a:r>
-              <a:rPr lang="en-US" sz="1600" b="0" i="1" err="1">
-                <a:solidFill>
-                  <a:srgbClr val="273239"/>
-                </a:solidFill>
-                <a:effectLst/>
-                <a:latin typeface="Calibri"/>
-                <a:cs typeface="Calibri"/>
-              </a:rPr>
-              <a:t>table_name</a:t>
-            </a:r>
-            <a:r>
-              <a:rPr lang="en-US" sz="1600" b="0" i="1" dirty="0">
-                <a:solidFill>
-                  <a:srgbClr val="273239"/>
-                </a:solidFill>
-                <a:effectLst/>
-                <a:latin typeface="Calibri"/>
-                <a:cs typeface="Calibri"/>
-              </a:rPr>
-              <a:t> SET column1 = value1, column2 = value2,… </a:t>
-            </a:r>
-            <a:r>
-              <a:rPr lang="en-US" sz="1600" b="1" i="0" dirty="0">
-                <a:solidFill>
-                  <a:srgbClr val="273239"/>
-                </a:solidFill>
-                <a:effectLst/>
-                <a:latin typeface="Calibri"/>
-                <a:cs typeface="Calibri"/>
-              </a:rPr>
-              <a:t>UPDATE:</a:t>
-            </a:r>
-          </a:p>
-          <a:p>
-            <a:pPr marL="0" indent="0" algn="just" fontAlgn="base">
-              <a:buNone/>
+              <a:rPr lang="en-US" sz="1600" b="0" i="0" dirty="0">
+                <a:solidFill>
+                  <a:srgbClr val="273239"/>
+                </a:solidFill>
+                <a:effectLst/>
+                <a:latin typeface="Calibri"/>
+                <a:cs typeface="Calibri"/>
+              </a:rPr>
+              <a:t>SELECT </a:t>
+            </a:r>
+            <a:r>
+              <a:rPr lang="en-US" sz="1600" b="0" i="0" err="1">
+                <a:solidFill>
+                  <a:srgbClr val="273239"/>
+                </a:solidFill>
+                <a:effectLst/>
+                <a:latin typeface="Calibri"/>
+                <a:cs typeface="Calibri"/>
+              </a:rPr>
+              <a:t>first_name,last_name</a:t>
+            </a:r>
+            <a:r>
+              <a:rPr lang="en-US" sz="1600" b="0" i="0" dirty="0">
+                <a:solidFill>
+                  <a:srgbClr val="273239"/>
+                </a:solidFill>
+                <a:effectLst/>
+                <a:latin typeface="Calibri"/>
+                <a:cs typeface="Calibri"/>
+              </a:rPr>
+              <a:t> FROM customer WHERE </a:t>
+            </a:r>
+            <a:r>
+              <a:rPr lang="en-US" sz="1600" b="0" i="0" err="1">
+                <a:solidFill>
+                  <a:srgbClr val="273239"/>
+                </a:solidFill>
+                <a:effectLst/>
+                <a:latin typeface="Calibri"/>
+                <a:cs typeface="Calibri"/>
+              </a:rPr>
+              <a:t>first_name</a:t>
+            </a:r>
+            <a:r>
+              <a:rPr lang="en-US" sz="1600" b="0" i="0" dirty="0">
+                <a:solidFill>
+                  <a:srgbClr val="273239"/>
+                </a:solidFill>
+                <a:effectLst/>
+                <a:latin typeface="Calibri"/>
+                <a:cs typeface="Calibri"/>
+              </a:rPr>
+              <a:t> Not LIKE 'K%’;</a:t>
+            </a:r>
+          </a:p>
+          <a:p>
+            <a:pPr algn="l" fontAlgn="base">
+              <a:buFont typeface="Arial" panose="020B0604020202020204" pitchFamily="34" charset="0"/>
+              <a:buChar char="•"/>
             </a:pPr>
             <a:r>
               <a:rPr lang="en-US" sz="1600" b="0" i="0" dirty="0">
@@ -7792,215 +7773,299 @@
                 <a:latin typeface="Calibri"/>
                 <a:cs typeface="Calibri"/>
               </a:rPr>
-              <a:t> </a:t>
-            </a:r>
-            <a:r>
-              <a:rPr lang="en-US" sz="1600" b="0" i="1" dirty="0">
-                <a:solidFill>
-                  <a:srgbClr val="273239"/>
-                </a:solidFill>
-                <a:effectLst/>
-                <a:latin typeface="Calibri"/>
-                <a:cs typeface="Calibri"/>
-              </a:rPr>
-              <a:t>WHERE condition;</a:t>
-            </a:r>
-          </a:p>
-          <a:p>
-            <a:pPr marL="0" indent="0" algn="just" fontAlgn="base">
-              <a:buNone/>
-            </a:pPr>
-            <a:r>
-              <a:rPr lang="en-US" sz="1600" b="0" i="1" err="1">
-                <a:solidFill>
-                  <a:srgbClr val="273239"/>
-                </a:solidFill>
-                <a:effectLst/>
-                <a:latin typeface="Calibri"/>
-                <a:cs typeface="Calibri"/>
-              </a:rPr>
-              <a:t>table_name</a:t>
-            </a:r>
-            <a:r>
-              <a:rPr lang="en-US" sz="1600" b="0" i="1" dirty="0">
-                <a:solidFill>
-                  <a:srgbClr val="273239"/>
-                </a:solidFill>
-                <a:effectLst/>
-                <a:latin typeface="Calibri"/>
-                <a:cs typeface="Calibri"/>
-              </a:rPr>
-              <a:t>: name of the table</a:t>
-            </a:r>
-          </a:p>
-          <a:p>
-            <a:pPr marL="0" indent="0" algn="just" fontAlgn="base">
-              <a:buNone/>
-            </a:pPr>
-            <a:r>
-              <a:rPr lang="en-US" sz="1600" b="0" i="1" dirty="0">
-                <a:solidFill>
-                  <a:srgbClr val="273239"/>
-                </a:solidFill>
-                <a:effectLst/>
-                <a:latin typeface="Calibri"/>
-                <a:cs typeface="Calibri"/>
-              </a:rPr>
-              <a:t>column1: name of first , second, third column….</a:t>
-            </a:r>
-          </a:p>
-          <a:p>
-            <a:pPr marL="0" indent="0" algn="just" fontAlgn="base">
-              <a:buNone/>
-            </a:pPr>
-            <a:r>
-              <a:rPr lang="en-US" sz="1600" b="0" i="1" dirty="0">
-                <a:solidFill>
-                  <a:srgbClr val="273239"/>
-                </a:solidFill>
-                <a:effectLst/>
-                <a:latin typeface="Calibri"/>
-                <a:cs typeface="Calibri"/>
-              </a:rPr>
-              <a:t>value1: new value for first, second, third column….</a:t>
-            </a:r>
-          </a:p>
-          <a:p>
-            <a:pPr marL="0" indent="0" algn="just" fontAlgn="base">
-              <a:buNone/>
-            </a:pPr>
-            <a:r>
-              <a:rPr lang="en-US" sz="1600" b="0" i="1" dirty="0">
-                <a:solidFill>
-                  <a:srgbClr val="273239"/>
-                </a:solidFill>
-                <a:effectLst/>
-                <a:latin typeface="Calibri"/>
-                <a:cs typeface="Calibri"/>
-              </a:rPr>
-              <a:t>condition: condition to select the rows for which the </a:t>
-            </a:r>
-          </a:p>
-          <a:p>
-            <a:pPr marL="0" indent="0" algn="just" fontAlgn="base">
-              <a:buNone/>
-            </a:pPr>
-            <a:r>
-              <a:rPr lang="en-US" sz="1600" b="0" i="1" dirty="0">
-                <a:solidFill>
-                  <a:srgbClr val="273239"/>
-                </a:solidFill>
-                <a:effectLst/>
-                <a:latin typeface="Calibri"/>
-                <a:cs typeface="Calibri"/>
-              </a:rPr>
-              <a:t>values of columns needs to be updated.</a:t>
-            </a:r>
-          </a:p>
-          <a:p>
-            <a:pPr algn="just" fontAlgn="base">
-              <a:buFont typeface="+mj-lt"/>
-              <a:buAutoNum type="arabicPeriod"/>
-            </a:pPr>
-            <a:endParaRPr lang="en-US" sz="1600" b="0" i="0" dirty="0">
+              <a:t>Here we will query for customers whose first name begins with any single character, is followed by the literal string “her”, and ends with any number of characters using the LIKE operator in our sample database</a:t>
+            </a:r>
+            <a:endParaRPr lang="en-US" sz="1600" dirty="0">
               <a:solidFill>
                 <a:srgbClr val="273239"/>
               </a:solidFill>
-              <a:effectLst/>
               <a:latin typeface="Calibri"/>
               <a:cs typeface="Calibri"/>
             </a:endParaRPr>
           </a:p>
           <a:p>
             <a:pPr marL="0" indent="0" fontAlgn="base">
+              <a:buNone/>
+            </a:pPr>
+            <a:r>
+              <a:rPr lang="en-US" sz="1600" b="0" i="0" dirty="0">
+                <a:solidFill>
+                  <a:srgbClr val="273239"/>
+                </a:solidFill>
+                <a:effectLst/>
+                <a:latin typeface="Calibri"/>
+                <a:cs typeface="Calibri"/>
+              </a:rPr>
+              <a:t>SELECT</a:t>
+            </a:r>
+            <a:r>
+              <a:rPr lang="en-US" sz="1600" dirty="0">
+                <a:solidFill>
+                  <a:srgbClr val="273239"/>
+                </a:solidFill>
+                <a:latin typeface="Calibri"/>
+                <a:cs typeface="Calibri"/>
+              </a:rPr>
+              <a:t>   </a:t>
+            </a:r>
+            <a:r>
+              <a:rPr lang="en-US" sz="1600" b="0" i="0" dirty="0">
+                <a:solidFill>
+                  <a:srgbClr val="273239"/>
+                </a:solidFill>
+                <a:effectLst/>
+                <a:latin typeface="Calibri"/>
+                <a:cs typeface="Calibri"/>
+              </a:rPr>
+              <a:t> </a:t>
+            </a:r>
+            <a:r>
+              <a:rPr lang="en-US" sz="1600" b="0" i="0" err="1">
+                <a:solidFill>
+                  <a:srgbClr val="273239"/>
+                </a:solidFill>
+                <a:effectLst/>
+                <a:latin typeface="Calibri"/>
+                <a:cs typeface="Calibri"/>
+              </a:rPr>
+              <a:t>first_name</a:t>
+            </a:r>
+            <a:r>
+              <a:rPr lang="en-US" sz="1600" b="0" i="0" dirty="0">
+                <a:solidFill>
+                  <a:srgbClr val="273239"/>
+                </a:solidFill>
+                <a:effectLst/>
+                <a:latin typeface="Calibri"/>
+                <a:cs typeface="Calibri"/>
+              </a:rPr>
+              <a:t>,</a:t>
+            </a:r>
+            <a:r>
+              <a:rPr lang="en-US" sz="1600" dirty="0">
+                <a:solidFill>
+                  <a:srgbClr val="273239"/>
+                </a:solidFill>
+                <a:latin typeface="Calibri"/>
+                <a:cs typeface="Calibri"/>
+              </a:rPr>
+              <a:t>   </a:t>
+            </a:r>
+            <a:r>
+              <a:rPr lang="en-US" sz="1600" b="0" i="0" dirty="0">
+                <a:solidFill>
+                  <a:srgbClr val="273239"/>
+                </a:solidFill>
+                <a:effectLst/>
+                <a:latin typeface="Calibri"/>
+                <a:cs typeface="Calibri"/>
+              </a:rPr>
+              <a:t> </a:t>
+            </a:r>
+            <a:r>
+              <a:rPr lang="en-US" sz="1600" b="0" i="0" err="1">
+                <a:solidFill>
+                  <a:srgbClr val="273239"/>
+                </a:solidFill>
+                <a:effectLst/>
+                <a:latin typeface="Calibri"/>
+                <a:cs typeface="Calibri"/>
+              </a:rPr>
+              <a:t>last_name</a:t>
+            </a:r>
+            <a:r>
+              <a:rPr lang="en-US" sz="1600" b="0" i="0" dirty="0">
+                <a:solidFill>
+                  <a:srgbClr val="273239"/>
+                </a:solidFill>
+                <a:effectLst/>
+                <a:latin typeface="Calibri"/>
+                <a:cs typeface="Calibri"/>
+              </a:rPr>
+              <a:t> FROM</a:t>
+            </a:r>
+            <a:r>
+              <a:rPr lang="en-US" sz="1600" dirty="0">
+                <a:solidFill>
+                  <a:srgbClr val="273239"/>
+                </a:solidFill>
+                <a:latin typeface="Calibri"/>
+                <a:cs typeface="Calibri"/>
+              </a:rPr>
+              <a:t>   </a:t>
+            </a:r>
+            <a:r>
+              <a:rPr lang="en-US" sz="1600" b="0" i="0" dirty="0">
+                <a:solidFill>
+                  <a:srgbClr val="273239"/>
+                </a:solidFill>
+                <a:effectLst/>
+                <a:latin typeface="Calibri"/>
+                <a:cs typeface="Calibri"/>
+              </a:rPr>
+              <a:t> customer WHERE</a:t>
+            </a:r>
+            <a:r>
+              <a:rPr lang="en-US" sz="1600" dirty="0">
+                <a:solidFill>
+                  <a:srgbClr val="273239"/>
+                </a:solidFill>
+                <a:latin typeface="Calibri"/>
+                <a:cs typeface="Calibri"/>
+              </a:rPr>
+              <a:t>   </a:t>
+            </a:r>
+            <a:r>
+              <a:rPr lang="en-US" sz="1600" b="0" i="0" dirty="0">
+                <a:solidFill>
+                  <a:srgbClr val="273239"/>
+                </a:solidFill>
+                <a:effectLst/>
+                <a:latin typeface="Calibri"/>
+                <a:cs typeface="Calibri"/>
+              </a:rPr>
+              <a:t> </a:t>
+            </a:r>
+            <a:r>
+              <a:rPr lang="en-US" sz="1600" b="0" i="0" err="1">
+                <a:solidFill>
+                  <a:srgbClr val="273239"/>
+                </a:solidFill>
+                <a:effectLst/>
+                <a:latin typeface="Calibri"/>
+                <a:cs typeface="Calibri"/>
+              </a:rPr>
+              <a:t>first_name</a:t>
+            </a:r>
+            <a:r>
+              <a:rPr lang="en-US" sz="1600" b="0" i="0" dirty="0">
+                <a:solidFill>
+                  <a:srgbClr val="273239"/>
+                </a:solidFill>
+                <a:effectLst/>
+                <a:latin typeface="Calibri"/>
+                <a:cs typeface="Calibri"/>
+              </a:rPr>
+              <a:t> not LIKE '_her%';</a:t>
+            </a:r>
+          </a:p>
+        </p:txBody>
+      </p:sp>
+      <p:sp>
+        <p:nvSpPr>
+          <p:cNvPr id="2" name="Rectangle 1">
+            <a:extLst>
+              <a:ext uri="{FF2B5EF4-FFF2-40B4-BE49-F238E27FC236}">
+                <a16:creationId xmlns:a16="http://schemas.microsoft.com/office/drawing/2014/main" id="{97C58939-F285-D65D-9EFC-3D162B421FA4}"/>
+              </a:ext>
+            </a:extLst>
+          </p:cNvPr>
+          <p:cNvSpPr>
+            <a:spLocks noChangeArrowheads="1"/>
+          </p:cNvSpPr>
+          <p:nvPr/>
+        </p:nvSpPr>
+        <p:spPr bwMode="auto">
+          <a:xfrm>
+            <a:off x="0" y="0"/>
+            <a:ext cx="12192000" cy="457200"/>
+          </a:xfrm>
+          <a:prstGeom prst="rect">
+            <a:avLst/>
+          </a:prstGeom>
+          <a:noFill/>
+          <a:ln>
+            <a:noFill/>
+          </a:ln>
+          <a:effectLst/>
+          <a:extLst>
+            <a:ext uri="{909E8E84-426E-40DD-AFC4-6F175D3DCCD1}">
+              <a14:hiddenFill xmlns:a14="http://schemas.microsoft.com/office/drawing/2010/main">
+                <a:solidFill>
+                  <a:schemeClr val="accent1"/>
+                </a:solidFill>
+              </a14:hiddenFill>
+            </a:ext>
+            <a:ext uri="{91240B29-F687-4F45-9708-019B960494DF}">
+              <a14:hiddenLine xmlns:a14="http://schemas.microsoft.com/office/drawing/2010/main" w="9525">
+                <a:solidFill>
+                  <a:schemeClr val="tx1"/>
+                </a:solidFill>
+                <a:miter lim="800000"/>
+                <a:headEnd/>
+                <a:tailEnd/>
+              </a14:hiddenLine>
+            </a:ext>
+            <a:ext uri="{AF507438-7753-43E0-B8FC-AC1667EBCBE1}">
+              <a14:hiddenEffects xmlns:a14="http://schemas.microsoft.com/office/drawing/2010/main">
+                <a:effectLst>
+                  <a:outerShdw dist="35921" dir="2700000" algn="ctr" rotWithShape="0">
+                    <a:schemeClr val="bg2"/>
+                  </a:outerShdw>
+                </a:effectLst>
+              </a14:hiddenEffects>
+            </a:ext>
+          </a:extLst>
+        </p:spPr>
+        <p:txBody>
+          <a:bodyPr vert="horz" wrap="none" lIns="0" tIns="0" rIns="0" bIns="28566" numCol="1" anchor="ctr" anchorCtr="0" compatLnSpc="1">
+            <a:prstTxWarp prst="textNoShape">
+              <a:avLst/>
+            </a:prstTxWarp>
+            <a:spAutoFit/>
+          </a:bodyPr>
+          <a:lstStyle/>
+          <a:p>
+            <a:pPr marL="0" marR="0" lvl="0" indent="0" algn="l" defTabSz="914400" rtl="0" eaLnBrk="0" fontAlgn="base" latinLnBrk="0" hangingPunct="0">
               <a:lnSpc>
                 <a:spcPct val="100000"/>
               </a:lnSpc>
-              <a:buNone/>
+              <a:spcBef>
+                <a:spcPct val="0"/>
+              </a:spcBef>
+              <a:spcAft>
+                <a:spcPct val="0"/>
+              </a:spcAft>
+              <a:buClrTx/>
+              <a:buSzTx/>
+              <a:buFontTx/>
+              <a:buNone/>
+              <a:tabLst/>
             </a:pPr>
             <a:r>
-              <a:rPr lang="en-IN" sz="1600" b="1" dirty="0">
-                <a:solidFill>
-                  <a:srgbClr val="273239"/>
-                </a:solidFill>
-                <a:latin typeface="Calibri"/>
-                <a:cs typeface="Calibri"/>
-              </a:rPr>
-              <a:t>Parameter Explanation</a:t>
-            </a:r>
-            <a:endParaRPr lang="en-US" sz="1600" b="0" i="0" dirty="0">
+              <a:rPr kumimoji="0" lang="en-US" altLang="en-US" sz="1200" b="0" i="0" u="none" strike="noStrike" cap="none" normalizeH="0" baseline="0">
+                <a:ln>
+                  <a:noFill/>
+                </a:ln>
+                <a:solidFill>
+                  <a:srgbClr val="273239"/>
+                </a:solidFill>
+                <a:effectLst/>
+                <a:latin typeface="Consolas" panose="020B0609020204030204" pitchFamily="49" charset="0"/>
+              </a:rPr>
+              <a:t>string NOT LIKE pattern;</a:t>
+            </a:r>
+            <a:r>
+              <a:rPr kumimoji="0" lang="en-US" altLang="en-US" sz="400" b="0" i="0" u="none" strike="noStrike" cap="none" normalizeH="0" baseline="0">
+                <a:ln>
+                  <a:noFill/>
+                </a:ln>
+                <a:solidFill>
+                  <a:schemeClr val="tx1"/>
+                </a:solidFill>
+                <a:effectLst/>
+              </a:rPr>
+              <a:t> </a:t>
+            </a:r>
+            <a:endParaRPr kumimoji="0" lang="en-US" altLang="en-US" sz="1800" b="0" i="0" u="none" strike="noStrike" cap="none" normalizeH="0" baseline="0">
+              <a:ln>
+                <a:noFill/>
+              </a:ln>
               <a:solidFill>
-                <a:srgbClr val="273239"/>
+                <a:schemeClr val="tx1"/>
               </a:solidFill>
               <a:effectLst/>
-              <a:latin typeface="Calibri"/>
-              <a:cs typeface="Calibri"/>
-            </a:endParaRPr>
-          </a:p>
-          <a:p>
-            <a:pPr algn="just" fontAlgn="base">
-              <a:buFont typeface="+mj-lt"/>
-              <a:buAutoNum type="arabicPeriod"/>
-            </a:pPr>
-            <a:r>
-              <a:rPr lang="en-US" sz="1600" b="0" i="0" dirty="0">
-                <a:solidFill>
-                  <a:srgbClr val="273239"/>
-                </a:solidFill>
-                <a:effectLst/>
-                <a:latin typeface="Calibri"/>
-                <a:cs typeface="Calibri"/>
-              </a:rPr>
-              <a:t>Command is used to update the column value in the table.</a:t>
-            </a:r>
-          </a:p>
-          <a:p>
-            <a:pPr algn="just" fontAlgn="base">
-              <a:buFont typeface="+mj-lt"/>
-              <a:buAutoNum type="arabicPeriod"/>
-            </a:pPr>
-            <a:r>
-              <a:rPr lang="en-US" sz="1600" b="1" i="0" dirty="0">
-                <a:solidFill>
-                  <a:srgbClr val="273239"/>
-                </a:solidFill>
-                <a:effectLst/>
-                <a:latin typeface="Calibri"/>
-                <a:cs typeface="Calibri"/>
-              </a:rPr>
-              <a:t>WHERE: </a:t>
-            </a:r>
-            <a:r>
-              <a:rPr lang="en-US" sz="1600" b="0" i="0" dirty="0">
-                <a:solidFill>
-                  <a:srgbClr val="273239"/>
-                </a:solidFill>
-                <a:effectLst/>
-                <a:latin typeface="Calibri"/>
-                <a:cs typeface="Calibri"/>
-              </a:rPr>
-              <a:t>Specifies the condition which we want to implement on the table</a:t>
-            </a:r>
-          </a:p>
-          <a:p>
-            <a:pPr marL="0" indent="0" algn="just" fontAlgn="base">
-              <a:buNone/>
-            </a:pPr>
-            <a:endParaRPr lang="en-US" sz="1100" b="1" i="0" dirty="0">
-              <a:solidFill>
-                <a:srgbClr val="273239"/>
-              </a:solidFill>
-              <a:effectLst/>
-              <a:latin typeface="Nunito" pitchFamily="2" charset="0"/>
-            </a:endParaRPr>
-          </a:p>
-          <a:p>
-            <a:endParaRPr lang="en-IN" sz="1600" b="1" i="0" dirty="0">
-              <a:solidFill>
-                <a:srgbClr val="273239"/>
-              </a:solidFill>
-              <a:effectLst/>
-              <a:latin typeface="Nunito" pitchFamily="2" charset="0"/>
+              <a:latin typeface="Arial" panose="020B0604020202020204" pitchFamily="34" charset="0"/>
             </a:endParaRPr>
           </a:p>
         </p:txBody>
@@ -8008,7 +8073,7 @@
     </p:spTree>
     <p:extLst>
       <p:ext uri="{BB962C8B-B14F-4D97-AF65-F5344CB8AC3E}">
-        <p14:creationId xmlns:p14="http://schemas.microsoft.com/office/powerpoint/2010/main" val="179763796"/>
+        <p14:creationId xmlns:p14="http://schemas.microsoft.com/office/powerpoint/2010/main" val="2257078163"/>
       </p:ext>
     </p:extLst>
   </p:cSld>
@@ -8049,8 +8114,8 @@
         </p:nvSpPr>
         <p:spPr>
           <a:xfrm>
-            <a:off x="838200" y="887525"/>
-            <a:ext cx="6758709" cy="584775"/>
+            <a:off x="835104" y="151437"/>
+            <a:ext cx="9656989" cy="1569660"/>
           </a:xfrm>
           <a:prstGeom prst="rect">
             <a:avLst/>
@@ -8072,18 +8137,28 @@
                 <a:effectLst/>
                 <a:latin typeface="Source Sans 3"/>
               </a:rPr>
-              <a:t>SQL | UPDATE Statement </a:t>
-            </a:r>
-            <a:r>
-              <a:rPr lang="en-IN" b="1" i="0" dirty="0">
-                <a:solidFill>
-                  <a:srgbClr val="273239"/>
-                </a:solidFill>
-                <a:effectLst/>
-                <a:latin typeface="Source Sans 3"/>
-              </a:rPr>
-              <a:t>Cont..</a:t>
-            </a:r>
+              <a:t>EXISTS Operator</a:t>
+            </a:r>
+          </a:p>
+          <a:p>
+            <a:pPr fontAlgn="base"/>
+            <a:endParaRPr lang="en-IN" sz="3200" b="1" i="0" dirty="0">
+              <a:solidFill>
+                <a:srgbClr val="273239"/>
+              </a:solidFill>
+              <a:effectLst/>
+              <a:latin typeface="Source Sans 3"/>
+            </a:endParaRPr>
+          </a:p>
+          <a:p>
+            <a:pPr algn="l" fontAlgn="base"/>
+            <a:endParaRPr lang="en-IN" sz="3200" b="1" i="0" dirty="0">
+              <a:solidFill>
+                <a:srgbClr val="273239"/>
+              </a:solidFill>
+              <a:effectLst/>
+              <a:latin typeface="Source Sans 3"/>
+            </a:endParaRPr>
           </a:p>
         </p:txBody>
       </p:sp>
@@ -8103,371 +8178,690 @@
             <p:ph idx="1"/>
           </p:nvPr>
         </p:nvSpPr>
-        <p:spPr/>
+        <p:spPr>
+          <a:xfrm>
+            <a:off x="838200" y="931103"/>
+            <a:ext cx="10515600" cy="5698642"/>
+          </a:xfrm>
+        </p:spPr>
         <p:txBody>
           <a:bodyPr vert="horz" lIns="91440" tIns="45720" rIns="91440" bIns="45720" rtlCol="0" anchor="t">
             <a:normAutofit fontScale="85000" lnSpcReduction="20000"/>
           </a:bodyPr>
           <a:lstStyle/>
           <a:p>
-            <a:pPr algn="just" fontAlgn="base">
-              <a:buFont typeface="+mj-lt"/>
-              <a:buAutoNum type="arabicPeriod"/>
+            <a:pPr algn="l" fontAlgn="base"/>
+            <a:r>
+              <a:rPr lang="en-US" sz="1800" b="0" i="0" dirty="0">
+                <a:solidFill>
+                  <a:srgbClr val="273239"/>
+                </a:solidFill>
+                <a:effectLst/>
+                <a:latin typeface="Calibri"/>
+                <a:cs typeface="Calibri"/>
+              </a:rPr>
+              <a:t>In </a:t>
+            </a:r>
+            <a:r>
+              <a:rPr lang="en-US" sz="1800" b="0" i="0" u="sng" dirty="0">
+                <a:effectLst/>
+                <a:latin typeface="Calibri"/>
+                <a:cs typeface="Calibri"/>
+                <a:hlinkClick r:id="rId2"/>
+              </a:rPr>
+              <a:t>PostgreSQL</a:t>
+            </a:r>
+            <a:r>
+              <a:rPr lang="en-US" sz="1800" b="0" i="0" dirty="0">
+                <a:solidFill>
+                  <a:srgbClr val="273239"/>
+                </a:solidFill>
+                <a:effectLst/>
+                <a:latin typeface="Calibri"/>
+                <a:cs typeface="Calibri"/>
+              </a:rPr>
+              <a:t>, the EXISTS operator is used to test for the existence of rows in a </a:t>
+            </a:r>
+            <a:r>
+              <a:rPr lang="en-US" sz="1800" b="0" i="0" dirty="0" err="1">
+                <a:solidFill>
+                  <a:srgbClr val="273239"/>
+                </a:solidFill>
+                <a:effectLst/>
+                <a:latin typeface="Calibri"/>
+                <a:cs typeface="Calibri"/>
+              </a:rPr>
+              <a:t>subquery.It</a:t>
+            </a:r>
+            <a:r>
+              <a:rPr lang="en-US" sz="1800" b="0" i="0" dirty="0">
+                <a:solidFill>
+                  <a:srgbClr val="273239"/>
+                </a:solidFill>
+                <a:effectLst/>
+                <a:latin typeface="Calibri"/>
+                <a:cs typeface="Calibri"/>
+              </a:rPr>
+              <a:t> is generally used with correlated subqueries. If the subquery returns at least one row, the result of EXISTS is true. In case the subquery returns no row, the result is of EXISTS is false.</a:t>
+            </a:r>
+          </a:p>
+          <a:p>
+            <a:pPr algn="l" fontAlgn="base"/>
+            <a:endParaRPr lang="en-US" sz="1800" dirty="0">
+              <a:solidFill>
+                <a:srgbClr val="273239"/>
+              </a:solidFill>
+              <a:latin typeface="Calibri"/>
+              <a:cs typeface="Calibri"/>
+            </a:endParaRPr>
+          </a:p>
+          <a:p>
+            <a:pPr algn="l" fontAlgn="base"/>
+            <a:r>
+              <a:rPr lang="en-US" sz="1800" b="0" i="0" dirty="0">
+                <a:solidFill>
+                  <a:srgbClr val="273239"/>
+                </a:solidFill>
+                <a:effectLst/>
+                <a:latin typeface="Calibri"/>
+                <a:cs typeface="Calibri"/>
+              </a:rPr>
+              <a:t>Syntax: EXISTS (subquery)</a:t>
+            </a:r>
+          </a:p>
+          <a:p>
+            <a:pPr algn="l" fontAlgn="base"/>
+            <a:r>
+              <a:rPr lang="en-US" sz="1800" b="1" i="0" dirty="0">
+                <a:solidFill>
+                  <a:srgbClr val="273239"/>
+                </a:solidFill>
+                <a:effectLst/>
+                <a:latin typeface="Calibri"/>
+                <a:cs typeface="Calibri"/>
+              </a:rPr>
+              <a:t>Example 1:</a:t>
+            </a:r>
+            <a:r>
+              <a:rPr lang="en-US" sz="1800" b="0" i="0" dirty="0">
+                <a:solidFill>
+                  <a:srgbClr val="273239"/>
+                </a:solidFill>
+                <a:effectLst/>
+                <a:latin typeface="Calibri"/>
+                <a:cs typeface="Calibri"/>
+              </a:rPr>
+              <a:t> Here we will query for customers who have at least one payment whose amount is greater than 9 USD using the “customer” and “payment” tables of our sample database.</a:t>
+            </a:r>
+            <a:endParaRPr lang="en-US" sz="1800" dirty="0">
+              <a:solidFill>
+                <a:srgbClr val="273239"/>
+              </a:solidFill>
+              <a:latin typeface="Calibri"/>
+              <a:cs typeface="Calibri"/>
+            </a:endParaRPr>
+          </a:p>
+          <a:p>
+            <a:pPr marL="0" indent="0" algn="l" fontAlgn="base">
+              <a:buNone/>
             </a:pPr>
-            <a:endParaRPr lang="en-US" sz="1100" b="1" i="0" dirty="0">
+            <a:endParaRPr lang="en-US" sz="1800" b="0" i="0" dirty="0">
               <a:solidFill>
                 <a:srgbClr val="273239"/>
               </a:solidFill>
               <a:effectLst/>
-              <a:latin typeface="Nunito" pitchFamily="2" charset="0"/>
+              <a:latin typeface="Calibri"/>
+              <a:cs typeface="Calibri"/>
             </a:endParaRPr>
           </a:p>
           <a:p>
-            <a:pPr algn="just" fontAlgn="base"/>
-            <a:r>
-              <a:rPr lang="en-IN" sz="1600" b="1" i="0" dirty="0">
-                <a:solidFill>
-                  <a:srgbClr val="273239"/>
-                </a:solidFill>
-                <a:effectLst/>
-                <a:latin typeface="Nunito"/>
-              </a:rPr>
-              <a:t>Update Single Column</a:t>
-            </a:r>
-          </a:p>
-          <a:p>
-            <a:pPr marL="0" indent="0" algn="just" fontAlgn="base">
+            <a:pPr marL="0" indent="0" fontAlgn="base">
               <a:buNone/>
             </a:pPr>
             <a:r>
-              <a:rPr lang="en-IN" sz="1600" b="1" dirty="0">
-                <a:solidFill>
-                  <a:srgbClr val="273239"/>
-                </a:solidFill>
-                <a:latin typeface="Nunito"/>
-              </a:rPr>
-              <a:t>Query</a:t>
-            </a:r>
-            <a:endParaRPr lang="en-US" sz="1600" b="1" dirty="0">
-              <a:solidFill>
-                <a:srgbClr val="273239"/>
-              </a:solidFill>
-              <a:latin typeface="Nunito"/>
-            </a:endParaRPr>
-          </a:p>
-          <a:p>
-            <a:pPr marL="0" indent="0" algn="just" fontAlgn="base">
-              <a:buNone/>
-            </a:pPr>
-            <a:r>
-              <a:rPr lang="en-US" sz="1600" i="0" dirty="0">
-                <a:solidFill>
-                  <a:srgbClr val="273239"/>
-                </a:solidFill>
-                <a:effectLst/>
-                <a:latin typeface="Nunito"/>
-              </a:rPr>
-              <a:t>UPDATE Customer SET </a:t>
-            </a:r>
-            <a:r>
-              <a:rPr lang="en-US" sz="1600" i="0" err="1">
-                <a:solidFill>
-                  <a:srgbClr val="273239"/>
-                </a:solidFill>
-                <a:effectLst/>
-                <a:latin typeface="Nunito"/>
-              </a:rPr>
-              <a:t>CustomerName</a:t>
-            </a:r>
-            <a:r>
-              <a:rPr lang="en-US" sz="1600" dirty="0">
-                <a:solidFill>
-                  <a:srgbClr val="273239"/>
-                </a:solidFill>
-                <a:latin typeface="Nunito"/>
+              <a:rPr lang="en-US" sz="1800" b="0" i="0" dirty="0">
+                <a:solidFill>
+                  <a:srgbClr val="273239"/>
+                </a:solidFill>
+                <a:effectLst/>
+                <a:latin typeface="Calibri"/>
+                <a:cs typeface="Calibri"/>
+              </a:rPr>
+              <a:t>SELECT </a:t>
+            </a:r>
+            <a:r>
+              <a:rPr lang="en-US" sz="1800" b="0" i="0" dirty="0" err="1">
+                <a:solidFill>
+                  <a:srgbClr val="273239"/>
+                </a:solidFill>
+                <a:effectLst/>
+                <a:latin typeface="Calibri"/>
+                <a:cs typeface="Calibri"/>
+              </a:rPr>
+              <a:t>first_name</a:t>
+            </a:r>
+            <a:r>
+              <a:rPr lang="en-US" sz="1800" b="0" i="0" dirty="0">
+                <a:solidFill>
+                  <a:srgbClr val="273239"/>
+                </a:solidFill>
+                <a:effectLst/>
+                <a:latin typeface="Calibri"/>
+                <a:cs typeface="Calibri"/>
+              </a:rPr>
+              <a:t>,</a:t>
+            </a:r>
+            <a:r>
+              <a:rPr lang="en-US" sz="1800" dirty="0">
+                <a:solidFill>
+                  <a:srgbClr val="273239"/>
+                </a:solidFill>
+                <a:latin typeface="Calibri"/>
+                <a:cs typeface="Calibri"/>
+              </a:rPr>
+              <a:t>  </a:t>
+            </a:r>
+            <a:r>
+              <a:rPr lang="en-US" sz="1800" b="0" i="0" dirty="0">
+                <a:solidFill>
+                  <a:srgbClr val="273239"/>
+                </a:solidFill>
+                <a:effectLst/>
+                <a:latin typeface="Calibri"/>
+                <a:cs typeface="Calibri"/>
+              </a:rPr>
+              <a:t> </a:t>
+            </a:r>
+            <a:r>
+              <a:rPr lang="en-US" sz="1800" b="0" i="0" dirty="0" err="1">
+                <a:solidFill>
+                  <a:srgbClr val="273239"/>
+                </a:solidFill>
+                <a:effectLst/>
+                <a:latin typeface="Calibri"/>
+                <a:cs typeface="Calibri"/>
+              </a:rPr>
+              <a:t>last_nameFROM</a:t>
+            </a:r>
+            <a:r>
+              <a:rPr lang="en-US" sz="1800" b="0" i="0" dirty="0">
+                <a:solidFill>
+                  <a:srgbClr val="273239"/>
+                </a:solidFill>
+                <a:effectLst/>
+                <a:latin typeface="Calibri"/>
+                <a:cs typeface="Calibri"/>
+              </a:rPr>
+              <a:t> customer c WHERE EXISTS</a:t>
+            </a:r>
+            <a:r>
+              <a:rPr lang="en-US" sz="1800" dirty="0">
+                <a:solidFill>
+                  <a:srgbClr val="273239"/>
+                </a:solidFill>
+                <a:latin typeface="Calibri"/>
+                <a:cs typeface="Calibri"/>
               </a:rPr>
               <a:t> </a:t>
             </a:r>
-            <a:r>
-              <a:rPr lang="en-US" sz="1600" i="0" dirty="0">
-                <a:solidFill>
-                  <a:srgbClr val="273239"/>
-                </a:solidFill>
-                <a:effectLst/>
-                <a:latin typeface="Nunito"/>
-              </a:rPr>
-              <a:t> = 'Nitin' WHERE Age = 22;</a:t>
-            </a:r>
-          </a:p>
-          <a:p>
-            <a:pPr marL="0" indent="0" algn="just" fontAlgn="base">
-              <a:buNone/>
-            </a:pPr>
-            <a:endParaRPr lang="en-US" sz="1600" b="1" dirty="0">
-              <a:solidFill>
-                <a:srgbClr val="273239"/>
-              </a:solidFill>
-              <a:latin typeface="Nunito" pitchFamily="2" charset="0"/>
-            </a:endParaRPr>
-          </a:p>
-          <a:p>
-            <a:pPr algn="just" fontAlgn="base"/>
-            <a:r>
-              <a:rPr lang="en-US" sz="1600" b="1" i="0" dirty="0">
-                <a:solidFill>
-                  <a:srgbClr val="273239"/>
-                </a:solidFill>
-                <a:effectLst/>
-                <a:latin typeface="Nunito"/>
-              </a:rPr>
-              <a:t>Updating Multiple Columns</a:t>
-            </a:r>
-          </a:p>
-          <a:p>
-            <a:pPr marL="0" indent="0" algn="just" fontAlgn="base">
-              <a:buNone/>
-            </a:pPr>
-            <a:r>
-              <a:rPr lang="en-IN" sz="1600" b="1" i="0" dirty="0">
-                <a:solidFill>
-                  <a:srgbClr val="273239"/>
-                </a:solidFill>
-                <a:effectLst/>
-                <a:latin typeface="Nunito"/>
-              </a:rPr>
-              <a:t>Query</a:t>
-            </a:r>
-            <a:endParaRPr lang="en-US" sz="1600" b="1" dirty="0">
-              <a:solidFill>
-                <a:srgbClr val="273239"/>
-              </a:solidFill>
-              <a:latin typeface="Nunito"/>
-            </a:endParaRPr>
-          </a:p>
-          <a:p>
-            <a:pPr marL="0" indent="0" algn="just" fontAlgn="base">
-              <a:buNone/>
-            </a:pPr>
-            <a:r>
-              <a:rPr lang="en-US" sz="1600" b="1" i="0" dirty="0">
-                <a:solidFill>
-                  <a:srgbClr val="273239"/>
-                </a:solidFill>
-                <a:effectLst/>
-                <a:latin typeface="Nunito"/>
-              </a:rPr>
-              <a:t>Update the columns NAME to ‘Satyam’ and Country to ‘USA’ where </a:t>
-            </a:r>
-            <a:r>
-              <a:rPr lang="en-US" sz="1600" b="1" i="0" err="1">
-                <a:solidFill>
-                  <a:srgbClr val="273239"/>
-                </a:solidFill>
-                <a:effectLst/>
-                <a:latin typeface="Nunito"/>
-              </a:rPr>
-              <a:t>CustomerID</a:t>
-            </a:r>
-            <a:r>
-              <a:rPr lang="en-US" sz="1600" b="1" i="0" dirty="0">
-                <a:solidFill>
-                  <a:srgbClr val="273239"/>
-                </a:solidFill>
-                <a:effectLst/>
-                <a:latin typeface="Nunito"/>
-              </a:rPr>
-              <a:t> is 1.</a:t>
-            </a:r>
-          </a:p>
-          <a:p>
-            <a:pPr algn="just" fontAlgn="base"/>
-            <a:r>
-              <a:rPr lang="en-IN" sz="1600" b="1" dirty="0">
-                <a:solidFill>
-                  <a:srgbClr val="273239"/>
-                </a:solidFill>
-                <a:latin typeface="Nunito"/>
-              </a:rPr>
-              <a:t>Updating Multiple Columns</a:t>
-            </a:r>
-          </a:p>
-          <a:p>
-            <a:pPr marL="0" indent="0" algn="just" fontAlgn="base">
-              <a:buNone/>
-            </a:pPr>
-            <a:r>
-              <a:rPr lang="en-IN" sz="1600" b="1" dirty="0">
-                <a:solidFill>
-                  <a:srgbClr val="273239"/>
-                </a:solidFill>
-                <a:latin typeface="Nunito"/>
-              </a:rPr>
-              <a:t>Query</a:t>
-            </a:r>
-            <a:endParaRPr lang="en-US" sz="1600" b="1" dirty="0">
-              <a:solidFill>
-                <a:srgbClr val="273239"/>
-              </a:solidFill>
-              <a:latin typeface="Nunito"/>
-            </a:endParaRPr>
-          </a:p>
-          <a:p>
-            <a:pPr marL="0" indent="0">
-              <a:buNone/>
-            </a:pPr>
-            <a:endParaRPr lang="en-IN" sz="1600" b="1" i="0" dirty="0">
+            <a:endParaRPr lang="en-US" sz="1800" b="0" i="0" dirty="0">
               <a:solidFill>
                 <a:srgbClr val="273239"/>
               </a:solidFill>
               <a:effectLst/>
-              <a:latin typeface="Nunito" pitchFamily="2" charset="0"/>
+              <a:latin typeface="Calibri"/>
+              <a:cs typeface="Calibri"/>
             </a:endParaRPr>
           </a:p>
           <a:p>
-            <a:pPr marL="0" indent="0">
+            <a:pPr marL="0" indent="0" fontAlgn="base">
               <a:buNone/>
             </a:pPr>
             <a:r>
-              <a:rPr lang="en-US" sz="1600" b="1" dirty="0">
-                <a:solidFill>
-                  <a:srgbClr val="273239"/>
-                </a:solidFill>
-                <a:latin typeface="Nunito"/>
-              </a:rPr>
-              <a:t>UPDATE Customer SET </a:t>
-            </a:r>
-            <a:r>
-              <a:rPr lang="en-US" sz="1600" b="1" err="1">
-                <a:solidFill>
-                  <a:srgbClr val="273239"/>
-                </a:solidFill>
-                <a:latin typeface="Nunito"/>
-              </a:rPr>
-              <a:t>CustomerName</a:t>
-            </a:r>
-            <a:r>
-              <a:rPr lang="en-US" sz="1600" b="1" dirty="0">
-                <a:solidFill>
-                  <a:srgbClr val="273239"/>
-                </a:solidFill>
-                <a:latin typeface="Nunito"/>
-              </a:rPr>
-              <a:t> = 'Satyam', Country = 'USA' WHERE </a:t>
-            </a:r>
-            <a:r>
-              <a:rPr lang="en-US" sz="1600" b="1" err="1">
-                <a:solidFill>
-                  <a:srgbClr val="273239"/>
-                </a:solidFill>
-                <a:latin typeface="Nunito"/>
-              </a:rPr>
-              <a:t>CustomerID</a:t>
-            </a:r>
-            <a:r>
-              <a:rPr lang="en-US" sz="1600" b="1" dirty="0">
-                <a:solidFill>
-                  <a:srgbClr val="273239"/>
-                </a:solidFill>
-                <a:latin typeface="Nunito"/>
-              </a:rPr>
-              <a:t> = 1;</a:t>
-            </a:r>
-          </a:p>
-          <a:p>
-            <a:pPr algn="just" fontAlgn="base"/>
-            <a:r>
-              <a:rPr lang="en-US" sz="1600" b="1" dirty="0">
-                <a:solidFill>
-                  <a:srgbClr val="273239"/>
-                </a:solidFill>
-                <a:latin typeface="Nunito"/>
-              </a:rPr>
-              <a:t>Omitting WHERE Clause</a:t>
-            </a:r>
-          </a:p>
-          <a:p>
-            <a:pPr marL="0" indent="0">
+              <a:rPr lang="en-US" sz="1800" dirty="0">
+                <a:solidFill>
+                  <a:srgbClr val="273239"/>
+                </a:solidFill>
+                <a:latin typeface="Calibri"/>
+                <a:cs typeface="Calibri"/>
+              </a:rPr>
+              <a:t>   </a:t>
+            </a:r>
+            <a:r>
+              <a:rPr lang="en-US" sz="1800" b="0" i="0" dirty="0">
+                <a:solidFill>
+                  <a:srgbClr val="273239"/>
+                </a:solidFill>
+                <a:effectLst/>
+                <a:latin typeface="Calibri"/>
+                <a:cs typeface="Calibri"/>
+              </a:rPr>
+              <a:t> (SELECT 1</a:t>
+            </a:r>
+            <a:r>
+              <a:rPr lang="en-US" sz="1800" dirty="0">
+                <a:solidFill>
+                  <a:srgbClr val="273239"/>
+                </a:solidFill>
+                <a:latin typeface="Calibri"/>
+                <a:cs typeface="Calibri"/>
+              </a:rPr>
+              <a:t>     </a:t>
+            </a:r>
+            <a:r>
+              <a:rPr lang="en-US" sz="1800" b="0" i="0" dirty="0">
+                <a:solidFill>
+                  <a:srgbClr val="273239"/>
+                </a:solidFill>
+                <a:effectLst/>
+                <a:latin typeface="Calibri"/>
+                <a:cs typeface="Calibri"/>
+              </a:rPr>
+              <a:t> FROM payment p</a:t>
+            </a:r>
+            <a:r>
+              <a:rPr lang="en-US" sz="1800" dirty="0">
+                <a:solidFill>
+                  <a:srgbClr val="273239"/>
+                </a:solidFill>
+                <a:latin typeface="Calibri"/>
+                <a:cs typeface="Calibri"/>
+              </a:rPr>
+              <a:t>     </a:t>
+            </a:r>
+            <a:r>
+              <a:rPr lang="en-US" sz="1800" b="0" i="0" dirty="0">
+                <a:solidFill>
+                  <a:srgbClr val="273239"/>
+                </a:solidFill>
+                <a:effectLst/>
+                <a:latin typeface="Calibri"/>
+                <a:cs typeface="Calibri"/>
+              </a:rPr>
+              <a:t> WHERE </a:t>
+            </a:r>
+            <a:r>
+              <a:rPr lang="en-US" sz="1800" b="0" i="0" dirty="0" err="1">
+                <a:solidFill>
+                  <a:srgbClr val="273239"/>
+                </a:solidFill>
+                <a:effectLst/>
+                <a:latin typeface="Calibri"/>
+                <a:cs typeface="Calibri"/>
+              </a:rPr>
+              <a:t>p.customer_id</a:t>
+            </a:r>
+            <a:r>
+              <a:rPr lang="en-US" sz="1800" b="0" i="0" dirty="0">
+                <a:solidFill>
+                  <a:srgbClr val="273239"/>
+                </a:solidFill>
+                <a:effectLst/>
+                <a:latin typeface="Calibri"/>
+                <a:cs typeface="Calibri"/>
+              </a:rPr>
+              <a:t> = </a:t>
+            </a:r>
+            <a:r>
+              <a:rPr lang="en-US" sz="1800" b="0" i="0" dirty="0" err="1">
+                <a:solidFill>
+                  <a:srgbClr val="273239"/>
+                </a:solidFill>
+                <a:effectLst/>
+                <a:latin typeface="Calibri"/>
+                <a:cs typeface="Calibri"/>
+              </a:rPr>
+              <a:t>c.customer_id</a:t>
+            </a:r>
+            <a:r>
+              <a:rPr lang="en-US" sz="1800" dirty="0">
+                <a:solidFill>
+                  <a:srgbClr val="273239"/>
+                </a:solidFill>
+                <a:latin typeface="Calibri"/>
+                <a:cs typeface="Calibri"/>
+              </a:rPr>
+              <a:t>       </a:t>
+            </a:r>
+            <a:r>
+              <a:rPr lang="en-US" sz="1800" b="0" i="0" dirty="0">
+                <a:solidFill>
+                  <a:srgbClr val="273239"/>
+                </a:solidFill>
+                <a:effectLst/>
+                <a:latin typeface="Calibri"/>
+                <a:cs typeface="Calibri"/>
+              </a:rPr>
+              <a:t> AND amount &gt; 9 ) ORDER BY </a:t>
+            </a:r>
+            <a:r>
+              <a:rPr lang="en-US" sz="1800" b="0" i="0" dirty="0" err="1">
+                <a:solidFill>
+                  <a:srgbClr val="273239"/>
+                </a:solidFill>
+                <a:effectLst/>
+                <a:latin typeface="Calibri"/>
+                <a:cs typeface="Calibri"/>
+              </a:rPr>
+              <a:t>first_name</a:t>
+            </a:r>
+            <a:r>
+              <a:rPr lang="en-US" sz="1800" b="0" i="0" dirty="0">
+                <a:solidFill>
+                  <a:srgbClr val="273239"/>
+                </a:solidFill>
+                <a:effectLst/>
+                <a:latin typeface="Calibri"/>
+                <a:cs typeface="Calibri"/>
+              </a:rPr>
+              <a:t>,</a:t>
+            </a:r>
+            <a:r>
+              <a:rPr lang="en-US" sz="1800" dirty="0">
+                <a:solidFill>
+                  <a:srgbClr val="273239"/>
+                </a:solidFill>
+                <a:latin typeface="Calibri"/>
+                <a:cs typeface="Calibri"/>
+              </a:rPr>
+              <a:t>         </a:t>
+            </a:r>
+            <a:r>
+              <a:rPr lang="en-US" sz="1800" b="0" i="0" dirty="0">
+                <a:solidFill>
+                  <a:srgbClr val="273239"/>
+                </a:solidFill>
+                <a:effectLst/>
+                <a:latin typeface="Calibri"/>
+                <a:cs typeface="Calibri"/>
+              </a:rPr>
+              <a:t> </a:t>
+            </a:r>
+            <a:r>
+              <a:rPr lang="en-US" sz="1800" b="0" i="0" dirty="0" err="1">
+                <a:solidFill>
+                  <a:srgbClr val="273239"/>
+                </a:solidFill>
+                <a:effectLst/>
+                <a:latin typeface="Calibri"/>
+                <a:cs typeface="Calibri"/>
+              </a:rPr>
+              <a:t>last_name</a:t>
+            </a:r>
+            <a:r>
+              <a:rPr lang="en-US" sz="1800" b="0" i="0" dirty="0">
+                <a:solidFill>
+                  <a:srgbClr val="273239"/>
+                </a:solidFill>
+                <a:effectLst/>
+                <a:latin typeface="Calibri"/>
+                <a:cs typeface="Calibri"/>
+              </a:rPr>
+              <a:t>;</a:t>
+            </a:r>
+          </a:p>
+          <a:p>
+            <a:pPr marL="0" indent="0" algn="l" fontAlgn="base">
               <a:buNone/>
             </a:pPr>
-            <a:r>
-              <a:rPr lang="en-US" sz="1600" b="1" i="0" dirty="0">
-                <a:solidFill>
-                  <a:srgbClr val="273239"/>
-                </a:solidFill>
-                <a:effectLst/>
-                <a:latin typeface="Nunito"/>
-              </a:rPr>
-              <a:t>If we omit the WHERE clause from the update query then all of the rows will get updated.</a:t>
-            </a:r>
-          </a:p>
-          <a:p>
-            <a:pPr marL="0" indent="0" algn="just" fontAlgn="base">
-              <a:buNone/>
-            </a:pPr>
-            <a:r>
-              <a:rPr lang="en-IN" sz="1600" b="1" dirty="0">
-                <a:solidFill>
-                  <a:srgbClr val="273239"/>
-                </a:solidFill>
-                <a:latin typeface="Nunito"/>
-              </a:rPr>
-              <a:t>Query</a:t>
-            </a:r>
-            <a:endParaRPr lang="en-US" sz="1600" b="1" dirty="0">
+            <a:endParaRPr lang="en-US" sz="1800" dirty="0">
               <a:solidFill>
                 <a:srgbClr val="273239"/>
               </a:solidFill>
-              <a:latin typeface="Nunito"/>
+              <a:latin typeface="Calibri"/>
+              <a:cs typeface="Calibri"/>
             </a:endParaRPr>
           </a:p>
           <a:p>
-            <a:pPr marL="0" indent="0">
+            <a:pPr marL="0" indent="0" algn="l" fontAlgn="base">
               <a:buNone/>
             </a:pPr>
             <a:r>
-              <a:rPr lang="en-US" sz="1600" b="1" i="0" dirty="0">
-                <a:solidFill>
-                  <a:srgbClr val="273239"/>
-                </a:solidFill>
-                <a:effectLst/>
-                <a:latin typeface="Nunito" pitchFamily="2" charset="0"/>
-              </a:rPr>
-              <a:t>UPDATE Customer SET </a:t>
-            </a:r>
-            <a:r>
-              <a:rPr lang="en-US" sz="1600" b="1" i="0" dirty="0" err="1">
-                <a:solidFill>
-                  <a:srgbClr val="273239"/>
-                </a:solidFill>
-                <a:effectLst/>
-                <a:latin typeface="Nunito" pitchFamily="2" charset="0"/>
-              </a:rPr>
-              <a:t>CustomerName</a:t>
-            </a:r>
-            <a:r>
-              <a:rPr lang="en-US" sz="1600" b="1" i="0" dirty="0">
-                <a:solidFill>
-                  <a:srgbClr val="273239"/>
-                </a:solidFill>
-                <a:effectLst/>
-                <a:latin typeface="Nunito" pitchFamily="2" charset="0"/>
-              </a:rPr>
-              <a:t> = 'Shubham'</a:t>
-            </a:r>
-            <a:endParaRPr lang="en-IN" sz="1600" b="1" i="0" dirty="0">
+              <a:rPr lang="en-US" sz="1800" b="1" i="0" dirty="0">
+                <a:solidFill>
+                  <a:srgbClr val="273239"/>
+                </a:solidFill>
+                <a:effectLst/>
+                <a:latin typeface="Calibri"/>
+                <a:cs typeface="Calibri"/>
+              </a:rPr>
+              <a:t>Example 2:</a:t>
+            </a:r>
+            <a:r>
+              <a:rPr lang="en-US" sz="1800" b="0" i="0" dirty="0">
+                <a:solidFill>
+                  <a:srgbClr val="273239"/>
+                </a:solidFill>
+                <a:effectLst/>
+                <a:latin typeface="Calibri"/>
+                <a:cs typeface="Calibri"/>
+              </a:rPr>
+              <a:t> Here we will query for films that are not available in the inventory using the “film” and “inventory” tables of our sample database</a:t>
+            </a:r>
+          </a:p>
+          <a:p>
+            <a:pPr marL="0" indent="0" algn="l" fontAlgn="base">
+              <a:buNone/>
+            </a:pPr>
+            <a:endParaRPr lang="en-US" sz="1800" dirty="0">
+              <a:solidFill>
+                <a:srgbClr val="273239"/>
+              </a:solidFill>
+              <a:latin typeface="Calibri"/>
+              <a:cs typeface="Calibri"/>
+            </a:endParaRPr>
+          </a:p>
+          <a:p>
+            <a:pPr marL="0" indent="0" algn="l" fontAlgn="base">
+              <a:buNone/>
+            </a:pPr>
+            <a:r>
+              <a:rPr lang="en-US" sz="1800" b="0" i="0" dirty="0">
+                <a:solidFill>
+                  <a:srgbClr val="273239"/>
+                </a:solidFill>
+                <a:effectLst/>
+                <a:latin typeface="Calibri"/>
+                <a:cs typeface="Calibri"/>
+              </a:rPr>
+              <a:t>SELECT title</a:t>
+            </a:r>
+          </a:p>
+          <a:p>
+            <a:pPr marL="0" indent="0" algn="l" fontAlgn="base">
+              <a:buNone/>
+            </a:pPr>
+            <a:r>
+              <a:rPr lang="en-US" sz="1800" b="0" i="0" dirty="0">
+                <a:solidFill>
+                  <a:srgbClr val="273239"/>
+                </a:solidFill>
+                <a:effectLst/>
+                <a:latin typeface="Calibri"/>
+                <a:cs typeface="Calibri"/>
+              </a:rPr>
+              <a:t>FROM film f</a:t>
+            </a:r>
+          </a:p>
+          <a:p>
+            <a:pPr marL="0" indent="0" algn="l" fontAlgn="base">
+              <a:buNone/>
+            </a:pPr>
+            <a:r>
+              <a:rPr lang="en-US" sz="1800" b="0" i="0" dirty="0">
+                <a:solidFill>
+                  <a:srgbClr val="273239"/>
+                </a:solidFill>
+                <a:effectLst/>
+                <a:latin typeface="Calibri"/>
+                <a:cs typeface="Calibri"/>
+              </a:rPr>
+              <a:t>WHERE NOT EXISTS</a:t>
+            </a:r>
+          </a:p>
+          <a:p>
+            <a:pPr marL="0" indent="0" fontAlgn="base">
+              <a:buNone/>
+            </a:pPr>
+            <a:r>
+              <a:rPr lang="en-US" sz="1800" dirty="0">
+                <a:solidFill>
+                  <a:srgbClr val="273239"/>
+                </a:solidFill>
+                <a:latin typeface="Calibri"/>
+                <a:cs typeface="Calibri"/>
+              </a:rPr>
+              <a:t>   </a:t>
+            </a:r>
+            <a:r>
+              <a:rPr lang="en-US" sz="1800" b="0" i="0" dirty="0">
+                <a:solidFill>
+                  <a:srgbClr val="273239"/>
+                </a:solidFill>
+                <a:effectLst/>
+                <a:latin typeface="Calibri"/>
+                <a:cs typeface="Calibri"/>
+              </a:rPr>
+              <a:t> (SELECT 1</a:t>
+            </a:r>
+          </a:p>
+          <a:p>
+            <a:pPr marL="0" indent="0" fontAlgn="base">
+              <a:buNone/>
+            </a:pPr>
+            <a:r>
+              <a:rPr lang="en-US" sz="1800" dirty="0">
+                <a:solidFill>
+                  <a:srgbClr val="273239"/>
+                </a:solidFill>
+                <a:latin typeface="Calibri"/>
+                <a:cs typeface="Calibri"/>
+              </a:rPr>
+              <a:t>    </a:t>
+            </a:r>
+            <a:r>
+              <a:rPr lang="en-US" sz="1800" b="0" i="0" dirty="0">
+                <a:solidFill>
+                  <a:srgbClr val="273239"/>
+                </a:solidFill>
+                <a:effectLst/>
+                <a:latin typeface="Calibri"/>
+                <a:cs typeface="Calibri"/>
+              </a:rPr>
+              <a:t> FROM inventory </a:t>
+            </a:r>
+            <a:r>
+              <a:rPr lang="en-US" sz="1800" b="0" i="0" dirty="0" err="1">
+                <a:solidFill>
+                  <a:srgbClr val="273239"/>
+                </a:solidFill>
+                <a:effectLst/>
+                <a:latin typeface="Calibri"/>
+                <a:cs typeface="Calibri"/>
+              </a:rPr>
+              <a:t>i</a:t>
+            </a:r>
+            <a:endParaRPr lang="en-US" sz="1800" b="0" i="0" dirty="0">
               <a:solidFill>
                 <a:srgbClr val="273239"/>
               </a:solidFill>
               <a:effectLst/>
-              <a:latin typeface="Nunito" pitchFamily="2" charset="0"/>
+              <a:latin typeface="Calibri"/>
+              <a:cs typeface="Calibri"/>
             </a:endParaRPr>
+          </a:p>
+          <a:p>
+            <a:pPr marL="0" indent="0" fontAlgn="base">
+              <a:buNone/>
+            </a:pPr>
+            <a:r>
+              <a:rPr lang="en-US" sz="1800" dirty="0">
+                <a:solidFill>
+                  <a:srgbClr val="273239"/>
+                </a:solidFill>
+                <a:latin typeface="Calibri"/>
+                <a:cs typeface="Calibri"/>
+              </a:rPr>
+              <a:t>    </a:t>
+            </a:r>
+            <a:r>
+              <a:rPr lang="en-US" sz="1800" b="0" i="0" dirty="0">
+                <a:solidFill>
+                  <a:srgbClr val="273239"/>
+                </a:solidFill>
+                <a:effectLst/>
+                <a:latin typeface="Calibri"/>
+                <a:cs typeface="Calibri"/>
+              </a:rPr>
+              <a:t> WHERE </a:t>
+            </a:r>
+            <a:r>
+              <a:rPr lang="en-US" sz="1800" b="0" i="0" dirty="0" err="1">
+                <a:solidFill>
+                  <a:srgbClr val="273239"/>
+                </a:solidFill>
+                <a:effectLst/>
+                <a:latin typeface="Calibri"/>
+                <a:cs typeface="Calibri"/>
+              </a:rPr>
+              <a:t>f.film_id</a:t>
+            </a:r>
+            <a:r>
+              <a:rPr lang="en-US" sz="1800" b="0" i="0" dirty="0">
+                <a:solidFill>
+                  <a:srgbClr val="273239"/>
+                </a:solidFill>
+                <a:effectLst/>
+                <a:latin typeface="Calibri"/>
+                <a:cs typeface="Calibri"/>
+              </a:rPr>
+              <a:t> = </a:t>
+            </a:r>
+            <a:r>
+              <a:rPr lang="en-US" sz="1800" b="0" i="0" dirty="0" err="1">
+                <a:solidFill>
+                  <a:srgbClr val="273239"/>
+                </a:solidFill>
+                <a:effectLst/>
+                <a:latin typeface="Calibri"/>
+                <a:cs typeface="Calibri"/>
+              </a:rPr>
+              <a:t>i.film_id</a:t>
+            </a:r>
+            <a:r>
+              <a:rPr lang="en-US" sz="1800" b="0" i="0" dirty="0">
+                <a:solidFill>
+                  <a:srgbClr val="273239"/>
+                </a:solidFill>
+                <a:effectLst/>
+                <a:latin typeface="Calibri"/>
+                <a:cs typeface="Calibri"/>
+              </a:rPr>
+              <a:t> )</a:t>
+            </a:r>
+          </a:p>
+          <a:p>
+            <a:pPr marL="0" indent="0" algn="l" fontAlgn="base">
+              <a:buNone/>
+            </a:pPr>
+            <a:r>
+              <a:rPr lang="en-US" sz="1800" b="0" i="0" dirty="0">
+                <a:solidFill>
+                  <a:srgbClr val="273239"/>
+                </a:solidFill>
+                <a:effectLst/>
+                <a:latin typeface="Calibri"/>
+                <a:cs typeface="Calibri"/>
+              </a:rPr>
+              <a:t>ORDER BY title;</a:t>
+            </a:r>
           </a:p>
         </p:txBody>
       </p:sp>
     </p:spTree>
     <p:extLst>
       <p:ext uri="{BB962C8B-B14F-4D97-AF65-F5344CB8AC3E}">
-        <p14:creationId xmlns:p14="http://schemas.microsoft.com/office/powerpoint/2010/main" val="1664075873"/>
+        <p14:creationId xmlns:p14="http://schemas.microsoft.com/office/powerpoint/2010/main" val="2179145596"/>
       </p:ext>
     </p:extLst>
   </p:cSld>
@@ -8508,8 +8902,8 @@
         </p:nvSpPr>
         <p:spPr>
           <a:xfrm>
-            <a:off x="968829" y="814046"/>
-            <a:ext cx="9656989" cy="584775"/>
+            <a:off x="849635" y="145625"/>
+            <a:ext cx="9656989" cy="1569660"/>
           </a:xfrm>
           <a:prstGeom prst="rect">
             <a:avLst/>
@@ -8524,14 +8918,6 @@
           <a:p>
             <a:pPr algn="l" fontAlgn="base"/>
             <a:r>
-              <a:rPr lang="en-IN" sz="3200" b="0" i="0" u="sng" dirty="0">
-                <a:effectLst/>
-                <a:latin typeface="Nunito" pitchFamily="2" charset="0"/>
-                <a:hlinkClick r:id="rId2"/>
-              </a:rPr>
-              <a:t>SQL Operators</a:t>
-            </a:r>
-            <a:r>
               <a:rPr lang="en-IN" sz="3200" b="1" i="0" dirty="0">
                 <a:solidFill>
                   <a:srgbClr val="273239"/>
@@ -8539,8 +8925,28 @@
                 <a:effectLst/>
                 <a:latin typeface="Source Sans 3"/>
               </a:rPr>
-              <a:t> | BETWEEN &amp; IN Operator</a:t>
-            </a:r>
+              <a:t>IF Statement</a:t>
+            </a:r>
+          </a:p>
+          <a:p>
+            <a:pPr fontAlgn="base"/>
+            <a:endParaRPr lang="en-IN" sz="3200" b="1" i="0" dirty="0">
+              <a:solidFill>
+                <a:srgbClr val="273239"/>
+              </a:solidFill>
+              <a:effectLst/>
+              <a:latin typeface="Source Sans 3"/>
+            </a:endParaRPr>
+          </a:p>
+          <a:p>
+            <a:pPr algn="l" fontAlgn="base"/>
+            <a:endParaRPr lang="en-IN" sz="3200" b="1" i="0" dirty="0">
+              <a:solidFill>
+                <a:srgbClr val="273239"/>
+              </a:solidFill>
+              <a:effectLst/>
+              <a:latin typeface="Source Sans 3"/>
+            </a:endParaRPr>
           </a:p>
         </p:txBody>
       </p:sp>
@@ -8560,417 +8966,302 @@
             <p:ph idx="1"/>
           </p:nvPr>
         </p:nvSpPr>
-        <p:spPr/>
+        <p:spPr>
+          <a:xfrm>
+            <a:off x="784726" y="1010151"/>
+            <a:ext cx="10515600" cy="5688179"/>
+          </a:xfrm>
+        </p:spPr>
         <p:txBody>
           <a:bodyPr vert="horz" lIns="91440" tIns="45720" rIns="91440" bIns="45720" rtlCol="0" anchor="t">
-            <a:normAutofit lnSpcReduction="10000"/>
+            <a:normAutofit fontScale="92500" lnSpcReduction="10000"/>
           </a:bodyPr>
           <a:lstStyle/>
           <a:p>
-            <a:pPr marL="0" indent="0" algn="just" fontAlgn="base">
-              <a:buNone/>
-            </a:pPr>
-            <a:r>
-              <a:rPr lang="en-US" sz="1800" b="0" i="0" dirty="0">
-                <a:solidFill>
-                  <a:srgbClr val="273239"/>
-                </a:solidFill>
-                <a:effectLst/>
-                <a:latin typeface="Calibri"/>
-                <a:cs typeface="Calibri"/>
-              </a:rPr>
-              <a:t>Operators are the foundation of any programming language. We can define operators as symbols that help us to perform specific mathematical and logical computations on operands. In other words, we can say that an operator operates the operands.</a:t>
-            </a:r>
-          </a:p>
-          <a:p>
-            <a:pPr marL="0" indent="0" algn="just" fontAlgn="base">
-              <a:buNone/>
-            </a:pPr>
-            <a:endParaRPr lang="en-US" sz="800" dirty="0">
-              <a:solidFill>
-                <a:srgbClr val="273239"/>
-              </a:solidFill>
-              <a:latin typeface="Calibri"/>
+            <a:pPr fontAlgn="base"/>
+            <a:r>
+              <a:rPr lang="en-US" sz="2000" u="sng" dirty="0">
+                <a:solidFill>
+                  <a:srgbClr val="000000"/>
+                </a:solidFill>
+                <a:latin typeface="Calibri"/>
+                <a:cs typeface="Calibri"/>
+                <a:hlinkClick r:id="rId2"/>
+              </a:rPr>
+              <a:t>PostgreSQL </a:t>
+            </a:r>
+            <a:r>
+              <a:rPr lang="en-US" sz="2000" dirty="0">
+                <a:solidFill>
+                  <a:srgbClr val="273239"/>
+                </a:solidFill>
+                <a:latin typeface="Calibri"/>
+                <a:cs typeface="Calibri"/>
+              </a:rPr>
+              <a:t>has an IF statement executes `statements` if a condition is true. If the condition evaluates to false, the control is passed to the next statement after the END IF part.</a:t>
+            </a:r>
+            <a:endParaRPr lang="en-US" sz="2000" dirty="0">
               <a:cs typeface="Calibri"/>
             </a:endParaRPr>
           </a:p>
           <a:p>
-            <a:pPr marL="0" indent="0" algn="just" fontAlgn="base">
+            <a:pPr marL="0" indent="0">
               <a:buNone/>
             </a:pPr>
             <a:r>
-              <a:rPr lang="en-IN" sz="900" b="1" i="0" dirty="0">
-                <a:solidFill>
-                  <a:srgbClr val="273239"/>
-                </a:solidFill>
-                <a:effectLst/>
-                <a:latin typeface="Calibri"/>
-                <a:cs typeface="Calibri"/>
-              </a:rPr>
-              <a:t>Between Operator</a:t>
-            </a:r>
-          </a:p>
-          <a:p>
-            <a:pPr marL="0" indent="0" algn="just" fontAlgn="base">
-              <a:buNone/>
-            </a:pPr>
-            <a:r>
-              <a:rPr lang="en-US" sz="1800" b="0" i="0" dirty="0">
-                <a:solidFill>
-                  <a:srgbClr val="273239"/>
-                </a:solidFill>
-                <a:effectLst/>
-                <a:latin typeface="Calibri"/>
-                <a:cs typeface="Calibri"/>
-              </a:rPr>
-              <a:t>The SQL BETWEEN condition allows you to easily test if an expression is within a range of values (inclusive). The values can be text, date, or numbers. It can be used in a </a:t>
-            </a:r>
-            <a:r>
-              <a:rPr lang="en-US" sz="1800" b="0" i="0" u="sng" dirty="0">
-                <a:effectLst/>
-                <a:latin typeface="Calibri"/>
-                <a:cs typeface="Calibri"/>
-                <a:hlinkClick r:id="rId3"/>
-              </a:rPr>
-              <a:t>SELECT</a:t>
-            </a:r>
-            <a:r>
-              <a:rPr lang="en-US" sz="1800" b="0" i="0" dirty="0">
-                <a:solidFill>
-                  <a:srgbClr val="273239"/>
-                </a:solidFill>
-                <a:effectLst/>
-                <a:latin typeface="Calibri"/>
-                <a:cs typeface="Calibri"/>
-              </a:rPr>
-              <a:t>, </a:t>
-            </a:r>
-            <a:r>
-              <a:rPr lang="en-US" sz="1800" b="0" i="0" u="sng" dirty="0">
-                <a:effectLst/>
-                <a:latin typeface="Calibri"/>
-                <a:cs typeface="Calibri"/>
-                <a:hlinkClick r:id="rId4"/>
-              </a:rPr>
-              <a:t>INSERT</a:t>
-            </a:r>
-            <a:r>
-              <a:rPr lang="en-US" sz="1800" b="0" i="0" dirty="0">
-                <a:solidFill>
-                  <a:srgbClr val="273239"/>
-                </a:solidFill>
-                <a:effectLst/>
-                <a:latin typeface="Calibri"/>
-                <a:cs typeface="Calibri"/>
-              </a:rPr>
-              <a:t>, </a:t>
-            </a:r>
-            <a:r>
-              <a:rPr lang="en-US" sz="1800" b="0" i="0" u="sng" dirty="0">
-                <a:effectLst/>
-                <a:latin typeface="Calibri"/>
-                <a:cs typeface="Calibri"/>
-                <a:hlinkClick r:id="rId5"/>
-              </a:rPr>
-              <a:t>UPDATE</a:t>
-            </a:r>
-            <a:r>
-              <a:rPr lang="en-US" sz="1800" b="0" i="0" dirty="0">
-                <a:solidFill>
-                  <a:srgbClr val="273239"/>
-                </a:solidFill>
-                <a:effectLst/>
-                <a:latin typeface="Calibri"/>
-                <a:cs typeface="Calibri"/>
-              </a:rPr>
-              <a:t>, or </a:t>
-            </a:r>
-            <a:r>
-              <a:rPr lang="en-US" sz="1800" b="0" i="0" u="sng" dirty="0">
-                <a:effectLst/>
-                <a:latin typeface="Calibri"/>
-                <a:cs typeface="Calibri"/>
-                <a:hlinkClick r:id="rId6"/>
-              </a:rPr>
-              <a:t>DELETE </a:t>
-            </a:r>
-            <a:r>
-              <a:rPr lang="en-US" sz="1800" b="0" i="0" dirty="0">
-                <a:solidFill>
-                  <a:srgbClr val="273239"/>
-                </a:solidFill>
-                <a:effectLst/>
-                <a:latin typeface="Calibri"/>
-                <a:cs typeface="Calibri"/>
-              </a:rPr>
-              <a:t>statement. The SQL BETWEEN Condition will return the records where the expression is within the range of value1 and value2.</a:t>
-            </a:r>
-          </a:p>
-          <a:p>
-            <a:pPr marL="0" indent="0" algn="just" fontAlgn="base">
-              <a:buNone/>
-            </a:pPr>
-            <a:r>
-              <a:rPr lang="en-IN" sz="1500" b="1" i="0" dirty="0">
-                <a:solidFill>
-                  <a:srgbClr val="273239"/>
-                </a:solidFill>
-                <a:effectLst/>
+              <a:rPr lang="en-US" sz="2000" dirty="0">
+                <a:solidFill>
+                  <a:srgbClr val="273239"/>
+                </a:solidFill>
                 <a:latin typeface="Calibri"/>
                 <a:cs typeface="Calibri"/>
               </a:rPr>
               <a:t>Syntax:</a:t>
             </a:r>
-            <a:endParaRPr lang="en-US" sz="1500">
-              <a:solidFill>
-                <a:srgbClr val="273239"/>
-              </a:solidFill>
-              <a:latin typeface="Calibri"/>
+            <a:endParaRPr lang="en-US" sz="2000" dirty="0">
               <a:cs typeface="Calibri"/>
             </a:endParaRPr>
           </a:p>
           <a:p>
-            <a:pPr marL="0" indent="0" algn="just" fontAlgn="base">
+            <a:pPr marL="0" indent="0">
               <a:buNone/>
             </a:pPr>
             <a:r>
-              <a:rPr lang="en-US" sz="1500" b="1" i="0" dirty="0">
-                <a:solidFill>
-                  <a:srgbClr val="273239"/>
-                </a:solidFill>
-                <a:effectLst/>
-                <a:latin typeface="Calibri"/>
-                <a:cs typeface="Calibri"/>
-              </a:rPr>
-              <a:t>SELECT </a:t>
-            </a:r>
-            <a:r>
-              <a:rPr lang="en-US" sz="1500" b="1" i="0" err="1">
-                <a:solidFill>
-                  <a:srgbClr val="273239"/>
-                </a:solidFill>
-                <a:effectLst/>
-                <a:latin typeface="Calibri"/>
-                <a:cs typeface="Calibri"/>
-              </a:rPr>
-              <a:t>column_name</a:t>
-            </a:r>
-            <a:r>
-              <a:rPr lang="en-US" sz="1500" b="1" i="0" dirty="0">
-                <a:solidFill>
-                  <a:srgbClr val="273239"/>
-                </a:solidFill>
-                <a:effectLst/>
-                <a:latin typeface="Calibri"/>
-                <a:cs typeface="Calibri"/>
-              </a:rPr>
-              <a:t>(s) FROM </a:t>
-            </a:r>
-            <a:r>
-              <a:rPr lang="en-US" sz="1500" b="1" i="0" err="1">
-                <a:solidFill>
-                  <a:srgbClr val="273239"/>
-                </a:solidFill>
-                <a:effectLst/>
-                <a:latin typeface="Calibri"/>
-                <a:cs typeface="Calibri"/>
-              </a:rPr>
-              <a:t>table_name</a:t>
-            </a:r>
-            <a:r>
-              <a:rPr lang="en-US" sz="1500" b="1" i="0" dirty="0">
-                <a:solidFill>
-                  <a:srgbClr val="273239"/>
-                </a:solidFill>
-                <a:effectLst/>
-                <a:latin typeface="Calibri"/>
-                <a:cs typeface="Calibri"/>
-              </a:rPr>
-              <a:t> WHERE </a:t>
-            </a:r>
-            <a:r>
-              <a:rPr lang="en-US" sz="1500" b="1" i="0" err="1">
-                <a:solidFill>
-                  <a:srgbClr val="273239"/>
-                </a:solidFill>
-                <a:effectLst/>
-                <a:latin typeface="Calibri"/>
-                <a:cs typeface="Calibri"/>
-              </a:rPr>
-              <a:t>column_name</a:t>
-            </a:r>
-            <a:r>
-              <a:rPr lang="en-US" sz="1500" b="1" i="0" dirty="0">
-                <a:solidFill>
-                  <a:srgbClr val="273239"/>
-                </a:solidFill>
-                <a:effectLst/>
-                <a:latin typeface="Calibri"/>
-                <a:cs typeface="Calibri"/>
-              </a:rPr>
-              <a:t> BETWEEN value1 AND value2;</a:t>
-            </a:r>
-          </a:p>
-          <a:p>
-            <a:pPr marL="0" indent="0" algn="just" fontAlgn="base">
+              <a:rPr lang="en-US" sz="2000" b="1" dirty="0">
+                <a:solidFill>
+                  <a:srgbClr val="273239"/>
+                </a:solidFill>
+                <a:latin typeface="Calibri"/>
+                <a:cs typeface="Calibri"/>
+              </a:rPr>
+              <a:t>IF condition THEN</a:t>
+            </a:r>
+            <a:endParaRPr lang="en-US" sz="2000" dirty="0">
+              <a:cs typeface="Calibri"/>
+            </a:endParaRPr>
+          </a:p>
+          <a:p>
+            <a:pPr marL="0" indent="0">
               <a:buNone/>
             </a:pPr>
             <a:r>
-              <a:rPr lang="en-US" sz="1500" b="1" i="0" dirty="0">
-                <a:solidFill>
-                  <a:srgbClr val="273239"/>
-                </a:solidFill>
-                <a:effectLst/>
-                <a:latin typeface="Calibri"/>
-                <a:cs typeface="Calibri"/>
-              </a:rPr>
-              <a:t>Using BETWEEN with Numeric Values</a:t>
-            </a:r>
-          </a:p>
-          <a:p>
-            <a:pPr marL="0" indent="0" algn="just" fontAlgn="base">
+              <a:rPr lang="en-US" sz="2000" b="1" dirty="0">
+                <a:solidFill>
+                  <a:srgbClr val="273239"/>
+                </a:solidFill>
+                <a:latin typeface="Calibri"/>
+                <a:cs typeface="Calibri"/>
+              </a:rPr>
+              <a:t>   statements;</a:t>
+            </a:r>
+            <a:endParaRPr lang="en-US" sz="2000" dirty="0">
+              <a:cs typeface="Calibri"/>
+            </a:endParaRPr>
+          </a:p>
+          <a:p>
+            <a:pPr marL="0" indent="0">
               <a:buNone/>
             </a:pPr>
             <a:r>
-              <a:rPr lang="en-US" sz="1500" i="0" dirty="0">
-                <a:solidFill>
-                  <a:srgbClr val="273239"/>
-                </a:solidFill>
-                <a:effectLst/>
-                <a:latin typeface="Calibri"/>
-                <a:cs typeface="Calibri"/>
-              </a:rPr>
-              <a:t>SELECT </a:t>
-            </a:r>
-            <a:r>
-              <a:rPr lang="en-US" sz="1500" i="0" err="1">
-                <a:solidFill>
-                  <a:srgbClr val="273239"/>
-                </a:solidFill>
-                <a:effectLst/>
-                <a:latin typeface="Calibri"/>
-                <a:cs typeface="Calibri"/>
-              </a:rPr>
-              <a:t>column_name</a:t>
-            </a:r>
-            <a:r>
-              <a:rPr lang="en-US" sz="1500" i="0" dirty="0">
-                <a:solidFill>
-                  <a:srgbClr val="273239"/>
-                </a:solidFill>
-                <a:effectLst/>
-                <a:latin typeface="Calibri"/>
-                <a:cs typeface="Calibri"/>
-              </a:rPr>
-              <a:t>(s)FROM </a:t>
-            </a:r>
-            <a:r>
-              <a:rPr lang="en-US" sz="1500" i="0" err="1">
-                <a:solidFill>
-                  <a:srgbClr val="273239"/>
-                </a:solidFill>
-                <a:effectLst/>
-                <a:latin typeface="Calibri"/>
-                <a:cs typeface="Calibri"/>
-              </a:rPr>
-              <a:t>table_nameWHERE</a:t>
-            </a:r>
-            <a:r>
-              <a:rPr lang="en-US" sz="1500" i="0" dirty="0">
-                <a:solidFill>
-                  <a:srgbClr val="273239"/>
-                </a:solidFill>
-                <a:effectLst/>
-                <a:latin typeface="Calibri"/>
-                <a:cs typeface="Calibri"/>
-              </a:rPr>
-              <a:t> </a:t>
-            </a:r>
-            <a:r>
-              <a:rPr lang="en-US" sz="1500" i="0" err="1">
-                <a:solidFill>
-                  <a:srgbClr val="273239"/>
-                </a:solidFill>
-                <a:effectLst/>
-                <a:latin typeface="Calibri"/>
-                <a:cs typeface="Calibri"/>
-              </a:rPr>
-              <a:t>column_name</a:t>
-            </a:r>
-            <a:r>
-              <a:rPr lang="en-US" sz="1500" i="0" dirty="0">
-                <a:solidFill>
-                  <a:srgbClr val="273239"/>
-                </a:solidFill>
-                <a:effectLst/>
-                <a:latin typeface="Calibri"/>
-                <a:cs typeface="Calibri"/>
-              </a:rPr>
-              <a:t> BETWEEN value1 AND value2;</a:t>
-            </a:r>
-          </a:p>
-          <a:p>
-            <a:pPr marL="0" indent="0" algn="just" fontAlgn="base">
+              <a:rPr lang="en-US" sz="2000" b="1" dirty="0">
+                <a:solidFill>
+                  <a:srgbClr val="273239"/>
+                </a:solidFill>
+                <a:latin typeface="Calibri"/>
+                <a:cs typeface="Calibri"/>
+              </a:rPr>
+              <a:t>END IF;</a:t>
+            </a:r>
+            <a:endParaRPr lang="en-US" sz="2000" dirty="0">
+              <a:cs typeface="Calibri"/>
+            </a:endParaRPr>
+          </a:p>
+          <a:p>
+            <a:pPr marL="0" indent="0">
               <a:buNone/>
             </a:pPr>
             <a:r>
-              <a:rPr lang="en-US" sz="1500" b="1" i="0" dirty="0">
-                <a:solidFill>
-                  <a:srgbClr val="273239"/>
-                </a:solidFill>
-                <a:effectLst/>
-                <a:latin typeface="Calibri"/>
-                <a:cs typeface="Calibri"/>
-              </a:rPr>
-              <a:t>Using the NOT Operator with BETWEEN </a:t>
-            </a:r>
-          </a:p>
-          <a:p>
-            <a:pPr marL="0" indent="0" algn="just" fontAlgn="base">
+              <a:rPr lang="en-US" sz="2000" b="1" dirty="0">
+                <a:solidFill>
+                  <a:srgbClr val="273239"/>
+                </a:solidFill>
+                <a:latin typeface="Calibri"/>
+                <a:cs typeface="Calibri"/>
+              </a:rPr>
+              <a:t>In this example, we declare two variables a and b. In the body of the block, we compare the value of a and b using the comparison operator &gt;, &lt; and = in the </a:t>
+            </a:r>
+            <a:r>
+              <a:rPr lang="en-US" sz="2000" b="1" dirty="0" err="1">
+                <a:solidFill>
+                  <a:srgbClr val="273239"/>
+                </a:solidFill>
+                <a:latin typeface="Calibri"/>
+                <a:cs typeface="Calibri"/>
+              </a:rPr>
+              <a:t>boolean</a:t>
+            </a:r>
+            <a:r>
+              <a:rPr lang="en-US" sz="2000" b="1" dirty="0">
+                <a:solidFill>
+                  <a:srgbClr val="273239"/>
+                </a:solidFill>
+                <a:latin typeface="Calibri"/>
+                <a:cs typeface="Calibri"/>
+              </a:rPr>
+              <a:t> expressions of the IF statements.</a:t>
+            </a:r>
+            <a:endParaRPr lang="en-US" sz="2000" dirty="0">
+              <a:cs typeface="Calibri"/>
+            </a:endParaRPr>
+          </a:p>
+          <a:p>
+            <a:pPr marL="0" indent="0">
               <a:buNone/>
             </a:pPr>
             <a:r>
-              <a:rPr lang="en-US" sz="1500" b="0" i="0" dirty="0">
-                <a:solidFill>
-                  <a:srgbClr val="273239"/>
-                </a:solidFill>
-                <a:effectLst/>
-                <a:latin typeface="Calibri"/>
-                <a:cs typeface="Calibri"/>
-              </a:rPr>
-              <a:t>Find all the Employee names whose salary is not in the range of 30000 and 45000.</a:t>
-            </a:r>
-            <a:endParaRPr lang="en-US" sz="1500" b="1" i="0">
+              <a:rPr lang="en-US" sz="2000" b="1" dirty="0">
+                <a:solidFill>
+                  <a:srgbClr val="273239"/>
+                </a:solidFill>
+                <a:latin typeface="Calibri"/>
+                <a:cs typeface="Calibri"/>
+              </a:rPr>
+              <a:t>DO $$</a:t>
+            </a:r>
+            <a:endParaRPr lang="en-US" sz="2000" dirty="0">
+              <a:cs typeface="Calibri"/>
+            </a:endParaRPr>
+          </a:p>
+          <a:p>
+            <a:pPr marL="0" indent="0">
+              <a:buNone/>
+            </a:pPr>
+            <a:r>
+              <a:rPr lang="en-US" sz="2000" b="1" dirty="0">
+                <a:solidFill>
+                  <a:srgbClr val="273239"/>
+                </a:solidFill>
+                <a:latin typeface="Calibri"/>
+                <a:cs typeface="Calibri"/>
+              </a:rPr>
+              <a:t>DECLARE</a:t>
+            </a:r>
+            <a:endParaRPr lang="en-US" sz="2000" dirty="0">
+              <a:cs typeface="Calibri"/>
+            </a:endParaRPr>
+          </a:p>
+          <a:p>
+            <a:pPr marL="0" indent="0">
+              <a:buNone/>
+            </a:pPr>
+            <a:r>
+              <a:rPr lang="en-US" sz="2000" b="1" dirty="0">
+                <a:solidFill>
+                  <a:srgbClr val="273239"/>
+                </a:solidFill>
+                <a:latin typeface="Calibri"/>
+                <a:cs typeface="Calibri"/>
+              </a:rPr>
+              <a:t>  a integer := 10;</a:t>
+            </a:r>
+            <a:endParaRPr lang="en-US" sz="2000" dirty="0">
+              <a:cs typeface="Calibri"/>
+            </a:endParaRPr>
+          </a:p>
+          <a:p>
+            <a:pPr marL="0" indent="0">
+              <a:buNone/>
+            </a:pPr>
+            <a:r>
+              <a:rPr lang="en-US" sz="2000" b="1" dirty="0">
+                <a:solidFill>
+                  <a:srgbClr val="273239"/>
+                </a:solidFill>
+                <a:latin typeface="Calibri"/>
+                <a:cs typeface="Calibri"/>
+              </a:rPr>
+              <a:t>  b integer := 20;</a:t>
+            </a:r>
+            <a:endParaRPr lang="en-US" sz="2000" dirty="0">
+              <a:cs typeface="Calibri"/>
+            </a:endParaRPr>
+          </a:p>
+          <a:p>
+            <a:pPr marL="0" indent="0">
+              <a:buNone/>
+            </a:pPr>
+            <a:r>
+              <a:rPr lang="en-US" sz="2000" b="1" dirty="0">
+                <a:solidFill>
+                  <a:srgbClr val="273239"/>
+                </a:solidFill>
+                <a:latin typeface="Calibri"/>
+                <a:cs typeface="Calibri"/>
+              </a:rPr>
+              <a:t>BEGIN </a:t>
+            </a:r>
+          </a:p>
+          <a:p>
+            <a:pPr marL="0" indent="0">
+              <a:buNone/>
+            </a:pPr>
+            <a:r>
+              <a:rPr lang="en-US" sz="2000" b="1" dirty="0">
+                <a:solidFill>
+                  <a:srgbClr val="273239"/>
+                </a:solidFill>
+                <a:latin typeface="Calibri"/>
+                <a:cs typeface="Calibri"/>
+              </a:rPr>
+              <a:t>  IF a &gt; b THEN</a:t>
+            </a:r>
+            <a:endParaRPr lang="en-US" sz="2000" dirty="0">
+              <a:cs typeface="Calibri"/>
+            </a:endParaRPr>
+          </a:p>
+          <a:p>
+            <a:pPr marL="0" indent="0">
+              <a:buNone/>
+            </a:pPr>
+            <a:r>
+              <a:rPr lang="en-US" sz="2000" b="1" dirty="0">
+                <a:solidFill>
+                  <a:srgbClr val="273239"/>
+                </a:solidFill>
+                <a:latin typeface="Calibri"/>
+                <a:cs typeface="Calibri"/>
+              </a:rPr>
+              <a:t>    RAISE NOTICE 'a is greater than b';</a:t>
+            </a:r>
+            <a:endParaRPr lang="en-US" sz="2000" dirty="0"/>
+          </a:p>
+          <a:p>
+            <a:pPr marL="0" indent="0" fontAlgn="base">
+              <a:buNone/>
+            </a:pPr>
+            <a:r>
+              <a:rPr lang="en-US" sz="800" b="1" dirty="0">
+                <a:solidFill>
+                  <a:srgbClr val="273239"/>
+                </a:solidFill>
+                <a:latin typeface="Nunito"/>
+              </a:rPr>
+              <a:t>  </a:t>
+            </a:r>
+            <a:endParaRPr lang="en-US" sz="800" b="1" i="0" dirty="0">
               <a:solidFill>
                 <a:srgbClr val="273239"/>
               </a:solidFill>
               <a:effectLst/>
-              <a:latin typeface="Calibri"/>
-              <a:cs typeface="Calibri"/>
+              <a:latin typeface="Nunito" pitchFamily="2" charset="0"/>
             </a:endParaRPr>
-          </a:p>
-          <a:p>
-            <a:pPr marL="0" indent="0" algn="just" fontAlgn="base">
-              <a:buNone/>
-            </a:pPr>
-            <a:r>
-              <a:rPr lang="en-US" sz="1500" i="0" dirty="0">
-                <a:solidFill>
-                  <a:srgbClr val="273239"/>
-                </a:solidFill>
-                <a:effectLst/>
-                <a:latin typeface="Calibri"/>
-                <a:cs typeface="Calibri"/>
-              </a:rPr>
-              <a:t>SELECT Name FROM Emp WHERE Salary NOT BETWEEN 30000 AND 45000;</a:t>
-            </a:r>
           </a:p>
         </p:txBody>
       </p:sp>
     </p:spTree>
     <p:extLst>
       <p:ext uri="{BB962C8B-B14F-4D97-AF65-F5344CB8AC3E}">
-        <p14:creationId xmlns:p14="http://schemas.microsoft.com/office/powerpoint/2010/main" val="1265351006"/>
+        <p14:creationId xmlns:p14="http://schemas.microsoft.com/office/powerpoint/2010/main" val="3009845995"/>
       </p:ext>
     </p:extLst>
   </p:cSld>
@@ -8999,57 +9290,32 @@
       </p:grpSpPr>
       <p:sp>
         <p:nvSpPr>
-          <p:cNvPr id="6" name="TextBox 5">
+          <p:cNvPr id="2" name="Title 1">
             <a:extLst>
               <a:ext uri="{FF2B5EF4-FFF2-40B4-BE49-F238E27FC236}">
-                <a16:creationId xmlns:a16="http://schemas.microsoft.com/office/drawing/2014/main" id="{36670B7B-78F1-209D-D478-00089C23D1A7}"/>
+                <a16:creationId xmlns:a16="http://schemas.microsoft.com/office/drawing/2014/main" id="{3C3CA1D4-3CC1-AD8D-548C-D92CB7AB6C11}"/>
               </a:ext>
             </a:extLst>
           </p:cNvPr>
-          <p:cNvSpPr txBox="1"/>
-          <p:nvPr/>
+          <p:cNvSpPr>
+            <a:spLocks noGrp="1"/>
+          </p:cNvSpPr>
+          <p:nvPr>
+            <p:ph type="title"/>
+          </p:nvPr>
         </p:nvSpPr>
-        <p:spPr>
-          <a:xfrm>
-            <a:off x="968829" y="814046"/>
-            <a:ext cx="9656989" cy="584775"/>
-          </a:xfrm>
-          <a:prstGeom prst="rect">
-            <a:avLst/>
-          </a:prstGeom>
-          <a:noFill/>
-        </p:spPr>
+        <p:spPr/>
         <p:txBody>
-          <a:bodyPr wrap="square" rtlCol="0">
-            <a:spAutoFit/>
-          </a:bodyPr>
+          <a:bodyPr/>
           <a:lstStyle/>
           <a:p>
-            <a:pPr algn="l" fontAlgn="base"/>
-            <a:r>
-              <a:rPr lang="en-IN" sz="3200" i="0" u="sng" dirty="0">
-                <a:effectLst/>
-                <a:latin typeface="Nunito" pitchFamily="2" charset="0"/>
-                <a:hlinkClick r:id="rId2">
-                  <a:extLst>
-                    <a:ext uri="{A12FA001-AC4F-418D-AE19-62706E023703}">
-                      <ahyp:hlinkClr xmlns:ahyp="http://schemas.microsoft.com/office/drawing/2018/hyperlinkcolor" val="tx"/>
-                    </a:ext>
-                  </a:extLst>
-                </a:hlinkClick>
-              </a:rPr>
-              <a:t>SQL Operators</a:t>
-            </a:r>
-            <a:r>
-              <a:rPr lang="en-IN" sz="3200" b="1" i="0" dirty="0">
-                <a:solidFill>
-                  <a:srgbClr val="273239"/>
-                </a:solidFill>
-                <a:effectLst/>
-                <a:latin typeface="Source Sans 3"/>
-              </a:rPr>
-              <a:t> |  IN Operator</a:t>
-            </a:r>
+            <a:r>
+              <a:rPr lang="en-US" b="1" dirty="0">
+                <a:cs typeface="Calibri Light"/>
+              </a:rPr>
+              <a:t>IF STATEMENT Cont...</a:t>
+            </a:r>
+            <a:endParaRPr lang="en-US" b="1" dirty="0"/>
           </a:p>
         </p:txBody>
       </p:sp>
@@ -9058,7 +9324,7 @@
           <p:cNvPr id="3" name="Content Placeholder 2">
             <a:extLst>
               <a:ext uri="{FF2B5EF4-FFF2-40B4-BE49-F238E27FC236}">
-                <a16:creationId xmlns:a16="http://schemas.microsoft.com/office/drawing/2014/main" id="{701352DD-24C5-44A6-94F8-5587E5F114BE}"/>
+                <a16:creationId xmlns:a16="http://schemas.microsoft.com/office/drawing/2014/main" id="{E21E52A3-76B6-55B1-1B4D-EC79802B3786}"/>
               </a:ext>
             </a:extLst>
           </p:cNvPr>
@@ -9076,349 +9342,183 @@
           </a:bodyPr>
           <a:lstStyle/>
           <a:p>
-            <a:pPr marL="0" indent="0" algn="just" fontAlgn="base">
+            <a:pPr marL="0" indent="0">
               <a:buNone/>
             </a:pPr>
             <a:r>
-              <a:rPr lang="en-US" sz="2000" dirty="0">
-                <a:solidFill>
-                  <a:srgbClr val="273239"/>
-                </a:solidFill>
-                <a:latin typeface="Calibri"/>
-                <a:cs typeface="Calibri"/>
-              </a:rPr>
-              <a:t>IN operator allows you to easily test if the expression matches any value in the list of values. It is used to remove the need for multiple OR conditions in SELECT, INSERT, UPDATE, or DELETE. You can also use NOT IN to exclude the rows in your list. We should note that any kind of duplicate entry will be retained.</a:t>
-            </a:r>
-            <a:endParaRPr lang="en-US" sz="2000">
-              <a:latin typeface="Calibri"/>
-              <a:cs typeface="Calibri"/>
-            </a:endParaRPr>
-          </a:p>
-          <a:p>
-            <a:pPr marL="0" indent="0" algn="just">
-              <a:buNone/>
-            </a:pPr>
-            <a:r>
-              <a:rPr lang="en-IN" sz="2000" b="1" dirty="0">
-                <a:solidFill>
-                  <a:srgbClr val="273239"/>
-                </a:solidFill>
-                <a:latin typeface="Calibri"/>
-                <a:cs typeface="Calibri"/>
-              </a:rPr>
-              <a:t>Syntax:</a:t>
-            </a:r>
-            <a:r>
-              <a:rPr lang="en-IN" sz="2000" dirty="0">
-                <a:solidFill>
-                  <a:srgbClr val="273239"/>
-                </a:solidFill>
-                <a:latin typeface="Calibri"/>
-                <a:cs typeface="Calibri"/>
-              </a:rPr>
-              <a:t> </a:t>
-            </a:r>
-            <a:endParaRPr lang="en-US" sz="2000">
-              <a:latin typeface="Calibri"/>
-              <a:cs typeface="Calibri"/>
-            </a:endParaRPr>
-          </a:p>
-          <a:p>
-            <a:pPr marL="0" indent="0" algn="just">
-              <a:buNone/>
-            </a:pPr>
-            <a:r>
-              <a:rPr lang="en-US" sz="2000" dirty="0">
-                <a:solidFill>
-                  <a:srgbClr val="273239"/>
-                </a:solidFill>
-                <a:latin typeface="Calibri"/>
-                <a:cs typeface="Calibri"/>
-              </a:rPr>
-              <a:t>SELECT </a:t>
-            </a:r>
-            <a:r>
-              <a:rPr lang="en-US" sz="2000" dirty="0" err="1">
-                <a:solidFill>
-                  <a:srgbClr val="273239"/>
-                </a:solidFill>
-                <a:latin typeface="Calibri"/>
-                <a:cs typeface="Calibri"/>
-              </a:rPr>
-              <a:t>column_name</a:t>
-            </a:r>
-            <a:r>
-              <a:rPr lang="en-US" sz="2000" dirty="0">
-                <a:solidFill>
-                  <a:srgbClr val="273239"/>
-                </a:solidFill>
-                <a:latin typeface="Calibri"/>
-                <a:cs typeface="Calibri"/>
-              </a:rPr>
-              <a:t>(s)FROM </a:t>
-            </a:r>
-            <a:r>
-              <a:rPr lang="en-US" sz="2000" dirty="0" err="1">
-                <a:solidFill>
-                  <a:srgbClr val="273239"/>
-                </a:solidFill>
-                <a:latin typeface="Calibri"/>
-                <a:cs typeface="Calibri"/>
-              </a:rPr>
-              <a:t>table_name</a:t>
-            </a:r>
-            <a:r>
-              <a:rPr lang="en-US" sz="2000" dirty="0">
-                <a:solidFill>
-                  <a:srgbClr val="273239"/>
-                </a:solidFill>
-                <a:latin typeface="Calibri"/>
-                <a:cs typeface="Calibri"/>
-              </a:rPr>
-              <a:t> WHERE </a:t>
-            </a:r>
-            <a:r>
-              <a:rPr lang="en-US" sz="2000" dirty="0" err="1">
-                <a:solidFill>
-                  <a:srgbClr val="273239"/>
-                </a:solidFill>
-                <a:latin typeface="Calibri"/>
-                <a:cs typeface="Calibri"/>
-              </a:rPr>
-              <a:t>column_name</a:t>
-            </a:r>
-            <a:r>
-              <a:rPr lang="en-US" sz="2000" dirty="0">
-                <a:solidFill>
-                  <a:srgbClr val="273239"/>
-                </a:solidFill>
-                <a:latin typeface="Calibri"/>
-                <a:cs typeface="Calibri"/>
-              </a:rPr>
-              <a:t> IN (</a:t>
-            </a:r>
-            <a:r>
-              <a:rPr lang="en-US" sz="2000" dirty="0" err="1">
-                <a:solidFill>
-                  <a:srgbClr val="273239"/>
-                </a:solidFill>
-                <a:latin typeface="Calibri"/>
-                <a:cs typeface="Calibri"/>
-              </a:rPr>
-              <a:t>list_of_values</a:t>
-            </a:r>
-            <a:r>
-              <a:rPr lang="en-US" sz="2000" dirty="0">
-                <a:solidFill>
-                  <a:srgbClr val="273239"/>
-                </a:solidFill>
-                <a:latin typeface="Calibri"/>
-                <a:cs typeface="Calibri"/>
-              </a:rPr>
-              <a:t>);</a:t>
-            </a:r>
-            <a:endParaRPr lang="en-US" sz="2000">
-              <a:latin typeface="Calibri"/>
-              <a:cs typeface="Calibri"/>
-            </a:endParaRPr>
-          </a:p>
-          <a:p>
-            <a:pPr marL="0" indent="0" algn="just">
-              <a:buNone/>
-            </a:pPr>
-            <a:r>
-              <a:rPr lang="en-US" sz="2000" dirty="0">
-                <a:solidFill>
-                  <a:srgbClr val="273239"/>
-                </a:solidFill>
-                <a:latin typeface="Calibri"/>
-                <a:cs typeface="Calibri"/>
-              </a:rPr>
-              <a:t>Find the </a:t>
-            </a:r>
-            <a:r>
-              <a:rPr lang="en-US" sz="2000" err="1">
-                <a:solidFill>
-                  <a:srgbClr val="273239"/>
-                </a:solidFill>
-                <a:latin typeface="Calibri"/>
-                <a:cs typeface="Calibri"/>
-              </a:rPr>
-              <a:t>Fname</a:t>
-            </a:r>
-            <a:r>
-              <a:rPr lang="en-US" sz="2000" dirty="0">
-                <a:solidFill>
-                  <a:srgbClr val="273239"/>
-                </a:solidFill>
-                <a:latin typeface="Calibri"/>
-                <a:cs typeface="Calibri"/>
-              </a:rPr>
-              <a:t>, and </a:t>
-            </a:r>
-            <a:r>
-              <a:rPr lang="en-US" sz="2000" err="1">
-                <a:solidFill>
-                  <a:srgbClr val="273239"/>
-                </a:solidFill>
-                <a:latin typeface="Calibri"/>
-                <a:cs typeface="Calibri"/>
-              </a:rPr>
-              <a:t>Lname</a:t>
-            </a:r>
-            <a:r>
-              <a:rPr lang="en-US" sz="2000" dirty="0">
-                <a:solidFill>
-                  <a:srgbClr val="273239"/>
-                </a:solidFill>
-                <a:latin typeface="Calibri"/>
-                <a:cs typeface="Calibri"/>
-              </a:rPr>
-              <a:t> of the Employees who have a Salary equal to 30000, 40000, or 25000.</a:t>
-            </a:r>
-            <a:endParaRPr lang="en-US" sz="2000">
-              <a:latin typeface="Calibri"/>
-              <a:cs typeface="Calibri"/>
-            </a:endParaRPr>
-          </a:p>
-          <a:p>
-            <a:pPr marL="0" indent="0" algn="just">
-              <a:buNone/>
-            </a:pPr>
-            <a:r>
-              <a:rPr lang="en-IN" sz="2000" b="1" dirty="0">
-                <a:solidFill>
-                  <a:srgbClr val="273239"/>
-                </a:solidFill>
-                <a:latin typeface="Calibri"/>
-                <a:cs typeface="Calibri"/>
-              </a:rPr>
-              <a:t>Query:</a:t>
-            </a:r>
-            <a:endParaRPr lang="en-US" sz="2000" dirty="0">
+              <a:rPr lang="en-US" sz="2400" b="1" dirty="0">
+                <a:solidFill>
+                  <a:srgbClr val="273239"/>
+                </a:solidFill>
+                <a:latin typeface="Segoe UI"/>
+                <a:cs typeface="Segoe UI"/>
+              </a:rPr>
+              <a:t>END IF;</a:t>
+            </a:r>
+            <a:endParaRPr lang="en-US" sz="2400" dirty="0">
               <a:solidFill>
                 <a:srgbClr val="273239"/>
               </a:solidFill>
-              <a:latin typeface="Calibri"/>
-              <a:cs typeface="Calibri"/>
+              <a:latin typeface="Segoe UI"/>
+              <a:cs typeface="Segoe UI"/>
             </a:endParaRPr>
           </a:p>
           <a:p>
-            <a:pPr marL="0" indent="0" algn="just">
+            <a:pPr marL="0" indent="0">
               <a:buNone/>
             </a:pPr>
             <a:r>
-              <a:rPr lang="en-US" sz="2000" dirty="0">
-                <a:solidFill>
-                  <a:srgbClr val="273239"/>
-                </a:solidFill>
-                <a:latin typeface="Calibri"/>
-                <a:cs typeface="Calibri"/>
-              </a:rPr>
-              <a:t>SELECT Name FROM Emp WHERE Salary IN (30000, 40000, 25000);</a:t>
-            </a:r>
-            <a:endParaRPr lang="en-US" sz="2000">
-              <a:latin typeface="Calibri"/>
-              <a:cs typeface="Calibri"/>
-            </a:endParaRPr>
-          </a:p>
-          <a:p>
-            <a:pPr marL="0" indent="0" algn="just">
-              <a:buNone/>
-            </a:pPr>
-            <a:r>
-              <a:rPr lang="en-US" sz="2000" dirty="0">
-                <a:solidFill>
-                  <a:srgbClr val="273239"/>
-                </a:solidFill>
-                <a:latin typeface="Calibri"/>
-                <a:cs typeface="Calibri"/>
-              </a:rPr>
-              <a:t>Find the </a:t>
-            </a:r>
-            <a:r>
-              <a:rPr lang="en-US" sz="2000" err="1">
-                <a:solidFill>
-                  <a:srgbClr val="273239"/>
-                </a:solidFill>
-                <a:latin typeface="Calibri"/>
-                <a:cs typeface="Calibri"/>
-              </a:rPr>
-              <a:t>Fname</a:t>
-            </a:r>
-            <a:r>
-              <a:rPr lang="en-US" sz="2000" dirty="0">
-                <a:solidFill>
-                  <a:srgbClr val="273239"/>
-                </a:solidFill>
-                <a:latin typeface="Calibri"/>
-                <a:cs typeface="Calibri"/>
-              </a:rPr>
-              <a:t> and </a:t>
-            </a:r>
-            <a:r>
-              <a:rPr lang="en-US" sz="2000" err="1">
-                <a:solidFill>
-                  <a:srgbClr val="273239"/>
-                </a:solidFill>
-                <a:latin typeface="Calibri"/>
-                <a:cs typeface="Calibri"/>
-              </a:rPr>
-              <a:t>Lname</a:t>
-            </a:r>
-            <a:r>
-              <a:rPr lang="en-US" sz="2000" dirty="0">
-                <a:solidFill>
-                  <a:srgbClr val="273239"/>
-                </a:solidFill>
-                <a:latin typeface="Calibri"/>
-                <a:cs typeface="Calibri"/>
-              </a:rPr>
-              <a:t> of all the Employees who has a Salary not equal to 25000 or 30000.</a:t>
-            </a:r>
-            <a:endParaRPr lang="en-US" sz="2000">
-              <a:latin typeface="Calibri"/>
-              <a:cs typeface="Calibri"/>
-            </a:endParaRPr>
-          </a:p>
-          <a:p>
-            <a:pPr marL="0" indent="0" algn="just">
-              <a:buNone/>
-            </a:pPr>
-            <a:r>
-              <a:rPr lang="en-IN" sz="2000" b="1" dirty="0">
-                <a:solidFill>
-                  <a:srgbClr val="273239"/>
-                </a:solidFill>
-                <a:latin typeface="Calibri"/>
-                <a:cs typeface="Calibri"/>
-              </a:rPr>
-              <a:t>Query:</a:t>
-            </a:r>
-            <a:endParaRPr lang="en-US" sz="2000" dirty="0">
+              <a:rPr lang="en-US" sz="2400" b="1" dirty="0">
+                <a:solidFill>
+                  <a:srgbClr val="273239"/>
+                </a:solidFill>
+                <a:latin typeface="Segoe UI"/>
+                <a:cs typeface="Segoe UI"/>
+              </a:rPr>
+              <a:t>  IF a &lt; b THEN</a:t>
+            </a:r>
+            <a:endParaRPr lang="en-US" sz="2400" dirty="0">
               <a:solidFill>
                 <a:srgbClr val="273239"/>
               </a:solidFill>
-              <a:latin typeface="Calibri"/>
-              <a:cs typeface="Calibri"/>
+              <a:latin typeface="Segoe UI"/>
+              <a:cs typeface="Segoe UI"/>
             </a:endParaRPr>
           </a:p>
           <a:p>
-            <a:pPr marL="0" indent="0" algn="just">
+            <a:pPr marL="0" indent="0">
               <a:buNone/>
             </a:pPr>
             <a:r>
-              <a:rPr lang="en-US" sz="2000" dirty="0">
-                <a:solidFill>
-                  <a:srgbClr val="273239"/>
-                </a:solidFill>
-                <a:latin typeface="Calibri"/>
-                <a:cs typeface="Calibri"/>
-              </a:rPr>
-              <a:t>SELECT Name FROM Emp WHERE Salary NOT IN (25000, 30000);</a:t>
-            </a:r>
-            <a:endParaRPr lang="en-US" sz="2000">
-              <a:latin typeface="Calibri"/>
+              <a:rPr lang="en-US" sz="2400" b="1" dirty="0">
+                <a:solidFill>
+                  <a:srgbClr val="273239"/>
+                </a:solidFill>
+                <a:latin typeface="Segoe UI"/>
+                <a:cs typeface="Segoe UI"/>
+              </a:rPr>
+              <a:t>    RAISE NOTICE 'a is less than b';</a:t>
+            </a:r>
+            <a:endParaRPr lang="en-US" sz="2400" dirty="0">
+              <a:solidFill>
+                <a:srgbClr val="273239"/>
+              </a:solidFill>
+              <a:latin typeface="Segoe UI"/>
+              <a:cs typeface="Segoe UI"/>
+            </a:endParaRPr>
+          </a:p>
+          <a:p>
+            <a:pPr marL="0" indent="0">
+              <a:buNone/>
+            </a:pPr>
+            <a:r>
+              <a:rPr lang="en-US" sz="2400" b="1" dirty="0">
+                <a:solidFill>
+                  <a:srgbClr val="273239"/>
+                </a:solidFill>
+                <a:latin typeface="Segoe UI"/>
+                <a:cs typeface="Segoe UI"/>
+              </a:rPr>
+              <a:t>  END IF;</a:t>
+            </a:r>
+            <a:endParaRPr lang="en-US" sz="2400" dirty="0">
+              <a:solidFill>
+                <a:srgbClr val="273239"/>
+              </a:solidFill>
+              <a:latin typeface="Segoe UI"/>
+              <a:cs typeface="Segoe UI"/>
+            </a:endParaRPr>
+          </a:p>
+          <a:p>
+            <a:pPr marL="0" indent="0">
+              <a:buNone/>
+            </a:pPr>
+            <a:r>
+              <a:rPr lang="en-US" sz="2400" b="1" dirty="0">
+                <a:solidFill>
+                  <a:srgbClr val="273239"/>
+                </a:solidFill>
+                <a:latin typeface="Segoe UI"/>
+                <a:cs typeface="Segoe UI"/>
+              </a:rPr>
+              <a:t>  IF a = b THEN</a:t>
+            </a:r>
+            <a:endParaRPr lang="en-US" sz="2400" dirty="0">
+              <a:solidFill>
+                <a:srgbClr val="273239"/>
+              </a:solidFill>
+              <a:latin typeface="Segoe UI"/>
+              <a:cs typeface="Segoe UI"/>
+            </a:endParaRPr>
+          </a:p>
+          <a:p>
+            <a:pPr marL="0" indent="0">
+              <a:buNone/>
+            </a:pPr>
+            <a:r>
+              <a:rPr lang="en-US" sz="2400" b="1" dirty="0">
+                <a:solidFill>
+                  <a:srgbClr val="273239"/>
+                </a:solidFill>
+                <a:latin typeface="Segoe UI"/>
+                <a:cs typeface="Segoe UI"/>
+              </a:rPr>
+              <a:t>    RAISE NOTICE 'a is equal to b';</a:t>
+            </a:r>
+            <a:endParaRPr lang="en-US" sz="2400" dirty="0">
+              <a:solidFill>
+                <a:srgbClr val="273239"/>
+              </a:solidFill>
+              <a:latin typeface="Segoe UI"/>
+              <a:cs typeface="Segoe UI"/>
+            </a:endParaRPr>
+          </a:p>
+          <a:p>
+            <a:pPr marL="0" indent="0">
+              <a:buNone/>
+            </a:pPr>
+            <a:r>
+              <a:rPr lang="en-US" sz="2400" b="1" dirty="0">
+                <a:solidFill>
+                  <a:srgbClr val="273239"/>
+                </a:solidFill>
+                <a:latin typeface="Segoe UI"/>
+                <a:cs typeface="Segoe UI"/>
+              </a:rPr>
+              <a:t>  END IF;</a:t>
+            </a:r>
+            <a:endParaRPr lang="en-US" sz="2400" dirty="0">
+              <a:solidFill>
+                <a:srgbClr val="273239"/>
+              </a:solidFill>
+              <a:latin typeface="Segoe UI"/>
+              <a:cs typeface="Segoe UI"/>
+            </a:endParaRPr>
+          </a:p>
+          <a:p>
+            <a:pPr marL="0" indent="0">
+              <a:buNone/>
+            </a:pPr>
+            <a:r>
+              <a:rPr lang="en-US" sz="2400" b="1" dirty="0">
+                <a:solidFill>
+                  <a:srgbClr val="273239"/>
+                </a:solidFill>
+                <a:latin typeface="Segoe UI"/>
+                <a:cs typeface="Segoe UI"/>
+              </a:rPr>
+              <a:t>END $$;</a:t>
+            </a:r>
+            <a:endParaRPr lang="en-US" sz="3200" dirty="0">
+              <a:solidFill>
+                <a:srgbClr val="273239"/>
+              </a:solidFill>
+              <a:latin typeface="Segoe UI"/>
+              <a:cs typeface="Segoe UI"/>
+            </a:endParaRPr>
+          </a:p>
+          <a:p>
+            <a:endParaRPr lang="en-US" dirty="0">
               <a:cs typeface="Calibri"/>
             </a:endParaRPr>
           </a:p>
@@ -9427,7 +9527,7 @@
     </p:spTree>
     <p:extLst>
       <p:ext uri="{BB962C8B-B14F-4D97-AF65-F5344CB8AC3E}">
-        <p14:creationId xmlns:p14="http://schemas.microsoft.com/office/powerpoint/2010/main" val="2553123298"/>
+        <p14:creationId xmlns:p14="http://schemas.microsoft.com/office/powerpoint/2010/main" val="3386573484"/>
       </p:ext>
     </p:extLst>
   </p:cSld>
